--- a/Design20161208.pptx
+++ b/Design20161208.pptx
@@ -14,6 +14,8 @@
     <p:sldId id="262" r:id="rId8"/>
     <p:sldId id="263" r:id="rId9"/>
     <p:sldId id="264" r:id="rId10"/>
+    <p:sldId id="265" r:id="rId11"/>
+    <p:sldId id="266" r:id="rId12"/>
   </p:sldIdLst>
   <p:sldSz cx="9144000" cy="6858000" type="screen4x3"/>
   <p:notesSz cx="6858000" cy="9144000"/>
@@ -3454,6 +3456,340 @@
 </p:sld>
 </file>
 
+<file path=ppt/slides/slide10.xml><?xml version="1.0" encoding="utf-8"?>
+<p:sld xmlns:a="http://schemas.openxmlformats.org/drawingml/2006/main" xmlns:r="http://schemas.openxmlformats.org/officeDocument/2006/relationships" xmlns:p="http://schemas.openxmlformats.org/presentationml/2006/main">
+  <p:cSld>
+    <p:spTree>
+      <p:nvGrpSpPr>
+        <p:cNvPr id="1" name=""/>
+        <p:cNvGrpSpPr/>
+        <p:nvPr/>
+      </p:nvGrpSpPr>
+      <p:grpSpPr>
+        <a:xfrm>
+          <a:off x="0" y="0"/>
+          <a:ext cx="0" cy="0"/>
+          <a:chOff x="0" y="0"/>
+          <a:chExt cx="0" cy="0"/>
+        </a:xfrm>
+      </p:grpSpPr>
+      <p:sp>
+        <p:nvSpPr>
+          <p:cNvPr id="2" name="タイトル 1"/>
+          <p:cNvSpPr>
+            <a:spLocks noGrp="1"/>
+          </p:cNvSpPr>
+          <p:nvPr>
+            <p:ph type="title"/>
+          </p:nvPr>
+        </p:nvSpPr>
+        <p:spPr/>
+        <p:txBody>
+          <a:bodyPr/>
+          <a:lstStyle/>
+          <a:p>
+            <a:r>
+              <a:rPr kumimoji="1" lang="ja-JP" altLang="en-US" dirty="0" smtClean="0"/>
+              <a:t>カメラ設定</a:t>
+            </a:r>
+            <a:endParaRPr kumimoji="1" lang="ja-JP" altLang="en-US" dirty="0"/>
+          </a:p>
+        </p:txBody>
+      </p:sp>
+      <p:sp>
+        <p:nvSpPr>
+          <p:cNvPr id="3" name="コンテンツ プレースホルダー 2"/>
+          <p:cNvSpPr>
+            <a:spLocks noGrp="1"/>
+          </p:cNvSpPr>
+          <p:nvPr>
+            <p:ph idx="1"/>
+          </p:nvPr>
+        </p:nvSpPr>
+        <p:spPr/>
+        <p:txBody>
+          <a:bodyPr>
+            <a:normAutofit fontScale="92500" lnSpcReduction="10000"/>
+          </a:bodyPr>
+          <a:lstStyle/>
+          <a:p>
+            <a:r>
+              <a:rPr kumimoji="1" lang="ja-JP" altLang="en-US" dirty="0" smtClean="0"/>
+              <a:t>利用者が指定するのは</a:t>
+            </a:r>
+            <a:endParaRPr kumimoji="1" lang="en-US" altLang="ja-JP" dirty="0" smtClean="0"/>
+          </a:p>
+          <a:p>
+            <a:pPr lvl="1"/>
+            <a:r>
+              <a:rPr lang="ja-JP" altLang="en-US" dirty="0" smtClean="0"/>
+              <a:t>視点（カメラの位置</a:t>
+            </a:r>
+            <a:r>
+              <a:rPr lang="en-US" altLang="ja-JP" dirty="0" smtClean="0"/>
+              <a:t>:origin)</a:t>
+            </a:r>
+          </a:p>
+          <a:p>
+            <a:pPr lvl="1"/>
+            <a:r>
+              <a:rPr lang="ja-JP" altLang="en-US" dirty="0" smtClean="0"/>
+              <a:t>注視点（カメラの注目する場所）</a:t>
+            </a:r>
+            <a:endParaRPr lang="en-US" altLang="ja-JP" dirty="0" smtClean="0"/>
+          </a:p>
+          <a:p>
+            <a:pPr lvl="1"/>
+            <a:r>
+              <a:rPr kumimoji="1" lang="en-US" altLang="ja-JP" dirty="0" smtClean="0"/>
+              <a:t>Up</a:t>
+            </a:r>
+            <a:r>
+              <a:rPr kumimoji="1" lang="ja-JP" altLang="en-US" dirty="0" smtClean="0"/>
+              <a:t>ベクトル（カメラの上の方向）</a:t>
+            </a:r>
+            <a:endParaRPr kumimoji="1" lang="en-US" altLang="ja-JP" dirty="0" smtClean="0"/>
+          </a:p>
+          <a:p>
+            <a:r>
+              <a:rPr lang="ja-JP" altLang="en-US" dirty="0"/>
+              <a:t>内部的</a:t>
+            </a:r>
+            <a:r>
+              <a:rPr lang="ja-JP" altLang="en-US" dirty="0" smtClean="0"/>
+              <a:t>に計算に使うのは</a:t>
+            </a:r>
+            <a:endParaRPr lang="en-US" altLang="ja-JP" dirty="0" smtClean="0"/>
+          </a:p>
+          <a:p>
+            <a:pPr lvl="1"/>
+            <a:r>
+              <a:rPr kumimoji="1" lang="ja-JP" altLang="en-US" dirty="0"/>
+              <a:t>視線</a:t>
+            </a:r>
+            <a:r>
+              <a:rPr kumimoji="1" lang="ja-JP" altLang="en-US" dirty="0" smtClean="0"/>
+              <a:t>ベクトル（資料の</a:t>
+            </a:r>
+            <a:r>
+              <a:rPr kumimoji="1" lang="en-US" altLang="ja-JP" dirty="0" smtClean="0"/>
+              <a:t>Front)</a:t>
+            </a:r>
+          </a:p>
+          <a:p>
+            <a:pPr lvl="1"/>
+            <a:r>
+              <a:rPr lang="ja-JP" altLang="en-US" dirty="0" smtClean="0"/>
+              <a:t>右ベクトル（資料の</a:t>
+            </a:r>
+            <a:r>
+              <a:rPr lang="en-US" altLang="ja-JP" dirty="0" smtClean="0"/>
+              <a:t>right)</a:t>
+            </a:r>
+          </a:p>
+          <a:p>
+            <a:pPr lvl="1"/>
+            <a:r>
+              <a:rPr kumimoji="1" lang="en-US" altLang="ja-JP" dirty="0" smtClean="0"/>
+              <a:t>Up</a:t>
+            </a:r>
+            <a:r>
+              <a:rPr kumimoji="1" lang="ja-JP" altLang="en-US" dirty="0" smtClean="0"/>
+              <a:t>ベクトル（資料の</a:t>
+            </a:r>
+            <a:r>
+              <a:rPr kumimoji="1" lang="en-US" altLang="ja-JP" dirty="0" smtClean="0"/>
+              <a:t>up)</a:t>
+            </a:r>
+          </a:p>
+          <a:p>
+            <a:pPr lvl="1"/>
+            <a:r>
+              <a:rPr lang="ja-JP" altLang="en-US" dirty="0" smtClean="0"/>
+              <a:t>但し、３つのベクトルは、それぞれ正規化しなければならない。</a:t>
+            </a:r>
+            <a:endParaRPr kumimoji="1" lang="ja-JP" altLang="en-US" dirty="0"/>
+          </a:p>
+        </p:txBody>
+      </p:sp>
+    </p:spTree>
+    <p:extLst>
+      <p:ext uri="{BB962C8B-B14F-4D97-AF65-F5344CB8AC3E}">
+        <p14:creationId xmlns:p14="http://schemas.microsoft.com/office/powerpoint/2010/main" val="218869470"/>
+      </p:ext>
+    </p:extLst>
+  </p:cSld>
+  <p:clrMapOvr>
+    <a:masterClrMapping/>
+  </p:clrMapOvr>
+</p:sld>
+</file>
+
+<file path=ppt/slides/slide11.xml><?xml version="1.0" encoding="utf-8"?>
+<p:sld xmlns:a="http://schemas.openxmlformats.org/drawingml/2006/main" xmlns:r="http://schemas.openxmlformats.org/officeDocument/2006/relationships" xmlns:p="http://schemas.openxmlformats.org/presentationml/2006/main">
+  <p:cSld>
+    <p:spTree>
+      <p:nvGrpSpPr>
+        <p:cNvPr id="1" name=""/>
+        <p:cNvGrpSpPr/>
+        <p:nvPr/>
+      </p:nvGrpSpPr>
+      <p:grpSpPr>
+        <a:xfrm>
+          <a:off x="0" y="0"/>
+          <a:ext cx="0" cy="0"/>
+          <a:chOff x="0" y="0"/>
+          <a:chExt cx="0" cy="0"/>
+        </a:xfrm>
+      </p:grpSpPr>
+      <p:sp>
+        <p:nvSpPr>
+          <p:cNvPr id="2" name="タイトル 1"/>
+          <p:cNvSpPr>
+            <a:spLocks noGrp="1"/>
+          </p:cNvSpPr>
+          <p:nvPr>
+            <p:ph type="title"/>
+          </p:nvPr>
+        </p:nvSpPr>
+        <p:spPr/>
+        <p:txBody>
+          <a:bodyPr/>
+          <a:lstStyle/>
+          <a:p>
+            <a:r>
+              <a:rPr kumimoji="1" lang="ja-JP" altLang="en-US" dirty="0" smtClean="0"/>
+              <a:t>次回の予定</a:t>
+            </a:r>
+            <a:endParaRPr kumimoji="1" lang="ja-JP" altLang="en-US" dirty="0"/>
+          </a:p>
+        </p:txBody>
+      </p:sp>
+      <p:sp>
+        <p:nvSpPr>
+          <p:cNvPr id="3" name="コンテンツ プレースホルダー 2"/>
+          <p:cNvSpPr>
+            <a:spLocks noGrp="1"/>
+          </p:cNvSpPr>
+          <p:nvPr>
+            <p:ph idx="1"/>
+          </p:nvPr>
+        </p:nvSpPr>
+        <p:spPr/>
+        <p:txBody>
+          <a:bodyPr>
+            <a:normAutofit fontScale="92500"/>
+          </a:bodyPr>
+          <a:lstStyle/>
+          <a:p>
+            <a:r>
+              <a:rPr kumimoji="1" lang="ja-JP" altLang="en-US" dirty="0" smtClean="0"/>
+              <a:t>平行成分を実装（カメラ視点位置の平行移動）</a:t>
+            </a:r>
+            <a:endParaRPr kumimoji="1" lang="en-US" altLang="ja-JP" dirty="0" smtClean="0"/>
+          </a:p>
+          <a:p>
+            <a:pPr lvl="1"/>
+            <a:r>
+              <a:rPr lang="ja-JP" altLang="en-US" dirty="0"/>
+              <a:t>ここ</a:t>
+            </a:r>
+            <a:r>
+              <a:rPr lang="ja-JP" altLang="en-US" dirty="0" smtClean="0"/>
+              <a:t>で想定通りの座標変換ができているかのチェック</a:t>
+            </a:r>
+            <a:endParaRPr kumimoji="1" lang="en-US" altLang="ja-JP" dirty="0" smtClean="0"/>
+          </a:p>
+          <a:p>
+            <a:r>
+              <a:rPr lang="ja-JP" altLang="en-US" dirty="0" smtClean="0"/>
+              <a:t>スケールの実装</a:t>
+            </a:r>
+            <a:endParaRPr lang="en-US" altLang="ja-JP" dirty="0" smtClean="0"/>
+          </a:p>
+          <a:p>
+            <a:pPr lvl="1"/>
+            <a:r>
+              <a:rPr kumimoji="1" lang="ja-JP" altLang="en-US" dirty="0" smtClean="0"/>
+              <a:t>フレームバッファの</a:t>
+            </a:r>
+            <a:r>
+              <a:rPr kumimoji="1" lang="en-US" altLang="ja-JP" dirty="0" smtClean="0"/>
+              <a:t>width, height</a:t>
+            </a:r>
+            <a:r>
+              <a:rPr kumimoji="1" lang="ja-JP" altLang="en-US" dirty="0" smtClean="0"/>
+              <a:t>は縦横の解像度。</a:t>
+            </a:r>
+            <a:endParaRPr kumimoji="1" lang="en-US" altLang="ja-JP" dirty="0" smtClean="0"/>
+          </a:p>
+          <a:p>
+            <a:pPr lvl="1"/>
+            <a:r>
+              <a:rPr lang="ja-JP" altLang="en-US" dirty="0"/>
+              <a:t>平行</a:t>
+            </a:r>
+            <a:r>
+              <a:rPr lang="ja-JP" altLang="en-US" dirty="0" smtClean="0"/>
+              <a:t>投影</a:t>
+            </a:r>
+            <a:r>
+              <a:rPr lang="ja-JP" altLang="en-US" dirty="0"/>
+              <a:t>のとき</a:t>
+            </a:r>
+            <a:r>
+              <a:rPr lang="ja-JP" altLang="en-US" dirty="0" smtClean="0"/>
+              <a:t>は、カメラ幅、カメラ高さが必要</a:t>
+            </a:r>
+            <a:endParaRPr lang="en-US" altLang="ja-JP" dirty="0" smtClean="0"/>
+          </a:p>
+          <a:p>
+            <a:pPr lvl="1"/>
+            <a:r>
+              <a:rPr kumimoji="1" lang="ja-JP" altLang="en-US" dirty="0"/>
+              <a:t>これら</a:t>
+            </a:r>
+            <a:r>
+              <a:rPr kumimoji="1" lang="ja-JP" altLang="en-US" dirty="0" smtClean="0"/>
+              <a:t>の値で縦横を正規化いてフレームバッファに書き込む。</a:t>
+            </a:r>
+            <a:endParaRPr kumimoji="1" lang="en-US" altLang="ja-JP" dirty="0" smtClean="0"/>
+          </a:p>
+          <a:p>
+            <a:pPr lvl="1"/>
+            <a:r>
+              <a:rPr lang="ja-JP" altLang="en-US" dirty="0"/>
+              <a:t>書込み</a:t>
+            </a:r>
+            <a:r>
+              <a:rPr lang="ja-JP" altLang="en-US" dirty="0" smtClean="0"/>
+              <a:t>時に</a:t>
+            </a:r>
+            <a:r>
+              <a:rPr lang="en-US" altLang="ja-JP" dirty="0" smtClean="0"/>
+              <a:t>Z</a:t>
+            </a:r>
+            <a:r>
+              <a:rPr lang="ja-JP" altLang="en-US" dirty="0" smtClean="0"/>
+              <a:t>バッファを使って陰面（点）消去を実装する。</a:t>
+            </a:r>
+            <a:endParaRPr kumimoji="1" lang="ja-JP" altLang="en-US" dirty="0"/>
+          </a:p>
+        </p:txBody>
+      </p:sp>
+    </p:spTree>
+    <p:extLst>
+      <p:ext uri="{BB962C8B-B14F-4D97-AF65-F5344CB8AC3E}">
+        <p14:creationId xmlns:p14="http://schemas.microsoft.com/office/powerpoint/2010/main" val="3941168996"/>
+      </p:ext>
+    </p:extLst>
+  </p:cSld>
+  <p:clrMapOvr>
+    <a:masterClrMapping/>
+  </p:clrMapOvr>
+</p:sld>
+</file>
+
 <file path=ppt/slides/slide2.xml><?xml version="1.0" encoding="utf-8"?>
 <p:sld xmlns:a="http://schemas.openxmlformats.org/drawingml/2006/main" xmlns:r="http://schemas.openxmlformats.org/officeDocument/2006/relationships" xmlns:p="http://schemas.openxmlformats.org/presentationml/2006/main">
   <p:cSld>
@@ -5339,8 +5675,42 @@
           <a:lstStyle/>
           <a:p>
             <a:r>
-              <a:rPr lang="en-US" altLang="ja-JP" dirty="0"/>
-              <a:t>http://www5d.biglobe.ne.jp/~noocyte/Programming/Geometry/ViewProjTransform.html</a:t>
+              <a:rPr lang="en-US" altLang="ja-JP" dirty="0">
+                <a:hlinkClick r:id="rId2"/>
+              </a:rPr>
+              <a:t>http://www5d.biglobe.ne.jp/~</a:t>
+            </a:r>
+            <a:r>
+              <a:rPr lang="en-US" altLang="ja-JP" dirty="0" smtClean="0">
+                <a:hlinkClick r:id="rId2"/>
+              </a:rPr>
+              <a:t>noocyte/Programming/Geometry/ViewProjTransform.html</a:t>
+            </a:r>
+            <a:endParaRPr lang="en-US" altLang="ja-JP" dirty="0" smtClean="0"/>
+          </a:p>
+          <a:p>
+            <a:r>
+              <a:rPr kumimoji="1" lang="ja-JP" altLang="en-US" dirty="0" smtClean="0"/>
+              <a:t>資料に基づいて、視点変換のプログラム実装を開始した。</a:t>
+            </a:r>
+            <a:endParaRPr kumimoji="1" lang="en-US" altLang="ja-JP" dirty="0" smtClean="0"/>
+          </a:p>
+          <a:p>
+            <a:r>
+              <a:rPr kumimoji="1" lang="en-US" altLang="ja-JP" dirty="0" smtClean="0"/>
+              <a:t>4</a:t>
+            </a:r>
+            <a:r>
+              <a:rPr kumimoji="1" lang="ja-JP" altLang="en-US" dirty="0" err="1" smtClean="0"/>
+              <a:t>ｘ</a:t>
+            </a:r>
+            <a:r>
+              <a:rPr kumimoji="1" lang="en-US" altLang="ja-JP" dirty="0" smtClean="0"/>
+              <a:t>4</a:t>
+            </a:r>
+            <a:r>
+              <a:rPr kumimoji="1" lang="ja-JP" altLang="en-US" dirty="0" smtClean="0"/>
+              <a:t>行列の回転成分の実装が終わった（つもり）。</a:t>
             </a:r>
             <a:endParaRPr kumimoji="1" lang="ja-JP" altLang="en-US" dirty="0"/>
           </a:p>

--- a/Design20161208.pptx
+++ b/Design20161208.pptx
@@ -4,6 +4,9 @@
   <p:sldMasterIdLst>
     <p:sldMasterId id="2147483648" r:id="rId1"/>
   </p:sldMasterIdLst>
+  <p:notesMasterIdLst>
+    <p:notesMasterId r:id="rId20"/>
+  </p:notesMasterIdLst>
   <p:sldIdLst>
     <p:sldId id="256" r:id="rId2"/>
     <p:sldId id="257" r:id="rId3"/>
@@ -16,6 +19,13 @@
     <p:sldId id="264" r:id="rId10"/>
     <p:sldId id="265" r:id="rId11"/>
     <p:sldId id="266" r:id="rId12"/>
+    <p:sldId id="267" r:id="rId13"/>
+    <p:sldId id="268" r:id="rId14"/>
+    <p:sldId id="269" r:id="rId15"/>
+    <p:sldId id="270" r:id="rId16"/>
+    <p:sldId id="271" r:id="rId17"/>
+    <p:sldId id="272" r:id="rId18"/>
+    <p:sldId id="273" r:id="rId19"/>
   </p:sldIdLst>
   <p:sldSz cx="9144000" cy="6858000" type="screen4x3"/>
   <p:notesSz cx="6858000" cy="9144000"/>
@@ -117,6 +127,388 @@
 </p:presentation>
 </file>
 
+<file path=ppt/notesMasters/notesMaster1.xml><?xml version="1.0" encoding="utf-8"?>
+<p:notesMaster xmlns:a="http://schemas.openxmlformats.org/drawingml/2006/main" xmlns:r="http://schemas.openxmlformats.org/officeDocument/2006/relationships" xmlns:p="http://schemas.openxmlformats.org/presentationml/2006/main">
+  <p:cSld>
+    <p:bg>
+      <p:bgRef idx="1001">
+        <a:schemeClr val="bg1"/>
+      </p:bgRef>
+    </p:bg>
+    <p:spTree>
+      <p:nvGrpSpPr>
+        <p:cNvPr id="1" name=""/>
+        <p:cNvGrpSpPr/>
+        <p:nvPr/>
+      </p:nvGrpSpPr>
+      <p:grpSpPr>
+        <a:xfrm>
+          <a:off x="0" y="0"/>
+          <a:ext cx="0" cy="0"/>
+          <a:chOff x="0" y="0"/>
+          <a:chExt cx="0" cy="0"/>
+        </a:xfrm>
+      </p:grpSpPr>
+      <p:sp>
+        <p:nvSpPr>
+          <p:cNvPr id="2" name="ヘッダー プレースホルダー 1"/>
+          <p:cNvSpPr>
+            <a:spLocks noGrp="1"/>
+          </p:cNvSpPr>
+          <p:nvPr>
+            <p:ph type="hdr" sz="quarter"/>
+          </p:nvPr>
+        </p:nvSpPr>
+        <p:spPr>
+          <a:xfrm>
+            <a:off x="0" y="0"/>
+            <a:ext cx="2971800" cy="457200"/>
+          </a:xfrm>
+          <a:prstGeom prst="rect">
+            <a:avLst/>
+          </a:prstGeom>
+        </p:spPr>
+        <p:txBody>
+          <a:bodyPr vert="horz" lIns="91440" tIns="45720" rIns="91440" bIns="45720" rtlCol="0"/>
+          <a:lstStyle>
+            <a:lvl1pPr algn="l">
+              <a:defRPr sz="1200"/>
+            </a:lvl1pPr>
+          </a:lstStyle>
+          <a:p>
+            <a:endParaRPr kumimoji="1" lang="ja-JP" altLang="en-US"/>
+          </a:p>
+        </p:txBody>
+      </p:sp>
+      <p:sp>
+        <p:nvSpPr>
+          <p:cNvPr id="3" name="日付プレースホルダー 2"/>
+          <p:cNvSpPr>
+            <a:spLocks noGrp="1"/>
+          </p:cNvSpPr>
+          <p:nvPr>
+            <p:ph type="dt" idx="1"/>
+          </p:nvPr>
+        </p:nvSpPr>
+        <p:spPr>
+          <a:xfrm>
+            <a:off x="3884613" y="0"/>
+            <a:ext cx="2971800" cy="457200"/>
+          </a:xfrm>
+          <a:prstGeom prst="rect">
+            <a:avLst/>
+          </a:prstGeom>
+        </p:spPr>
+        <p:txBody>
+          <a:bodyPr vert="horz" lIns="91440" tIns="45720" rIns="91440" bIns="45720" rtlCol="0"/>
+          <a:lstStyle>
+            <a:lvl1pPr algn="r">
+              <a:defRPr sz="1200"/>
+            </a:lvl1pPr>
+          </a:lstStyle>
+          <a:p>
+            <a:fld id="{8FB518B9-FC4F-474D-82CF-ADFFFFD309E4}" type="datetimeFigureOut">
+              <a:rPr kumimoji="1" lang="ja-JP" altLang="en-US" smtClean="0"/>
+              <a:t>2016/12/14</a:t>
+            </a:fld>
+            <a:endParaRPr kumimoji="1" lang="ja-JP" altLang="en-US"/>
+          </a:p>
+        </p:txBody>
+      </p:sp>
+      <p:sp>
+        <p:nvSpPr>
+          <p:cNvPr id="4" name="スライド イメージ プレースホルダー 3"/>
+          <p:cNvSpPr>
+            <a:spLocks noGrp="1" noRot="1" noChangeAspect="1"/>
+          </p:cNvSpPr>
+          <p:nvPr>
+            <p:ph type="sldImg" idx="2"/>
+          </p:nvPr>
+        </p:nvSpPr>
+        <p:spPr>
+          <a:xfrm>
+            <a:off x="1143000" y="685800"/>
+            <a:ext cx="4572000" cy="3429000"/>
+          </a:xfrm>
+          <a:prstGeom prst="rect">
+            <a:avLst/>
+          </a:prstGeom>
+          <a:noFill/>
+          <a:ln w="12700">
+            <a:solidFill>
+              <a:prstClr val="black"/>
+            </a:solidFill>
+          </a:ln>
+        </p:spPr>
+        <p:txBody>
+          <a:bodyPr vert="horz" lIns="91440" tIns="45720" rIns="91440" bIns="45720" rtlCol="0" anchor="ctr"/>
+          <a:lstStyle/>
+          <a:p>
+            <a:endParaRPr lang="ja-JP" altLang="en-US"/>
+          </a:p>
+        </p:txBody>
+      </p:sp>
+      <p:sp>
+        <p:nvSpPr>
+          <p:cNvPr id="5" name="ノート プレースホルダー 4"/>
+          <p:cNvSpPr>
+            <a:spLocks noGrp="1"/>
+          </p:cNvSpPr>
+          <p:nvPr>
+            <p:ph type="body" sz="quarter" idx="3"/>
+          </p:nvPr>
+        </p:nvSpPr>
+        <p:spPr>
+          <a:xfrm>
+            <a:off x="685800" y="4343400"/>
+            <a:ext cx="5486400" cy="4114800"/>
+          </a:xfrm>
+          <a:prstGeom prst="rect">
+            <a:avLst/>
+          </a:prstGeom>
+        </p:spPr>
+        <p:txBody>
+          <a:bodyPr vert="horz" lIns="91440" tIns="45720" rIns="91440" bIns="45720" rtlCol="0"/>
+          <a:lstStyle/>
+          <a:p>
+            <a:pPr lvl="0"/>
+            <a:r>
+              <a:rPr kumimoji="1" lang="ja-JP" altLang="en-US" smtClean="0"/>
+              <a:t>マスター テキストの書式設定</a:t>
+            </a:r>
+          </a:p>
+          <a:p>
+            <a:pPr lvl="1"/>
+            <a:r>
+              <a:rPr kumimoji="1" lang="ja-JP" altLang="en-US" smtClean="0"/>
+              <a:t>第 </a:t>
+            </a:r>
+            <a:r>
+              <a:rPr kumimoji="1" lang="en-US" altLang="ja-JP" smtClean="0"/>
+              <a:t>2 </a:t>
+            </a:r>
+            <a:r>
+              <a:rPr kumimoji="1" lang="ja-JP" altLang="en-US" smtClean="0"/>
+              <a:t>レベル</a:t>
+            </a:r>
+          </a:p>
+          <a:p>
+            <a:pPr lvl="2"/>
+            <a:r>
+              <a:rPr kumimoji="1" lang="ja-JP" altLang="en-US" smtClean="0"/>
+              <a:t>第 </a:t>
+            </a:r>
+            <a:r>
+              <a:rPr kumimoji="1" lang="en-US" altLang="ja-JP" smtClean="0"/>
+              <a:t>3 </a:t>
+            </a:r>
+            <a:r>
+              <a:rPr kumimoji="1" lang="ja-JP" altLang="en-US" smtClean="0"/>
+              <a:t>レベル</a:t>
+            </a:r>
+          </a:p>
+          <a:p>
+            <a:pPr lvl="3"/>
+            <a:r>
+              <a:rPr kumimoji="1" lang="ja-JP" altLang="en-US" smtClean="0"/>
+              <a:t>第 </a:t>
+            </a:r>
+            <a:r>
+              <a:rPr kumimoji="1" lang="en-US" altLang="ja-JP" smtClean="0"/>
+              <a:t>4 </a:t>
+            </a:r>
+            <a:r>
+              <a:rPr kumimoji="1" lang="ja-JP" altLang="en-US" smtClean="0"/>
+              <a:t>レベル</a:t>
+            </a:r>
+          </a:p>
+          <a:p>
+            <a:pPr lvl="4"/>
+            <a:r>
+              <a:rPr kumimoji="1" lang="ja-JP" altLang="en-US" smtClean="0"/>
+              <a:t>第 </a:t>
+            </a:r>
+            <a:r>
+              <a:rPr kumimoji="1" lang="en-US" altLang="ja-JP" smtClean="0"/>
+              <a:t>5 </a:t>
+            </a:r>
+            <a:r>
+              <a:rPr kumimoji="1" lang="ja-JP" altLang="en-US" smtClean="0"/>
+              <a:t>レベル</a:t>
+            </a:r>
+            <a:endParaRPr kumimoji="1" lang="ja-JP" altLang="en-US"/>
+          </a:p>
+        </p:txBody>
+      </p:sp>
+      <p:sp>
+        <p:nvSpPr>
+          <p:cNvPr id="6" name="フッター プレースホルダー 5"/>
+          <p:cNvSpPr>
+            <a:spLocks noGrp="1"/>
+          </p:cNvSpPr>
+          <p:nvPr>
+            <p:ph type="ftr" sz="quarter" idx="4"/>
+          </p:nvPr>
+        </p:nvSpPr>
+        <p:spPr>
+          <a:xfrm>
+            <a:off x="0" y="8685213"/>
+            <a:ext cx="2971800" cy="457200"/>
+          </a:xfrm>
+          <a:prstGeom prst="rect">
+            <a:avLst/>
+          </a:prstGeom>
+        </p:spPr>
+        <p:txBody>
+          <a:bodyPr vert="horz" lIns="91440" tIns="45720" rIns="91440" bIns="45720" rtlCol="0" anchor="b"/>
+          <a:lstStyle>
+            <a:lvl1pPr algn="l">
+              <a:defRPr sz="1200"/>
+            </a:lvl1pPr>
+          </a:lstStyle>
+          <a:p>
+            <a:endParaRPr kumimoji="1" lang="ja-JP" altLang="en-US"/>
+          </a:p>
+        </p:txBody>
+      </p:sp>
+      <p:sp>
+        <p:nvSpPr>
+          <p:cNvPr id="7" name="スライド番号プレースホルダー 6"/>
+          <p:cNvSpPr>
+            <a:spLocks noGrp="1"/>
+          </p:cNvSpPr>
+          <p:nvPr>
+            <p:ph type="sldNum" sz="quarter" idx="5"/>
+          </p:nvPr>
+        </p:nvSpPr>
+        <p:spPr>
+          <a:xfrm>
+            <a:off x="3884613" y="8685213"/>
+            <a:ext cx="2971800" cy="457200"/>
+          </a:xfrm>
+          <a:prstGeom prst="rect">
+            <a:avLst/>
+          </a:prstGeom>
+        </p:spPr>
+        <p:txBody>
+          <a:bodyPr vert="horz" lIns="91440" tIns="45720" rIns="91440" bIns="45720" rtlCol="0" anchor="b"/>
+          <a:lstStyle>
+            <a:lvl1pPr algn="r">
+              <a:defRPr sz="1200"/>
+            </a:lvl1pPr>
+          </a:lstStyle>
+          <a:p>
+            <a:fld id="{964F5846-F208-435F-80E7-32477BE3F60D}" type="slidenum">
+              <a:rPr kumimoji="1" lang="ja-JP" altLang="en-US" smtClean="0"/>
+              <a:t>‹#›</a:t>
+            </a:fld>
+            <a:endParaRPr kumimoji="1" lang="ja-JP" altLang="en-US"/>
+          </a:p>
+        </p:txBody>
+      </p:sp>
+    </p:spTree>
+    <p:extLst>
+      <p:ext uri="{BB962C8B-B14F-4D97-AF65-F5344CB8AC3E}">
+        <p14:creationId xmlns:p14="http://schemas.microsoft.com/office/powerpoint/2010/main" val="2912334492"/>
+      </p:ext>
+    </p:extLst>
+  </p:cSld>
+  <p:clrMap bg1="lt1" tx1="dk1" bg2="lt2" tx2="dk2" accent1="accent1" accent2="accent2" accent3="accent3" accent4="accent4" accent5="accent5" accent6="accent6" hlink="hlink" folHlink="folHlink"/>
+  <p:notesStyle>
+    <a:lvl1pPr marL="0" algn="l" defTabSz="914400" rtl="0" eaLnBrk="1" latinLnBrk="0" hangingPunct="1">
+      <a:defRPr kumimoji="1" sz="1200" kern="1200">
+        <a:solidFill>
+          <a:schemeClr val="tx1"/>
+        </a:solidFill>
+        <a:latin typeface="+mn-lt"/>
+        <a:ea typeface="+mn-ea"/>
+        <a:cs typeface="+mn-cs"/>
+      </a:defRPr>
+    </a:lvl1pPr>
+    <a:lvl2pPr marL="457200" algn="l" defTabSz="914400" rtl="0" eaLnBrk="1" latinLnBrk="0" hangingPunct="1">
+      <a:defRPr kumimoji="1" sz="1200" kern="1200">
+        <a:solidFill>
+          <a:schemeClr val="tx1"/>
+        </a:solidFill>
+        <a:latin typeface="+mn-lt"/>
+        <a:ea typeface="+mn-ea"/>
+        <a:cs typeface="+mn-cs"/>
+      </a:defRPr>
+    </a:lvl2pPr>
+    <a:lvl3pPr marL="914400" algn="l" defTabSz="914400" rtl="0" eaLnBrk="1" latinLnBrk="0" hangingPunct="1">
+      <a:defRPr kumimoji="1" sz="1200" kern="1200">
+        <a:solidFill>
+          <a:schemeClr val="tx1"/>
+        </a:solidFill>
+        <a:latin typeface="+mn-lt"/>
+        <a:ea typeface="+mn-ea"/>
+        <a:cs typeface="+mn-cs"/>
+      </a:defRPr>
+    </a:lvl3pPr>
+    <a:lvl4pPr marL="1371600" algn="l" defTabSz="914400" rtl="0" eaLnBrk="1" latinLnBrk="0" hangingPunct="1">
+      <a:defRPr kumimoji="1" sz="1200" kern="1200">
+        <a:solidFill>
+          <a:schemeClr val="tx1"/>
+        </a:solidFill>
+        <a:latin typeface="+mn-lt"/>
+        <a:ea typeface="+mn-ea"/>
+        <a:cs typeface="+mn-cs"/>
+      </a:defRPr>
+    </a:lvl4pPr>
+    <a:lvl5pPr marL="1828800" algn="l" defTabSz="914400" rtl="0" eaLnBrk="1" latinLnBrk="0" hangingPunct="1">
+      <a:defRPr kumimoji="1" sz="1200" kern="1200">
+        <a:solidFill>
+          <a:schemeClr val="tx1"/>
+        </a:solidFill>
+        <a:latin typeface="+mn-lt"/>
+        <a:ea typeface="+mn-ea"/>
+        <a:cs typeface="+mn-cs"/>
+      </a:defRPr>
+    </a:lvl5pPr>
+    <a:lvl6pPr marL="2286000" algn="l" defTabSz="914400" rtl="0" eaLnBrk="1" latinLnBrk="0" hangingPunct="1">
+      <a:defRPr kumimoji="1" sz="1200" kern="1200">
+        <a:solidFill>
+          <a:schemeClr val="tx1"/>
+        </a:solidFill>
+        <a:latin typeface="+mn-lt"/>
+        <a:ea typeface="+mn-ea"/>
+        <a:cs typeface="+mn-cs"/>
+      </a:defRPr>
+    </a:lvl6pPr>
+    <a:lvl7pPr marL="2743200" algn="l" defTabSz="914400" rtl="0" eaLnBrk="1" latinLnBrk="0" hangingPunct="1">
+      <a:defRPr kumimoji="1" sz="1200" kern="1200">
+        <a:solidFill>
+          <a:schemeClr val="tx1"/>
+        </a:solidFill>
+        <a:latin typeface="+mn-lt"/>
+        <a:ea typeface="+mn-ea"/>
+        <a:cs typeface="+mn-cs"/>
+      </a:defRPr>
+    </a:lvl7pPr>
+    <a:lvl8pPr marL="3200400" algn="l" defTabSz="914400" rtl="0" eaLnBrk="1" latinLnBrk="0" hangingPunct="1">
+      <a:defRPr kumimoji="1" sz="1200" kern="1200">
+        <a:solidFill>
+          <a:schemeClr val="tx1"/>
+        </a:solidFill>
+        <a:latin typeface="+mn-lt"/>
+        <a:ea typeface="+mn-ea"/>
+        <a:cs typeface="+mn-cs"/>
+      </a:defRPr>
+    </a:lvl8pPr>
+    <a:lvl9pPr marL="3657600" algn="l" defTabSz="914400" rtl="0" eaLnBrk="1" latinLnBrk="0" hangingPunct="1">
+      <a:defRPr kumimoji="1" sz="1200" kern="1200">
+        <a:solidFill>
+          <a:schemeClr val="tx1"/>
+        </a:solidFill>
+        <a:latin typeface="+mn-lt"/>
+        <a:ea typeface="+mn-ea"/>
+        <a:cs typeface="+mn-cs"/>
+      </a:defRPr>
+    </a:lvl9pPr>
+  </p:notesStyle>
+</p:notesMaster>
+</file>
+
 <file path=ppt/slideLayouts/slideLayout1.xml><?xml version="1.0" encoding="utf-8"?>
 <p:sldLayout xmlns:a="http://schemas.openxmlformats.org/drawingml/2006/main" xmlns:r="http://schemas.openxmlformats.org/officeDocument/2006/relationships" xmlns:p="http://schemas.openxmlformats.org/presentationml/2006/main" type="title" preserve="1">
   <p:cSld name="タイトル スライド">
@@ -298,7 +690,7 @@
           <a:p>
             <a:fld id="{F0FB521D-5C48-4826-8636-6FE50C46DA50}" type="datetimeFigureOut">
               <a:rPr kumimoji="1" lang="ja-JP" altLang="en-US" smtClean="0"/>
-              <a:t>2016/12/8</a:t>
+              <a:t>2016/12/14</a:t>
             </a:fld>
             <a:endParaRPr kumimoji="1" lang="ja-JP" altLang="en-US"/>
           </a:p>
@@ -500,7 +892,7 @@
           <a:p>
             <a:fld id="{F0FB521D-5C48-4826-8636-6FE50C46DA50}" type="datetimeFigureOut">
               <a:rPr kumimoji="1" lang="ja-JP" altLang="en-US" smtClean="0"/>
-              <a:t>2016/12/8</a:t>
+              <a:t>2016/12/14</a:t>
             </a:fld>
             <a:endParaRPr kumimoji="1" lang="ja-JP" altLang="en-US"/>
           </a:p>
@@ -712,7 +1104,7 @@
           <a:p>
             <a:fld id="{F0FB521D-5C48-4826-8636-6FE50C46DA50}" type="datetimeFigureOut">
               <a:rPr kumimoji="1" lang="ja-JP" altLang="en-US" smtClean="0"/>
-              <a:t>2016/12/8</a:t>
+              <a:t>2016/12/14</a:t>
             </a:fld>
             <a:endParaRPr kumimoji="1" lang="ja-JP" altLang="en-US"/>
           </a:p>
@@ -914,7 +1306,7 @@
           <a:p>
             <a:fld id="{F0FB521D-5C48-4826-8636-6FE50C46DA50}" type="datetimeFigureOut">
               <a:rPr kumimoji="1" lang="ja-JP" altLang="en-US" smtClean="0"/>
-              <a:t>2016/12/8</a:t>
+              <a:t>2016/12/14</a:t>
             </a:fld>
             <a:endParaRPr kumimoji="1" lang="ja-JP" altLang="en-US"/>
           </a:p>
@@ -1160,7 +1552,7 @@
           <a:p>
             <a:fld id="{F0FB521D-5C48-4826-8636-6FE50C46DA50}" type="datetimeFigureOut">
               <a:rPr kumimoji="1" lang="ja-JP" altLang="en-US" smtClean="0"/>
-              <a:t>2016/12/8</a:t>
+              <a:t>2016/12/14</a:t>
             </a:fld>
             <a:endParaRPr kumimoji="1" lang="ja-JP" altLang="en-US"/>
           </a:p>
@@ -1512,7 +1904,7 @@
           <a:p>
             <a:fld id="{F0FB521D-5C48-4826-8636-6FE50C46DA50}" type="datetimeFigureOut">
               <a:rPr kumimoji="1" lang="ja-JP" altLang="en-US" smtClean="0"/>
-              <a:t>2016/12/8</a:t>
+              <a:t>2016/12/14</a:t>
             </a:fld>
             <a:endParaRPr kumimoji="1" lang="ja-JP" altLang="en-US"/>
           </a:p>
@@ -1998,7 +2390,7 @@
           <a:p>
             <a:fld id="{F0FB521D-5C48-4826-8636-6FE50C46DA50}" type="datetimeFigureOut">
               <a:rPr kumimoji="1" lang="ja-JP" altLang="en-US" smtClean="0"/>
-              <a:t>2016/12/8</a:t>
+              <a:t>2016/12/14</a:t>
             </a:fld>
             <a:endParaRPr kumimoji="1" lang="ja-JP" altLang="en-US"/>
           </a:p>
@@ -2116,7 +2508,7 @@
           <a:p>
             <a:fld id="{F0FB521D-5C48-4826-8636-6FE50C46DA50}" type="datetimeFigureOut">
               <a:rPr kumimoji="1" lang="ja-JP" altLang="en-US" smtClean="0"/>
-              <a:t>2016/12/8</a:t>
+              <a:t>2016/12/14</a:t>
             </a:fld>
             <a:endParaRPr kumimoji="1" lang="ja-JP" altLang="en-US"/>
           </a:p>
@@ -2211,7 +2603,7 @@
           <a:p>
             <a:fld id="{F0FB521D-5C48-4826-8636-6FE50C46DA50}" type="datetimeFigureOut">
               <a:rPr kumimoji="1" lang="ja-JP" altLang="en-US" smtClean="0"/>
-              <a:t>2016/12/8</a:t>
+              <a:t>2016/12/14</a:t>
             </a:fld>
             <a:endParaRPr kumimoji="1" lang="ja-JP" altLang="en-US"/>
           </a:p>
@@ -2520,7 +2912,7 @@
           <a:p>
             <a:fld id="{F0FB521D-5C48-4826-8636-6FE50C46DA50}" type="datetimeFigureOut">
               <a:rPr kumimoji="1" lang="ja-JP" altLang="en-US" smtClean="0"/>
-              <a:t>2016/12/8</a:t>
+              <a:t>2016/12/14</a:t>
             </a:fld>
             <a:endParaRPr kumimoji="1" lang="ja-JP" altLang="en-US"/>
           </a:p>
@@ -2773,7 +3165,7 @@
           <a:p>
             <a:fld id="{F0FB521D-5C48-4826-8636-6FE50C46DA50}" type="datetimeFigureOut">
               <a:rPr kumimoji="1" lang="ja-JP" altLang="en-US" smtClean="0"/>
-              <a:t>2016/12/8</a:t>
+              <a:t>2016/12/14</a:t>
             </a:fld>
             <a:endParaRPr kumimoji="1" lang="ja-JP" altLang="en-US"/>
           </a:p>
@@ -3018,7 +3410,7 @@
           <a:p>
             <a:fld id="{F0FB521D-5C48-4826-8636-6FE50C46DA50}" type="datetimeFigureOut">
               <a:rPr kumimoji="1" lang="ja-JP" altLang="en-US" smtClean="0"/>
-              <a:t>2016/12/8</a:t>
+              <a:t>2016/12/14</a:t>
             </a:fld>
             <a:endParaRPr kumimoji="1" lang="ja-JP" altLang="en-US"/>
           </a:p>
@@ -3751,7 +4143,15 @@
             </a:r>
             <a:r>
               <a:rPr kumimoji="1" lang="ja-JP" altLang="en-US" dirty="0" smtClean="0"/>
-              <a:t>の値で縦横を正規化いてフレームバッファに書き込む。</a:t>
+              <a:t>の値で縦横を</a:t>
+            </a:r>
+            <a:r>
+              <a:rPr kumimoji="1" lang="ja-JP" altLang="en-US" dirty="0" smtClean="0"/>
+              <a:t>正規化して</a:t>
+            </a:r>
+            <a:r>
+              <a:rPr kumimoji="1" lang="ja-JP" altLang="en-US" dirty="0" smtClean="0"/>
+              <a:t>フレームバッファに書き込む。</a:t>
             </a:r>
             <a:endParaRPr kumimoji="1" lang="en-US" altLang="ja-JP" dirty="0" smtClean="0"/>
           </a:p>
@@ -3781,6 +4181,5405 @@
     <p:extLst>
       <p:ext uri="{BB962C8B-B14F-4D97-AF65-F5344CB8AC3E}">
         <p14:creationId xmlns:p14="http://schemas.microsoft.com/office/powerpoint/2010/main" val="3941168996"/>
+      </p:ext>
+    </p:extLst>
+  </p:cSld>
+  <p:clrMapOvr>
+    <a:masterClrMapping/>
+  </p:clrMapOvr>
+</p:sld>
+</file>
+
+<file path=ppt/slides/slide12.xml><?xml version="1.0" encoding="utf-8"?>
+<p:sld xmlns:a="http://schemas.openxmlformats.org/drawingml/2006/main" xmlns:r="http://schemas.openxmlformats.org/officeDocument/2006/relationships" xmlns:p="http://schemas.openxmlformats.org/presentationml/2006/main">
+  <p:cSld>
+    <p:spTree>
+      <p:nvGrpSpPr>
+        <p:cNvPr id="1" name=""/>
+        <p:cNvGrpSpPr/>
+        <p:nvPr/>
+      </p:nvGrpSpPr>
+      <p:grpSpPr>
+        <a:xfrm>
+          <a:off x="0" y="0"/>
+          <a:ext cx="0" cy="0"/>
+          <a:chOff x="0" y="0"/>
+          <a:chExt cx="0" cy="0"/>
+        </a:xfrm>
+      </p:grpSpPr>
+      <p:sp>
+        <p:nvSpPr>
+          <p:cNvPr id="2" name="タイトル 1"/>
+          <p:cNvSpPr>
+            <a:spLocks noGrp="1"/>
+          </p:cNvSpPr>
+          <p:nvPr>
+            <p:ph type="title"/>
+          </p:nvPr>
+        </p:nvSpPr>
+        <p:spPr/>
+        <p:txBody>
+          <a:bodyPr/>
+          <a:lstStyle/>
+          <a:p>
+            <a:r>
+              <a:rPr kumimoji="1" lang="ja-JP" altLang="en-US" dirty="0" smtClean="0"/>
+              <a:t>レンダリングパイプライン</a:t>
+            </a:r>
+            <a:endParaRPr kumimoji="1" lang="ja-JP" altLang="en-US" dirty="0"/>
+          </a:p>
+        </p:txBody>
+      </p:sp>
+      <p:sp>
+        <p:nvSpPr>
+          <p:cNvPr id="4" name="テキスト ボックス 3"/>
+          <p:cNvSpPr txBox="1"/>
+          <p:nvPr/>
+        </p:nvSpPr>
+        <p:spPr>
+          <a:xfrm>
+            <a:off x="1259632" y="2117100"/>
+            <a:ext cx="1316386" cy="369332"/>
+          </a:xfrm>
+          <a:prstGeom prst="rect">
+            <a:avLst/>
+          </a:prstGeom>
+          <a:noFill/>
+          <a:ln>
+            <a:solidFill>
+              <a:schemeClr val="tx1"/>
+            </a:solidFill>
+          </a:ln>
+        </p:spPr>
+        <p:txBody>
+          <a:bodyPr wrap="none" rtlCol="0">
+            <a:spAutoFit/>
+          </a:bodyPr>
+          <a:lstStyle/>
+          <a:p>
+            <a:r>
+              <a:rPr kumimoji="1" lang="ja-JP" altLang="en-US" dirty="0" smtClean="0"/>
+              <a:t>オブジェクト</a:t>
+            </a:r>
+            <a:endParaRPr kumimoji="1" lang="ja-JP" altLang="en-US" dirty="0"/>
+          </a:p>
+        </p:txBody>
+      </p:sp>
+      <p:sp>
+        <p:nvSpPr>
+          <p:cNvPr id="5" name="テキスト ボックス 4"/>
+          <p:cNvSpPr txBox="1"/>
+          <p:nvPr/>
+        </p:nvSpPr>
+        <p:spPr>
+          <a:xfrm>
+            <a:off x="1286336" y="2893520"/>
+            <a:ext cx="1382110" cy="646331"/>
+          </a:xfrm>
+          <a:prstGeom prst="rect">
+            <a:avLst/>
+          </a:prstGeom>
+          <a:noFill/>
+          <a:ln>
+            <a:solidFill>
+              <a:schemeClr val="tx1"/>
+            </a:solidFill>
+          </a:ln>
+        </p:spPr>
+        <p:txBody>
+          <a:bodyPr wrap="none" rtlCol="0">
+            <a:spAutoFit/>
+          </a:bodyPr>
+          <a:lstStyle/>
+          <a:p>
+            <a:r>
+              <a:rPr kumimoji="1" lang="ja-JP" altLang="en-US" dirty="0" smtClean="0"/>
+              <a:t>ビューポート</a:t>
+            </a:r>
+            <a:endParaRPr kumimoji="1" lang="en-US" altLang="ja-JP" dirty="0" smtClean="0"/>
+          </a:p>
+          <a:p>
+            <a:r>
+              <a:rPr kumimoji="1" lang="ja-JP" altLang="en-US" dirty="0" smtClean="0"/>
+              <a:t>カリング</a:t>
+            </a:r>
+            <a:endParaRPr kumimoji="1" lang="ja-JP" altLang="en-US" dirty="0"/>
+          </a:p>
+        </p:txBody>
+      </p:sp>
+      <p:sp>
+        <p:nvSpPr>
+          <p:cNvPr id="6" name="テキスト ボックス 5"/>
+          <p:cNvSpPr txBox="1"/>
+          <p:nvPr/>
+        </p:nvSpPr>
+        <p:spPr>
+          <a:xfrm>
+            <a:off x="1363827" y="3964414"/>
+            <a:ext cx="1107996" cy="369332"/>
+          </a:xfrm>
+          <a:prstGeom prst="rect">
+            <a:avLst/>
+          </a:prstGeom>
+          <a:noFill/>
+          <a:ln>
+            <a:solidFill>
+              <a:schemeClr val="tx1"/>
+            </a:solidFill>
+          </a:ln>
+        </p:spPr>
+        <p:txBody>
+          <a:bodyPr wrap="none" rtlCol="0">
+            <a:spAutoFit/>
+          </a:bodyPr>
+          <a:lstStyle/>
+          <a:p>
+            <a:r>
+              <a:rPr kumimoji="1" lang="ja-JP" altLang="en-US" dirty="0" smtClean="0"/>
+              <a:t>投影変換</a:t>
+            </a:r>
+            <a:endParaRPr kumimoji="1" lang="ja-JP" altLang="en-US" dirty="0"/>
+          </a:p>
+        </p:txBody>
+      </p:sp>
+      <p:sp>
+        <p:nvSpPr>
+          <p:cNvPr id="7" name="テキスト ボックス 6"/>
+          <p:cNvSpPr txBox="1"/>
+          <p:nvPr/>
+        </p:nvSpPr>
+        <p:spPr>
+          <a:xfrm>
+            <a:off x="1313588" y="4756502"/>
+            <a:ext cx="1354858" cy="369332"/>
+          </a:xfrm>
+          <a:prstGeom prst="rect">
+            <a:avLst/>
+          </a:prstGeom>
+          <a:noFill/>
+          <a:ln>
+            <a:solidFill>
+              <a:schemeClr val="tx1"/>
+            </a:solidFill>
+          </a:ln>
+        </p:spPr>
+        <p:txBody>
+          <a:bodyPr wrap="none" rtlCol="0">
+            <a:spAutoFit/>
+          </a:bodyPr>
+          <a:lstStyle/>
+          <a:p>
+            <a:r>
+              <a:rPr kumimoji="1" lang="ja-JP" altLang="en-US" dirty="0" smtClean="0"/>
+              <a:t>ラスタライズ</a:t>
+            </a:r>
+            <a:endParaRPr kumimoji="1" lang="ja-JP" altLang="en-US" dirty="0"/>
+          </a:p>
+        </p:txBody>
+      </p:sp>
+      <p:sp>
+        <p:nvSpPr>
+          <p:cNvPr id="8" name="テキスト ボックス 7"/>
+          <p:cNvSpPr txBox="1"/>
+          <p:nvPr/>
+        </p:nvSpPr>
+        <p:spPr>
+          <a:xfrm>
+            <a:off x="1654225" y="5492934"/>
+            <a:ext cx="646331" cy="369332"/>
+          </a:xfrm>
+          <a:prstGeom prst="rect">
+            <a:avLst/>
+          </a:prstGeom>
+          <a:noFill/>
+          <a:ln>
+            <a:solidFill>
+              <a:schemeClr val="tx1"/>
+            </a:solidFill>
+          </a:ln>
+        </p:spPr>
+        <p:txBody>
+          <a:bodyPr wrap="none" rtlCol="0">
+            <a:spAutoFit/>
+          </a:bodyPr>
+          <a:lstStyle/>
+          <a:p>
+            <a:r>
+              <a:rPr kumimoji="1" lang="ja-JP" altLang="en-US" dirty="0" smtClean="0"/>
+              <a:t>画像</a:t>
+            </a:r>
+            <a:endParaRPr kumimoji="1" lang="ja-JP" altLang="en-US" dirty="0"/>
+          </a:p>
+        </p:txBody>
+      </p:sp>
+      <p:sp>
+        <p:nvSpPr>
+          <p:cNvPr id="9" name="テキスト ボックス 8"/>
+          <p:cNvSpPr txBox="1"/>
+          <p:nvPr/>
+        </p:nvSpPr>
+        <p:spPr>
+          <a:xfrm>
+            <a:off x="2334092" y="5114230"/>
+            <a:ext cx="1556836" cy="369332"/>
+          </a:xfrm>
+          <a:prstGeom prst="rect">
+            <a:avLst/>
+          </a:prstGeom>
+          <a:noFill/>
+        </p:spPr>
+        <p:txBody>
+          <a:bodyPr wrap="none" rtlCol="0">
+            <a:spAutoFit/>
+          </a:bodyPr>
+          <a:lstStyle/>
+          <a:p>
+            <a:r>
+              <a:rPr kumimoji="1" lang="ja-JP" altLang="en-US" dirty="0" smtClean="0"/>
+              <a:t>Ｚバッファ処理</a:t>
+            </a:r>
+            <a:endParaRPr kumimoji="1" lang="ja-JP" altLang="en-US" dirty="0"/>
+          </a:p>
+        </p:txBody>
+      </p:sp>
+      <p:sp>
+        <p:nvSpPr>
+          <p:cNvPr id="10" name="下矢印 9"/>
+          <p:cNvSpPr/>
+          <p:nvPr/>
+        </p:nvSpPr>
+        <p:spPr>
+          <a:xfrm>
+            <a:off x="1654225" y="2564904"/>
+            <a:ext cx="469503" cy="328616"/>
+          </a:xfrm>
+          <a:prstGeom prst="downArrow">
+            <a:avLst/>
+          </a:prstGeom>
+        </p:spPr>
+        <p:style>
+          <a:lnRef idx="2">
+            <a:schemeClr val="accent1">
+              <a:shade val="50000"/>
+            </a:schemeClr>
+          </a:lnRef>
+          <a:fillRef idx="1">
+            <a:schemeClr val="accent1"/>
+          </a:fillRef>
+          <a:effectRef idx="0">
+            <a:schemeClr val="accent1"/>
+          </a:effectRef>
+          <a:fontRef idx="minor">
+            <a:schemeClr val="lt1"/>
+          </a:fontRef>
+        </p:style>
+        <p:txBody>
+          <a:bodyPr rtlCol="0" anchor="ctr"/>
+          <a:lstStyle/>
+          <a:p>
+            <a:pPr algn="ctr"/>
+            <a:endParaRPr kumimoji="1" lang="ja-JP" altLang="en-US"/>
+          </a:p>
+        </p:txBody>
+      </p:sp>
+      <p:sp>
+        <p:nvSpPr>
+          <p:cNvPr id="11" name="下矢印 10"/>
+          <p:cNvSpPr/>
+          <p:nvPr/>
+        </p:nvSpPr>
+        <p:spPr>
+          <a:xfrm>
+            <a:off x="1654225" y="3573016"/>
+            <a:ext cx="469503" cy="328616"/>
+          </a:xfrm>
+          <a:prstGeom prst="downArrow">
+            <a:avLst/>
+          </a:prstGeom>
+        </p:spPr>
+        <p:style>
+          <a:lnRef idx="2">
+            <a:schemeClr val="accent1">
+              <a:shade val="50000"/>
+            </a:schemeClr>
+          </a:lnRef>
+          <a:fillRef idx="1">
+            <a:schemeClr val="accent1"/>
+          </a:fillRef>
+          <a:effectRef idx="0">
+            <a:schemeClr val="accent1"/>
+          </a:effectRef>
+          <a:fontRef idx="minor">
+            <a:schemeClr val="lt1"/>
+          </a:fontRef>
+        </p:style>
+        <p:txBody>
+          <a:bodyPr rtlCol="0" anchor="ctr"/>
+          <a:lstStyle/>
+          <a:p>
+            <a:pPr algn="ctr"/>
+            <a:endParaRPr kumimoji="1" lang="ja-JP" altLang="en-US"/>
+          </a:p>
+        </p:txBody>
+      </p:sp>
+      <p:sp>
+        <p:nvSpPr>
+          <p:cNvPr id="12" name="下矢印 11"/>
+          <p:cNvSpPr/>
+          <p:nvPr/>
+        </p:nvSpPr>
+        <p:spPr>
+          <a:xfrm>
+            <a:off x="1691680" y="4365104"/>
+            <a:ext cx="469503" cy="328616"/>
+          </a:xfrm>
+          <a:prstGeom prst="downArrow">
+            <a:avLst/>
+          </a:prstGeom>
+        </p:spPr>
+        <p:style>
+          <a:lnRef idx="2">
+            <a:schemeClr val="accent1">
+              <a:shade val="50000"/>
+            </a:schemeClr>
+          </a:lnRef>
+          <a:fillRef idx="1">
+            <a:schemeClr val="accent1"/>
+          </a:fillRef>
+          <a:effectRef idx="0">
+            <a:schemeClr val="accent1"/>
+          </a:effectRef>
+          <a:fontRef idx="minor">
+            <a:schemeClr val="lt1"/>
+          </a:fontRef>
+        </p:style>
+        <p:txBody>
+          <a:bodyPr rtlCol="0" anchor="ctr"/>
+          <a:lstStyle/>
+          <a:p>
+            <a:pPr algn="ctr"/>
+            <a:endParaRPr kumimoji="1" lang="ja-JP" altLang="en-US"/>
+          </a:p>
+        </p:txBody>
+      </p:sp>
+      <p:sp>
+        <p:nvSpPr>
+          <p:cNvPr id="13" name="下矢印 12"/>
+          <p:cNvSpPr/>
+          <p:nvPr/>
+        </p:nvSpPr>
+        <p:spPr>
+          <a:xfrm>
+            <a:off x="1691680" y="5157192"/>
+            <a:ext cx="469503" cy="328616"/>
+          </a:xfrm>
+          <a:prstGeom prst="downArrow">
+            <a:avLst/>
+          </a:prstGeom>
+        </p:spPr>
+        <p:style>
+          <a:lnRef idx="2">
+            <a:schemeClr val="accent1">
+              <a:shade val="50000"/>
+            </a:schemeClr>
+          </a:lnRef>
+          <a:fillRef idx="1">
+            <a:schemeClr val="accent1"/>
+          </a:fillRef>
+          <a:effectRef idx="0">
+            <a:schemeClr val="accent1"/>
+          </a:effectRef>
+          <a:fontRef idx="minor">
+            <a:schemeClr val="lt1"/>
+          </a:fontRef>
+        </p:style>
+        <p:txBody>
+          <a:bodyPr rtlCol="0" anchor="ctr"/>
+          <a:lstStyle/>
+          <a:p>
+            <a:pPr algn="ctr"/>
+            <a:endParaRPr kumimoji="1" lang="ja-JP" altLang="en-US"/>
+          </a:p>
+        </p:txBody>
+      </p:sp>
+      <p:sp>
+        <p:nvSpPr>
+          <p:cNvPr id="14" name="テキスト ボックス 13"/>
+          <p:cNvSpPr txBox="1"/>
+          <p:nvPr/>
+        </p:nvSpPr>
+        <p:spPr>
+          <a:xfrm>
+            <a:off x="4965040" y="2132856"/>
+            <a:ext cx="1316386" cy="369332"/>
+          </a:xfrm>
+          <a:prstGeom prst="rect">
+            <a:avLst/>
+          </a:prstGeom>
+          <a:noFill/>
+          <a:ln>
+            <a:solidFill>
+              <a:schemeClr val="tx1"/>
+            </a:solidFill>
+          </a:ln>
+        </p:spPr>
+        <p:txBody>
+          <a:bodyPr wrap="none" rtlCol="0">
+            <a:spAutoFit/>
+          </a:bodyPr>
+          <a:lstStyle/>
+          <a:p>
+            <a:r>
+              <a:rPr kumimoji="1" lang="ja-JP" altLang="en-US" dirty="0" smtClean="0"/>
+              <a:t>オブジェクト</a:t>
+            </a:r>
+            <a:endParaRPr kumimoji="1" lang="ja-JP" altLang="en-US" dirty="0"/>
+          </a:p>
+        </p:txBody>
+      </p:sp>
+      <p:sp>
+        <p:nvSpPr>
+          <p:cNvPr id="16" name="テキスト ボックス 15"/>
+          <p:cNvSpPr txBox="1"/>
+          <p:nvPr/>
+        </p:nvSpPr>
+        <p:spPr>
+          <a:xfrm>
+            <a:off x="5040386" y="3878817"/>
+            <a:ext cx="1107996" cy="369332"/>
+          </a:xfrm>
+          <a:prstGeom prst="rect">
+            <a:avLst/>
+          </a:prstGeom>
+          <a:noFill/>
+          <a:ln>
+            <a:solidFill>
+              <a:schemeClr val="tx1"/>
+            </a:solidFill>
+          </a:ln>
+        </p:spPr>
+        <p:txBody>
+          <a:bodyPr wrap="none" rtlCol="0">
+            <a:spAutoFit/>
+          </a:bodyPr>
+          <a:lstStyle/>
+          <a:p>
+            <a:r>
+              <a:rPr kumimoji="1" lang="ja-JP" altLang="en-US" dirty="0" smtClean="0"/>
+              <a:t>投影変換</a:t>
+            </a:r>
+            <a:endParaRPr kumimoji="1" lang="ja-JP" altLang="en-US" dirty="0"/>
+          </a:p>
+        </p:txBody>
+      </p:sp>
+      <p:sp>
+        <p:nvSpPr>
+          <p:cNvPr id="18" name="テキスト ボックス 17"/>
+          <p:cNvSpPr txBox="1"/>
+          <p:nvPr/>
+        </p:nvSpPr>
+        <p:spPr>
+          <a:xfrm>
+            <a:off x="5359633" y="5508690"/>
+            <a:ext cx="646331" cy="369332"/>
+          </a:xfrm>
+          <a:prstGeom prst="rect">
+            <a:avLst/>
+          </a:prstGeom>
+          <a:noFill/>
+          <a:ln>
+            <a:solidFill>
+              <a:schemeClr val="tx1"/>
+            </a:solidFill>
+          </a:ln>
+        </p:spPr>
+        <p:txBody>
+          <a:bodyPr wrap="none" rtlCol="0">
+            <a:spAutoFit/>
+          </a:bodyPr>
+          <a:lstStyle/>
+          <a:p>
+            <a:r>
+              <a:rPr kumimoji="1" lang="ja-JP" altLang="en-US" dirty="0" smtClean="0"/>
+              <a:t>画像</a:t>
+            </a:r>
+            <a:endParaRPr kumimoji="1" lang="ja-JP" altLang="en-US" dirty="0"/>
+          </a:p>
+        </p:txBody>
+      </p:sp>
+      <p:sp>
+        <p:nvSpPr>
+          <p:cNvPr id="19" name="テキスト ボックス 18"/>
+          <p:cNvSpPr txBox="1"/>
+          <p:nvPr/>
+        </p:nvSpPr>
+        <p:spPr>
+          <a:xfrm>
+            <a:off x="3874044" y="4372980"/>
+            <a:ext cx="1556836" cy="369332"/>
+          </a:xfrm>
+          <a:prstGeom prst="rect">
+            <a:avLst/>
+          </a:prstGeom>
+          <a:noFill/>
+        </p:spPr>
+        <p:txBody>
+          <a:bodyPr wrap="none" rtlCol="0">
+            <a:spAutoFit/>
+          </a:bodyPr>
+          <a:lstStyle/>
+          <a:p>
+            <a:r>
+              <a:rPr kumimoji="1" lang="ja-JP" altLang="en-US" dirty="0" smtClean="0"/>
+              <a:t>Ｚバッファ処理</a:t>
+            </a:r>
+            <a:endParaRPr kumimoji="1" lang="ja-JP" altLang="en-US" dirty="0"/>
+          </a:p>
+        </p:txBody>
+      </p:sp>
+      <p:sp>
+        <p:nvSpPr>
+          <p:cNvPr id="20" name="下矢印 19"/>
+          <p:cNvSpPr/>
+          <p:nvPr/>
+        </p:nvSpPr>
+        <p:spPr>
+          <a:xfrm>
+            <a:off x="5359633" y="2580660"/>
+            <a:ext cx="469503" cy="1156664"/>
+          </a:xfrm>
+          <a:prstGeom prst="downArrow">
+            <a:avLst/>
+          </a:prstGeom>
+        </p:spPr>
+        <p:style>
+          <a:lnRef idx="2">
+            <a:schemeClr val="accent1">
+              <a:shade val="50000"/>
+            </a:schemeClr>
+          </a:lnRef>
+          <a:fillRef idx="1">
+            <a:schemeClr val="accent1"/>
+          </a:fillRef>
+          <a:effectRef idx="0">
+            <a:schemeClr val="accent1"/>
+          </a:effectRef>
+          <a:fontRef idx="minor">
+            <a:schemeClr val="lt1"/>
+          </a:fontRef>
+        </p:style>
+        <p:txBody>
+          <a:bodyPr rtlCol="0" anchor="ctr"/>
+          <a:lstStyle/>
+          <a:p>
+            <a:pPr algn="ctr"/>
+            <a:endParaRPr kumimoji="1" lang="ja-JP" altLang="en-US"/>
+          </a:p>
+        </p:txBody>
+      </p:sp>
+      <p:sp>
+        <p:nvSpPr>
+          <p:cNvPr id="23" name="下矢印 22"/>
+          <p:cNvSpPr/>
+          <p:nvPr/>
+        </p:nvSpPr>
+        <p:spPr>
+          <a:xfrm>
+            <a:off x="5397088" y="4365104"/>
+            <a:ext cx="469503" cy="1136460"/>
+          </a:xfrm>
+          <a:prstGeom prst="downArrow">
+            <a:avLst/>
+          </a:prstGeom>
+        </p:spPr>
+        <p:style>
+          <a:lnRef idx="2">
+            <a:schemeClr val="accent1">
+              <a:shade val="50000"/>
+            </a:schemeClr>
+          </a:lnRef>
+          <a:fillRef idx="1">
+            <a:schemeClr val="accent1"/>
+          </a:fillRef>
+          <a:effectRef idx="0">
+            <a:schemeClr val="accent1"/>
+          </a:effectRef>
+          <a:fontRef idx="minor">
+            <a:schemeClr val="lt1"/>
+          </a:fontRef>
+        </p:style>
+        <p:txBody>
+          <a:bodyPr rtlCol="0" anchor="ctr"/>
+          <a:lstStyle/>
+          <a:p>
+            <a:pPr algn="ctr"/>
+            <a:endParaRPr kumimoji="1" lang="ja-JP" altLang="en-US"/>
+          </a:p>
+        </p:txBody>
+      </p:sp>
+      <p:sp>
+        <p:nvSpPr>
+          <p:cNvPr id="24" name="テキスト ボックス 23"/>
+          <p:cNvSpPr txBox="1"/>
+          <p:nvPr/>
+        </p:nvSpPr>
+        <p:spPr>
+          <a:xfrm>
+            <a:off x="6474680" y="2586155"/>
+            <a:ext cx="2388795" cy="2585323"/>
+          </a:xfrm>
+          <a:prstGeom prst="rect">
+            <a:avLst/>
+          </a:prstGeom>
+          <a:noFill/>
+        </p:spPr>
+        <p:txBody>
+          <a:bodyPr wrap="none" rtlCol="0">
+            <a:spAutoFit/>
+          </a:bodyPr>
+          <a:lstStyle/>
+          <a:p>
+            <a:r>
+              <a:rPr kumimoji="1" lang="ja-JP" altLang="en-US" dirty="0" smtClean="0"/>
+              <a:t>点しかない場合、</a:t>
+            </a:r>
+            <a:endParaRPr kumimoji="1" lang="en-US" altLang="ja-JP" dirty="0" smtClean="0"/>
+          </a:p>
+          <a:p>
+            <a:r>
+              <a:rPr lang="ja-JP" altLang="en-US" dirty="0" smtClean="0"/>
+              <a:t>ラスタライズが不要</a:t>
+            </a:r>
+            <a:endParaRPr lang="en-US" altLang="ja-JP" dirty="0" smtClean="0"/>
+          </a:p>
+          <a:p>
+            <a:endParaRPr lang="en-US" altLang="ja-JP" dirty="0"/>
+          </a:p>
+          <a:p>
+            <a:r>
+              <a:rPr kumimoji="1" lang="ja-JP" altLang="en-US" dirty="0" smtClean="0"/>
+              <a:t>ビューポートカリング</a:t>
+            </a:r>
+            <a:endParaRPr kumimoji="1" lang="en-US" altLang="ja-JP" dirty="0" smtClean="0"/>
+          </a:p>
+          <a:p>
+            <a:r>
+              <a:rPr lang="ja-JP" altLang="en-US" dirty="0" smtClean="0"/>
+              <a:t>の計算と</a:t>
+            </a:r>
+            <a:r>
+              <a:rPr kumimoji="1" lang="ja-JP" altLang="en-US" dirty="0" smtClean="0"/>
+              <a:t>投影変換の</a:t>
+            </a:r>
+            <a:endParaRPr kumimoji="1" lang="en-US" altLang="ja-JP" dirty="0" smtClean="0"/>
+          </a:p>
+          <a:p>
+            <a:r>
+              <a:rPr kumimoji="1" lang="ja-JP" altLang="en-US" dirty="0" smtClean="0"/>
+              <a:t>計算のどちらの負荷が</a:t>
+            </a:r>
+            <a:endParaRPr kumimoji="1" lang="en-US" altLang="ja-JP" dirty="0" smtClean="0"/>
+          </a:p>
+          <a:p>
+            <a:r>
+              <a:rPr lang="ja-JP" altLang="en-US" dirty="0" smtClean="0"/>
+              <a:t>高いか不明なので</a:t>
+            </a:r>
+            <a:endParaRPr lang="en-US" altLang="ja-JP" dirty="0" smtClean="0"/>
+          </a:p>
+          <a:p>
+            <a:r>
+              <a:rPr kumimoji="1" lang="ja-JP" altLang="en-US" dirty="0"/>
+              <a:t>投影</a:t>
+            </a:r>
+            <a:r>
+              <a:rPr kumimoji="1" lang="ja-JP" altLang="en-US" dirty="0" smtClean="0"/>
+              <a:t>変換でカリングを</a:t>
+            </a:r>
+            <a:endParaRPr kumimoji="1" lang="en-US" altLang="ja-JP" dirty="0" smtClean="0"/>
+          </a:p>
+          <a:p>
+            <a:r>
+              <a:rPr lang="ja-JP" altLang="en-US" dirty="0"/>
+              <a:t>してしまう。</a:t>
+            </a:r>
+            <a:endParaRPr kumimoji="1" lang="ja-JP" altLang="en-US" dirty="0"/>
+          </a:p>
+        </p:txBody>
+      </p:sp>
+    </p:spTree>
+    <p:extLst>
+      <p:ext uri="{BB962C8B-B14F-4D97-AF65-F5344CB8AC3E}">
+        <p14:creationId xmlns:p14="http://schemas.microsoft.com/office/powerpoint/2010/main" val="1840402985"/>
+      </p:ext>
+    </p:extLst>
+  </p:cSld>
+  <p:clrMapOvr>
+    <a:masterClrMapping/>
+  </p:clrMapOvr>
+</p:sld>
+</file>
+
+<file path=ppt/slides/slide13.xml><?xml version="1.0" encoding="utf-8"?>
+<p:sld xmlns:a="http://schemas.openxmlformats.org/drawingml/2006/main" xmlns:r="http://schemas.openxmlformats.org/officeDocument/2006/relationships" xmlns:p="http://schemas.openxmlformats.org/presentationml/2006/main">
+  <p:cSld>
+    <p:spTree>
+      <p:nvGrpSpPr>
+        <p:cNvPr id="1" name=""/>
+        <p:cNvGrpSpPr/>
+        <p:nvPr/>
+      </p:nvGrpSpPr>
+      <p:grpSpPr>
+        <a:xfrm>
+          <a:off x="0" y="0"/>
+          <a:ext cx="0" cy="0"/>
+          <a:chOff x="0" y="0"/>
+          <a:chExt cx="0" cy="0"/>
+        </a:xfrm>
+      </p:grpSpPr>
+      <p:sp>
+        <p:nvSpPr>
+          <p:cNvPr id="2" name="タイトル 1"/>
+          <p:cNvSpPr>
+            <a:spLocks noGrp="1"/>
+          </p:cNvSpPr>
+          <p:nvPr>
+            <p:ph type="title"/>
+          </p:nvPr>
+        </p:nvSpPr>
+        <p:spPr/>
+        <p:txBody>
+          <a:bodyPr/>
+          <a:lstStyle/>
+          <a:p>
+            <a:r>
+              <a:rPr kumimoji="1" lang="ja-JP" altLang="en-US" dirty="0" smtClean="0"/>
+              <a:t>フレームバッファとビューポート</a:t>
+            </a:r>
+            <a:endParaRPr kumimoji="1" lang="ja-JP" altLang="en-US" dirty="0"/>
+          </a:p>
+        </p:txBody>
+      </p:sp>
+      <p:sp>
+        <p:nvSpPr>
+          <p:cNvPr id="4" name="正方形/長方形 3"/>
+          <p:cNvSpPr/>
+          <p:nvPr/>
+        </p:nvSpPr>
+        <p:spPr>
+          <a:xfrm>
+            <a:off x="1475656" y="3140968"/>
+            <a:ext cx="1800200" cy="1296144"/>
+          </a:xfrm>
+          <a:prstGeom prst="rect">
+            <a:avLst/>
+          </a:prstGeom>
+        </p:spPr>
+        <p:style>
+          <a:lnRef idx="2">
+            <a:schemeClr val="accent1">
+              <a:shade val="50000"/>
+            </a:schemeClr>
+          </a:lnRef>
+          <a:fillRef idx="1">
+            <a:schemeClr val="accent1"/>
+          </a:fillRef>
+          <a:effectRef idx="0">
+            <a:schemeClr val="accent1"/>
+          </a:effectRef>
+          <a:fontRef idx="minor">
+            <a:schemeClr val="lt1"/>
+          </a:fontRef>
+        </p:style>
+        <p:txBody>
+          <a:bodyPr rtlCol="0" anchor="ctr"/>
+          <a:lstStyle/>
+          <a:p>
+            <a:pPr algn="ctr"/>
+            <a:endParaRPr kumimoji="1" lang="ja-JP" altLang="en-US"/>
+          </a:p>
+        </p:txBody>
+      </p:sp>
+      <p:sp>
+        <p:nvSpPr>
+          <p:cNvPr id="5" name="テキスト ボックス 4"/>
+          <p:cNvSpPr txBox="1"/>
+          <p:nvPr/>
+        </p:nvSpPr>
+        <p:spPr>
+          <a:xfrm>
+            <a:off x="5220072" y="1785590"/>
+            <a:ext cx="3350597" cy="923330"/>
+          </a:xfrm>
+          <a:prstGeom prst="rect">
+            <a:avLst/>
+          </a:prstGeom>
+          <a:noFill/>
+        </p:spPr>
+        <p:txBody>
+          <a:bodyPr wrap="none" rtlCol="0">
+            <a:spAutoFit/>
+          </a:bodyPr>
+          <a:lstStyle/>
+          <a:p>
+            <a:r>
+              <a:rPr kumimoji="1" lang="ja-JP" altLang="en-US" dirty="0" smtClean="0"/>
+              <a:t>平行投影のビューポート幅と高さ</a:t>
+            </a:r>
+            <a:endParaRPr kumimoji="1" lang="en-US" altLang="ja-JP" dirty="0" smtClean="0"/>
+          </a:p>
+          <a:p>
+            <a:r>
+              <a:rPr lang="en-US" altLang="ja-JP" dirty="0" smtClean="0"/>
+              <a:t>Float </a:t>
+            </a:r>
+            <a:r>
+              <a:rPr lang="en-US" altLang="ja-JP" dirty="0" err="1" smtClean="0"/>
+              <a:t>View_width</a:t>
+            </a:r>
+            <a:endParaRPr lang="en-US" altLang="ja-JP" dirty="0" smtClean="0"/>
+          </a:p>
+          <a:p>
+            <a:r>
+              <a:rPr kumimoji="1" lang="en-US" altLang="ja-JP" dirty="0" smtClean="0"/>
+              <a:t>Float </a:t>
+            </a:r>
+            <a:r>
+              <a:rPr kumimoji="1" lang="en-US" altLang="ja-JP" dirty="0" err="1" smtClean="0"/>
+              <a:t>View_height</a:t>
+            </a:r>
+            <a:endParaRPr kumimoji="1" lang="ja-JP" altLang="en-US" dirty="0"/>
+          </a:p>
+        </p:txBody>
+      </p:sp>
+      <p:sp>
+        <p:nvSpPr>
+          <p:cNvPr id="6" name="テキスト ボックス 5"/>
+          <p:cNvSpPr txBox="1"/>
+          <p:nvPr/>
+        </p:nvSpPr>
+        <p:spPr>
+          <a:xfrm>
+            <a:off x="1115616" y="1785590"/>
+            <a:ext cx="3478837" cy="923330"/>
+          </a:xfrm>
+          <a:prstGeom prst="rect">
+            <a:avLst/>
+          </a:prstGeom>
+          <a:noFill/>
+        </p:spPr>
+        <p:txBody>
+          <a:bodyPr wrap="none" rtlCol="0">
+            <a:spAutoFit/>
+          </a:bodyPr>
+          <a:lstStyle/>
+          <a:p>
+            <a:r>
+              <a:rPr lang="ja-JP" altLang="en-US" dirty="0" smtClean="0"/>
+              <a:t>フレームバッファのピクセルサイズ</a:t>
+            </a:r>
+            <a:endParaRPr kumimoji="1" lang="en-US" altLang="ja-JP" dirty="0" smtClean="0"/>
+          </a:p>
+          <a:p>
+            <a:r>
+              <a:rPr lang="en-US" altLang="ja-JP" dirty="0" err="1" smtClean="0"/>
+              <a:t>Int</a:t>
+            </a:r>
+            <a:r>
+              <a:rPr lang="en-US" altLang="ja-JP" dirty="0" smtClean="0"/>
+              <a:t> </a:t>
+            </a:r>
+            <a:r>
+              <a:rPr lang="en-US" altLang="ja-JP" dirty="0" err="1" smtClean="0"/>
+              <a:t>Frame_width</a:t>
+            </a:r>
+            <a:endParaRPr lang="en-US" altLang="ja-JP" dirty="0" smtClean="0"/>
+          </a:p>
+          <a:p>
+            <a:r>
+              <a:rPr kumimoji="1" lang="en-US" altLang="ja-JP" dirty="0" err="1" smtClean="0"/>
+              <a:t>Int</a:t>
+            </a:r>
+            <a:r>
+              <a:rPr kumimoji="1" lang="en-US" altLang="ja-JP" dirty="0" smtClean="0"/>
+              <a:t> </a:t>
+            </a:r>
+            <a:r>
+              <a:rPr kumimoji="1" lang="en-US" altLang="ja-JP" dirty="0" err="1" smtClean="0"/>
+              <a:t>Frame_height</a:t>
+            </a:r>
+            <a:endParaRPr kumimoji="1" lang="ja-JP" altLang="en-US" dirty="0"/>
+          </a:p>
+        </p:txBody>
+      </p:sp>
+      <p:sp>
+        <p:nvSpPr>
+          <p:cNvPr id="7" name="テキスト ボックス 6"/>
+          <p:cNvSpPr txBox="1"/>
+          <p:nvPr/>
+        </p:nvSpPr>
+        <p:spPr>
+          <a:xfrm>
+            <a:off x="4003008" y="3119632"/>
+            <a:ext cx="4567661" cy="2031325"/>
+          </a:xfrm>
+          <a:prstGeom prst="rect">
+            <a:avLst/>
+          </a:prstGeom>
+          <a:noFill/>
+        </p:spPr>
+        <p:txBody>
+          <a:bodyPr wrap="none" rtlCol="0">
+            <a:spAutoFit/>
+          </a:bodyPr>
+          <a:lstStyle/>
+          <a:p>
+            <a:r>
+              <a:rPr kumimoji="1" lang="en-US" altLang="ja-JP" dirty="0" smtClean="0"/>
+              <a:t>GLUT</a:t>
+            </a:r>
+            <a:r>
+              <a:rPr kumimoji="1" lang="ja-JP" altLang="en-US" dirty="0" smtClean="0"/>
+              <a:t>では画素のアスペクト比を計算して</a:t>
+            </a:r>
+            <a:endParaRPr kumimoji="1" lang="en-US" altLang="ja-JP" dirty="0" smtClean="0"/>
+          </a:p>
+          <a:p>
+            <a:r>
+              <a:rPr lang="en-US" altLang="ja-JP" dirty="0" smtClean="0"/>
+              <a:t>	</a:t>
+            </a:r>
+            <a:r>
+              <a:rPr lang="en-US" altLang="ja-JP" dirty="0" err="1" smtClean="0"/>
+              <a:t>gluPerspective</a:t>
+            </a:r>
+            <a:r>
+              <a:rPr lang="en-US" altLang="ja-JP" dirty="0" smtClean="0"/>
+              <a:t>(40.0,aspect,1.0,30.0);</a:t>
+            </a:r>
+          </a:p>
+          <a:p>
+            <a:r>
+              <a:rPr lang="ja-JP" altLang="en-US" dirty="0" err="1" smtClean="0"/>
+              <a:t>のように</a:t>
+            </a:r>
+            <a:r>
+              <a:rPr lang="ja-JP" altLang="en-US" dirty="0" smtClean="0"/>
+              <a:t>ビューポートを設定する。</a:t>
+            </a:r>
+            <a:endParaRPr lang="en-US" altLang="ja-JP" dirty="0" smtClean="0"/>
+          </a:p>
+          <a:p>
+            <a:r>
+              <a:rPr lang="ja-JP" altLang="en-US" dirty="0" smtClean="0"/>
+              <a:t>画像が歪む</a:t>
+            </a:r>
+            <a:r>
+              <a:rPr lang="ja-JP" altLang="en-US" dirty="0"/>
+              <a:t>こと</a:t>
+            </a:r>
+            <a:r>
+              <a:rPr lang="ja-JP" altLang="en-US" dirty="0" smtClean="0"/>
+              <a:t>に関知しない。</a:t>
+            </a:r>
+            <a:endParaRPr lang="en-US" altLang="ja-JP" dirty="0" smtClean="0"/>
+          </a:p>
+          <a:p>
+            <a:r>
+              <a:rPr lang="ja-JP" altLang="en-US" dirty="0" smtClean="0"/>
+              <a:t>（利用者の自由</a:t>
+            </a:r>
+            <a:r>
+              <a:rPr lang="en-US" altLang="ja-JP" dirty="0" smtClean="0"/>
+              <a:t>/</a:t>
+            </a:r>
+            <a:r>
+              <a:rPr lang="ja-JP" altLang="en-US" dirty="0" smtClean="0"/>
+              <a:t>ディスプレイ上での</a:t>
+            </a:r>
+            <a:endParaRPr lang="en-US" altLang="ja-JP" dirty="0" smtClean="0"/>
+          </a:p>
+          <a:p>
+            <a:r>
+              <a:rPr lang="ja-JP" altLang="en-US" dirty="0" smtClean="0"/>
+              <a:t>画素比と実際の縦横比の関係は</a:t>
+            </a:r>
+            <a:endParaRPr lang="en-US" altLang="ja-JP" dirty="0" smtClean="0"/>
+          </a:p>
+          <a:p>
+            <a:r>
+              <a:rPr lang="ja-JP" altLang="en-US" dirty="0" smtClean="0"/>
+              <a:t>ソフトでは解らない</a:t>
+            </a:r>
+            <a:r>
+              <a:rPr lang="ja-JP" altLang="en-US" dirty="0"/>
+              <a:t>から</a:t>
+            </a:r>
+            <a:r>
+              <a:rPr lang="ja-JP" altLang="en-US" dirty="0" smtClean="0"/>
+              <a:t>）</a:t>
+            </a:r>
+            <a:endParaRPr lang="en-US" altLang="ja-JP" dirty="0" smtClean="0"/>
+          </a:p>
+        </p:txBody>
+      </p:sp>
+      <p:sp>
+        <p:nvSpPr>
+          <p:cNvPr id="8" name="テキスト ボックス 7"/>
+          <p:cNvSpPr txBox="1"/>
+          <p:nvPr/>
+        </p:nvSpPr>
+        <p:spPr>
+          <a:xfrm>
+            <a:off x="1115616" y="5445224"/>
+            <a:ext cx="2592376" cy="369332"/>
+          </a:xfrm>
+          <a:prstGeom prst="rect">
+            <a:avLst/>
+          </a:prstGeom>
+          <a:noFill/>
+        </p:spPr>
+        <p:txBody>
+          <a:bodyPr wrap="none" rtlCol="0">
+            <a:spAutoFit/>
+          </a:bodyPr>
+          <a:lstStyle/>
+          <a:p>
+            <a:r>
+              <a:rPr kumimoji="1" lang="ja-JP" altLang="en-US" dirty="0" smtClean="0"/>
+              <a:t>同じポリシーで考えると</a:t>
+            </a:r>
+            <a:r>
+              <a:rPr lang="en-US" altLang="ja-JP" dirty="0" smtClean="0"/>
+              <a:t>…</a:t>
+            </a:r>
+            <a:endParaRPr kumimoji="1" lang="en-US" altLang="ja-JP" dirty="0" smtClean="0"/>
+          </a:p>
+        </p:txBody>
+      </p:sp>
+    </p:spTree>
+    <p:extLst>
+      <p:ext uri="{BB962C8B-B14F-4D97-AF65-F5344CB8AC3E}">
+        <p14:creationId xmlns:p14="http://schemas.microsoft.com/office/powerpoint/2010/main" val="1279707206"/>
+      </p:ext>
+    </p:extLst>
+  </p:cSld>
+  <p:clrMapOvr>
+    <a:masterClrMapping/>
+  </p:clrMapOvr>
+</p:sld>
+</file>
+
+<file path=ppt/slides/slide14.xml><?xml version="1.0" encoding="utf-8"?>
+<p:sld xmlns:a="http://schemas.openxmlformats.org/drawingml/2006/main" xmlns:r="http://schemas.openxmlformats.org/officeDocument/2006/relationships" xmlns:p="http://schemas.openxmlformats.org/presentationml/2006/main">
+  <p:cSld>
+    <p:spTree>
+      <p:nvGrpSpPr>
+        <p:cNvPr id="1" name=""/>
+        <p:cNvGrpSpPr/>
+        <p:nvPr/>
+      </p:nvGrpSpPr>
+      <p:grpSpPr>
+        <a:xfrm>
+          <a:off x="0" y="0"/>
+          <a:ext cx="0" cy="0"/>
+          <a:chOff x="0" y="0"/>
+          <a:chExt cx="0" cy="0"/>
+        </a:xfrm>
+      </p:grpSpPr>
+      <p:sp>
+        <p:nvSpPr>
+          <p:cNvPr id="4" name="コンテンツ プレースホルダー 3"/>
+          <p:cNvSpPr>
+            <a:spLocks noGrp="1"/>
+          </p:cNvSpPr>
+          <p:nvPr>
+            <p:ph idx="1"/>
+          </p:nvPr>
+        </p:nvSpPr>
+        <p:spPr>
+          <a:xfrm>
+            <a:off x="1894521" y="1090628"/>
+            <a:ext cx="4834880" cy="3124944"/>
+          </a:xfrm>
+          <a:prstGeom prst="rect">
+            <a:avLst/>
+          </a:prstGeom>
+          <a:noFill/>
+        </p:spPr>
+        <p:style>
+          <a:lnRef idx="2">
+            <a:schemeClr val="accent1">
+              <a:shade val="50000"/>
+            </a:schemeClr>
+          </a:lnRef>
+          <a:fillRef idx="1">
+            <a:schemeClr val="accent1"/>
+          </a:fillRef>
+          <a:effectRef idx="0">
+            <a:schemeClr val="accent1"/>
+          </a:effectRef>
+          <a:fontRef idx="minor">
+            <a:schemeClr val="lt1"/>
+          </a:fontRef>
+        </p:style>
+        <p:txBody>
+          <a:bodyPr rtlCol="0" anchor="ctr"/>
+          <a:lstStyle/>
+          <a:p>
+            <a:endParaRPr kumimoji="1" lang="ja-JP" altLang="en-US" dirty="0"/>
+          </a:p>
+        </p:txBody>
+      </p:sp>
+      <p:cxnSp>
+        <p:nvCxnSpPr>
+          <p:cNvPr id="6" name="直線矢印コネクタ 5"/>
+          <p:cNvCxnSpPr/>
+          <p:nvPr/>
+        </p:nvCxnSpPr>
+        <p:spPr>
+          <a:xfrm>
+            <a:off x="1606489" y="2653100"/>
+            <a:ext cx="6120680" cy="21704"/>
+          </a:xfrm>
+          <a:prstGeom prst="straightConnector1">
+            <a:avLst/>
+          </a:prstGeom>
+          <a:ln>
+            <a:solidFill>
+              <a:schemeClr val="tx1"/>
+            </a:solidFill>
+            <a:tailEnd type="arrow"/>
+          </a:ln>
+        </p:spPr>
+        <p:style>
+          <a:lnRef idx="1">
+            <a:schemeClr val="accent1"/>
+          </a:lnRef>
+          <a:fillRef idx="0">
+            <a:schemeClr val="accent1"/>
+          </a:fillRef>
+          <a:effectRef idx="0">
+            <a:schemeClr val="accent1"/>
+          </a:effectRef>
+          <a:fontRef idx="minor">
+            <a:schemeClr val="tx1"/>
+          </a:fontRef>
+        </p:style>
+      </p:cxnSp>
+      <p:cxnSp>
+        <p:nvCxnSpPr>
+          <p:cNvPr id="8" name="直線矢印コネクタ 7"/>
+          <p:cNvCxnSpPr/>
+          <p:nvPr/>
+        </p:nvCxnSpPr>
+        <p:spPr>
+          <a:xfrm flipV="1">
+            <a:off x="4311961" y="701988"/>
+            <a:ext cx="30832" cy="3629000"/>
+          </a:xfrm>
+          <a:prstGeom prst="straightConnector1">
+            <a:avLst/>
+          </a:prstGeom>
+          <a:ln>
+            <a:solidFill>
+              <a:schemeClr val="tx1"/>
+            </a:solidFill>
+            <a:tailEnd type="arrow"/>
+          </a:ln>
+        </p:spPr>
+        <p:style>
+          <a:lnRef idx="1">
+            <a:schemeClr val="accent1"/>
+          </a:lnRef>
+          <a:fillRef idx="0">
+            <a:schemeClr val="accent1"/>
+          </a:fillRef>
+          <a:effectRef idx="0">
+            <a:schemeClr val="accent1"/>
+          </a:effectRef>
+          <a:fontRef idx="minor">
+            <a:schemeClr val="tx1"/>
+          </a:fontRef>
+        </p:style>
+      </p:cxnSp>
+      <p:sp>
+        <p:nvSpPr>
+          <p:cNvPr id="9" name="テキスト ボックス 8"/>
+          <p:cNvSpPr txBox="1"/>
+          <p:nvPr/>
+        </p:nvSpPr>
+        <p:spPr>
+          <a:xfrm>
+            <a:off x="7835196" y="2490138"/>
+            <a:ext cx="431528" cy="369332"/>
+          </a:xfrm>
+          <a:prstGeom prst="rect">
+            <a:avLst/>
+          </a:prstGeom>
+          <a:noFill/>
+        </p:spPr>
+        <p:txBody>
+          <a:bodyPr wrap="none" rtlCol="0">
+            <a:spAutoFit/>
+          </a:bodyPr>
+          <a:lstStyle/>
+          <a:p>
+            <a:r>
+              <a:rPr kumimoji="1" lang="en-US" altLang="ja-JP" dirty="0" smtClean="0">
+                <a:solidFill>
+                  <a:srgbClr val="FF0000"/>
+                </a:solidFill>
+              </a:rPr>
+              <a:t>I</a:t>
+            </a:r>
+            <a:r>
+              <a:rPr kumimoji="1" lang="en-US" altLang="ja-JP" dirty="0" smtClean="0"/>
+              <a:t>/</a:t>
+            </a:r>
+            <a:r>
+              <a:rPr kumimoji="1" lang="en-US" altLang="ja-JP" dirty="0" smtClean="0">
+                <a:solidFill>
+                  <a:srgbClr val="00B050"/>
+                </a:solidFill>
+              </a:rPr>
+              <a:t>x</a:t>
+            </a:r>
+            <a:endParaRPr kumimoji="1" lang="ja-JP" altLang="en-US" dirty="0">
+              <a:solidFill>
+                <a:srgbClr val="00B050"/>
+              </a:solidFill>
+            </a:endParaRPr>
+          </a:p>
+        </p:txBody>
+      </p:sp>
+      <p:sp>
+        <p:nvSpPr>
+          <p:cNvPr id="10" name="テキスト ボックス 9"/>
+          <p:cNvSpPr txBox="1"/>
+          <p:nvPr/>
+        </p:nvSpPr>
+        <p:spPr>
+          <a:xfrm>
+            <a:off x="4206190" y="332656"/>
+            <a:ext cx="433132" cy="369332"/>
+          </a:xfrm>
+          <a:prstGeom prst="rect">
+            <a:avLst/>
+          </a:prstGeom>
+          <a:noFill/>
+        </p:spPr>
+        <p:txBody>
+          <a:bodyPr wrap="none" rtlCol="0">
+            <a:spAutoFit/>
+          </a:bodyPr>
+          <a:lstStyle/>
+          <a:p>
+            <a:r>
+              <a:rPr kumimoji="1" lang="en-US" altLang="ja-JP" dirty="0" smtClean="0">
+                <a:solidFill>
+                  <a:srgbClr val="FF0000"/>
+                </a:solidFill>
+              </a:rPr>
+              <a:t>j</a:t>
+            </a:r>
+            <a:r>
+              <a:rPr kumimoji="1" lang="en-US" altLang="ja-JP" dirty="0" smtClean="0"/>
+              <a:t>/</a:t>
+            </a:r>
+            <a:r>
+              <a:rPr kumimoji="1" lang="en-US" altLang="ja-JP" dirty="0" smtClean="0">
+                <a:solidFill>
+                  <a:srgbClr val="00B050"/>
+                </a:solidFill>
+              </a:rPr>
+              <a:t>y</a:t>
+            </a:r>
+            <a:endParaRPr kumimoji="1" lang="ja-JP" altLang="en-US" dirty="0">
+              <a:solidFill>
+                <a:srgbClr val="00B050"/>
+              </a:solidFill>
+            </a:endParaRPr>
+          </a:p>
+        </p:txBody>
+      </p:sp>
+      <p:sp>
+        <p:nvSpPr>
+          <p:cNvPr id="11" name="テキスト ボックス 10"/>
+          <p:cNvSpPr txBox="1"/>
+          <p:nvPr/>
+        </p:nvSpPr>
+        <p:spPr>
+          <a:xfrm>
+            <a:off x="4297273" y="2653100"/>
+            <a:ext cx="301686" cy="369332"/>
+          </a:xfrm>
+          <a:prstGeom prst="rect">
+            <a:avLst/>
+          </a:prstGeom>
+          <a:noFill/>
+        </p:spPr>
+        <p:txBody>
+          <a:bodyPr wrap="none" rtlCol="0">
+            <a:spAutoFit/>
+          </a:bodyPr>
+          <a:lstStyle/>
+          <a:p>
+            <a:r>
+              <a:rPr kumimoji="1" lang="en-US" altLang="ja-JP" dirty="0" smtClean="0">
+                <a:solidFill>
+                  <a:srgbClr val="00B050"/>
+                </a:solidFill>
+              </a:rPr>
+              <a:t>0</a:t>
+            </a:r>
+            <a:endParaRPr kumimoji="1" lang="ja-JP" altLang="en-US" dirty="0">
+              <a:solidFill>
+                <a:srgbClr val="00B050"/>
+              </a:solidFill>
+            </a:endParaRPr>
+          </a:p>
+        </p:txBody>
+      </p:sp>
+      <p:sp>
+        <p:nvSpPr>
+          <p:cNvPr id="12" name="テキスト ボックス 11"/>
+          <p:cNvSpPr txBox="1"/>
+          <p:nvPr/>
+        </p:nvSpPr>
+        <p:spPr>
+          <a:xfrm>
+            <a:off x="6719056" y="2708104"/>
+            <a:ext cx="1597360" cy="646331"/>
+          </a:xfrm>
+          <a:prstGeom prst="rect">
+            <a:avLst/>
+          </a:prstGeom>
+          <a:noFill/>
+        </p:spPr>
+        <p:txBody>
+          <a:bodyPr wrap="none" rtlCol="0">
+            <a:spAutoFit/>
+          </a:bodyPr>
+          <a:lstStyle/>
+          <a:p>
+            <a:r>
+              <a:rPr lang="en-US" altLang="ja-JP" dirty="0" err="1" smtClean="0">
+                <a:solidFill>
+                  <a:srgbClr val="FF0000"/>
+                </a:solidFill>
+              </a:rPr>
+              <a:t>Frame_width</a:t>
+            </a:r>
+            <a:endParaRPr lang="en-US" altLang="ja-JP" dirty="0" smtClean="0">
+              <a:solidFill>
+                <a:srgbClr val="FF0000"/>
+              </a:solidFill>
+            </a:endParaRPr>
+          </a:p>
+          <a:p>
+            <a:r>
+              <a:rPr kumimoji="1" lang="en-US" altLang="ja-JP" dirty="0" smtClean="0"/>
+              <a:t>=</a:t>
+            </a:r>
+            <a:r>
+              <a:rPr kumimoji="1" lang="en-US" altLang="ja-JP" dirty="0" err="1" smtClean="0">
+                <a:solidFill>
+                  <a:srgbClr val="00B050"/>
+                </a:solidFill>
+              </a:rPr>
+              <a:t>view_width</a:t>
+            </a:r>
+            <a:r>
+              <a:rPr kumimoji="1" lang="en-US" altLang="ja-JP" dirty="0" smtClean="0">
+                <a:solidFill>
+                  <a:srgbClr val="00B050"/>
+                </a:solidFill>
+              </a:rPr>
+              <a:t>/2</a:t>
+            </a:r>
+            <a:endParaRPr kumimoji="1" lang="ja-JP" altLang="en-US" dirty="0">
+              <a:solidFill>
+                <a:srgbClr val="00B050"/>
+              </a:solidFill>
+            </a:endParaRPr>
+          </a:p>
+        </p:txBody>
+      </p:sp>
+      <p:sp>
+        <p:nvSpPr>
+          <p:cNvPr id="13" name="テキスト ボックス 12"/>
+          <p:cNvSpPr txBox="1"/>
+          <p:nvPr/>
+        </p:nvSpPr>
+        <p:spPr>
+          <a:xfrm>
+            <a:off x="526369" y="2685358"/>
+            <a:ext cx="1502784" cy="646331"/>
+          </a:xfrm>
+          <a:prstGeom prst="rect">
+            <a:avLst/>
+          </a:prstGeom>
+          <a:noFill/>
+        </p:spPr>
+        <p:txBody>
+          <a:bodyPr wrap="none" rtlCol="0">
+            <a:spAutoFit/>
+          </a:bodyPr>
+          <a:lstStyle/>
+          <a:p>
+            <a:r>
+              <a:rPr lang="en-US" altLang="ja-JP" dirty="0" smtClean="0">
+                <a:solidFill>
+                  <a:srgbClr val="FF0000"/>
+                </a:solidFill>
+              </a:rPr>
+              <a:t>0 </a:t>
+            </a:r>
+            <a:r>
+              <a:rPr lang="en-US" altLang="ja-JP" dirty="0" smtClean="0"/>
+              <a:t>=</a:t>
+            </a:r>
+          </a:p>
+          <a:p>
+            <a:r>
+              <a:rPr lang="en-US" altLang="ja-JP" dirty="0">
+                <a:solidFill>
+                  <a:srgbClr val="00B050"/>
+                </a:solidFill>
+              </a:rPr>
+              <a:t>-</a:t>
+            </a:r>
+            <a:r>
+              <a:rPr lang="en-US" altLang="ja-JP" dirty="0" err="1" smtClean="0">
+                <a:solidFill>
+                  <a:srgbClr val="00B050"/>
+                </a:solidFill>
+              </a:rPr>
+              <a:t>view_eidth</a:t>
+            </a:r>
+            <a:r>
+              <a:rPr lang="en-US" altLang="ja-JP" dirty="0" smtClean="0">
+                <a:solidFill>
+                  <a:srgbClr val="00B050"/>
+                </a:solidFill>
+              </a:rPr>
+              <a:t>/2</a:t>
+            </a:r>
+            <a:endParaRPr lang="ja-JP" altLang="en-US" dirty="0">
+              <a:solidFill>
+                <a:srgbClr val="00B050"/>
+              </a:solidFill>
+            </a:endParaRPr>
+          </a:p>
+        </p:txBody>
+      </p:sp>
+      <p:sp>
+        <p:nvSpPr>
+          <p:cNvPr id="14" name="テキスト ボックス 13"/>
+          <p:cNvSpPr txBox="1"/>
+          <p:nvPr/>
+        </p:nvSpPr>
+        <p:spPr>
+          <a:xfrm>
+            <a:off x="3820796" y="4343328"/>
+            <a:ext cx="1764778" cy="646331"/>
+          </a:xfrm>
+          <a:prstGeom prst="rect">
+            <a:avLst/>
+          </a:prstGeom>
+          <a:noFill/>
+        </p:spPr>
+        <p:txBody>
+          <a:bodyPr wrap="none" rtlCol="0">
+            <a:spAutoFit/>
+          </a:bodyPr>
+          <a:lstStyle/>
+          <a:p>
+            <a:r>
+              <a:rPr lang="en-US" altLang="ja-JP" dirty="0" smtClean="0">
+                <a:solidFill>
+                  <a:srgbClr val="FF0000"/>
+                </a:solidFill>
+              </a:rPr>
+              <a:t>0</a:t>
+            </a:r>
+            <a:r>
+              <a:rPr lang="en-US" altLang="ja-JP" dirty="0" smtClean="0"/>
+              <a:t>=</a:t>
+            </a:r>
+          </a:p>
+          <a:p>
+            <a:r>
+              <a:rPr lang="en-US" altLang="ja-JP" dirty="0" smtClean="0">
+                <a:solidFill>
+                  <a:srgbClr val="00B050"/>
+                </a:solidFill>
+              </a:rPr>
+              <a:t>-</a:t>
+            </a:r>
+            <a:r>
+              <a:rPr lang="en-US" altLang="ja-JP" dirty="0" err="1" smtClean="0">
+                <a:solidFill>
+                  <a:srgbClr val="00B050"/>
+                </a:solidFill>
+              </a:rPr>
+              <a:t>Frame_height</a:t>
+            </a:r>
+            <a:r>
+              <a:rPr lang="en-US" altLang="ja-JP" dirty="0" smtClean="0">
+                <a:solidFill>
+                  <a:srgbClr val="00B050"/>
+                </a:solidFill>
+              </a:rPr>
+              <a:t>/2</a:t>
+            </a:r>
+            <a:endParaRPr kumimoji="1" lang="ja-JP" altLang="en-US" dirty="0">
+              <a:solidFill>
+                <a:srgbClr val="00B050"/>
+              </a:solidFill>
+            </a:endParaRPr>
+          </a:p>
+        </p:txBody>
+      </p:sp>
+      <p:sp>
+        <p:nvSpPr>
+          <p:cNvPr id="15" name="テキスト ボックス 14"/>
+          <p:cNvSpPr txBox="1"/>
+          <p:nvPr/>
+        </p:nvSpPr>
+        <p:spPr>
+          <a:xfrm>
+            <a:off x="4448116" y="499528"/>
+            <a:ext cx="1487458" cy="646331"/>
+          </a:xfrm>
+          <a:prstGeom prst="rect">
+            <a:avLst/>
+          </a:prstGeom>
+          <a:noFill/>
+        </p:spPr>
+        <p:txBody>
+          <a:bodyPr wrap="none" rtlCol="0">
+            <a:spAutoFit/>
+          </a:bodyPr>
+          <a:lstStyle/>
+          <a:p>
+            <a:r>
+              <a:rPr lang="en-US" altLang="ja-JP" dirty="0" err="1" smtClean="0">
+                <a:solidFill>
+                  <a:srgbClr val="FF0000"/>
+                </a:solidFill>
+              </a:rPr>
+              <a:t>view_height</a:t>
+            </a:r>
+            <a:r>
+              <a:rPr lang="en-US" altLang="ja-JP" dirty="0" smtClean="0"/>
+              <a:t>=</a:t>
+            </a:r>
+          </a:p>
+          <a:p>
+            <a:r>
+              <a:rPr lang="en-US" altLang="ja-JP" dirty="0" err="1" smtClean="0">
+                <a:solidFill>
+                  <a:srgbClr val="00B050"/>
+                </a:solidFill>
+              </a:rPr>
+              <a:t>Frame_height</a:t>
+            </a:r>
+            <a:endParaRPr lang="en-US" altLang="ja-JP" dirty="0" smtClean="0">
+              <a:solidFill>
+                <a:srgbClr val="00B050"/>
+              </a:solidFill>
+            </a:endParaRPr>
+          </a:p>
+        </p:txBody>
+      </p:sp>
+      <p:sp>
+        <p:nvSpPr>
+          <p:cNvPr id="17" name="正方形/長方形 16"/>
+          <p:cNvSpPr/>
+          <p:nvPr/>
+        </p:nvSpPr>
+        <p:spPr>
+          <a:xfrm>
+            <a:off x="1894521" y="4005064"/>
+            <a:ext cx="288032" cy="216024"/>
+          </a:xfrm>
+          <a:prstGeom prst="rect">
+            <a:avLst/>
+          </a:prstGeom>
+        </p:spPr>
+        <p:style>
+          <a:lnRef idx="2">
+            <a:schemeClr val="accent1">
+              <a:shade val="50000"/>
+            </a:schemeClr>
+          </a:lnRef>
+          <a:fillRef idx="1">
+            <a:schemeClr val="accent1"/>
+          </a:fillRef>
+          <a:effectRef idx="0">
+            <a:schemeClr val="accent1"/>
+          </a:effectRef>
+          <a:fontRef idx="minor">
+            <a:schemeClr val="lt1"/>
+          </a:fontRef>
+        </p:style>
+        <p:txBody>
+          <a:bodyPr rtlCol="0" anchor="ctr"/>
+          <a:lstStyle/>
+          <a:p>
+            <a:pPr algn="ctr"/>
+            <a:endParaRPr kumimoji="1" lang="ja-JP" altLang="en-US"/>
+          </a:p>
+        </p:txBody>
+      </p:sp>
+      <p:sp>
+        <p:nvSpPr>
+          <p:cNvPr id="18" name="テキスト ボックス 17"/>
+          <p:cNvSpPr txBox="1"/>
+          <p:nvPr/>
+        </p:nvSpPr>
+        <p:spPr>
+          <a:xfrm>
+            <a:off x="935423" y="5229200"/>
+            <a:ext cx="7829387" cy="1200329"/>
+          </a:xfrm>
+          <a:prstGeom prst="rect">
+            <a:avLst/>
+          </a:prstGeom>
+          <a:noFill/>
+        </p:spPr>
+        <p:txBody>
+          <a:bodyPr wrap="none" rtlCol="0">
+            <a:spAutoFit/>
+          </a:bodyPr>
+          <a:lstStyle/>
+          <a:p>
+            <a:r>
+              <a:rPr kumimoji="1" lang="en-US" altLang="ja-JP" dirty="0" smtClean="0"/>
+              <a:t>image[0][0](</a:t>
+            </a:r>
+            <a:r>
+              <a:rPr kumimoji="1" lang="ja-JP" altLang="en-US" dirty="0" smtClean="0"/>
+              <a:t>フレームバッファ</a:t>
+            </a:r>
+            <a:r>
+              <a:rPr kumimoji="1" lang="en-US" altLang="ja-JP" dirty="0" smtClean="0"/>
+              <a:t>)</a:t>
+            </a:r>
+            <a:r>
+              <a:rPr kumimoji="1" lang="ja-JP" altLang="en-US" dirty="0" smtClean="0"/>
+              <a:t>の領域は、左右（上下）対称とするには</a:t>
+            </a:r>
+            <a:endParaRPr kumimoji="1" lang="en-US" altLang="ja-JP" dirty="0" smtClean="0"/>
+          </a:p>
+          <a:p>
+            <a:r>
+              <a:rPr kumimoji="1" lang="ja-JP" altLang="en-US" dirty="0" smtClean="0"/>
+              <a:t>画素数が奇数と偶数で買えなければならないけど、</a:t>
+            </a:r>
+            <a:r>
+              <a:rPr kumimoji="1" lang="en-US" altLang="ja-JP" dirty="0" smtClean="0"/>
+              <a:t>0</a:t>
+            </a:r>
+            <a:r>
+              <a:rPr kumimoji="1" lang="ja-JP" altLang="en-US" dirty="0" smtClean="0"/>
+              <a:t>を中心に置きたいから</a:t>
+            </a:r>
+            <a:endParaRPr kumimoji="1" lang="en-US" altLang="ja-JP" dirty="0" smtClean="0"/>
+          </a:p>
+          <a:p>
+            <a:r>
+              <a:rPr lang="ja-JP" altLang="en-US" dirty="0" smtClean="0"/>
+              <a:t>奇数と考えて処理しましょう。（偶数の場合は、１引いて計算して、最後の画素は</a:t>
+            </a:r>
+            <a:endParaRPr lang="en-US" altLang="ja-JP" dirty="0" smtClean="0"/>
+          </a:p>
+          <a:p>
+            <a:r>
+              <a:rPr kumimoji="1" lang="ja-JP" altLang="en-US" dirty="0"/>
+              <a:t>はみ出るように</a:t>
+            </a:r>
+            <a:r>
+              <a:rPr kumimoji="1" lang="ja-JP" altLang="en-US" dirty="0" smtClean="0"/>
+              <a:t>しましょう</a:t>
+            </a:r>
+            <a:r>
+              <a:rPr kumimoji="1" lang="ja-JP" altLang="en-US" dirty="0"/>
+              <a:t>か）</a:t>
+            </a:r>
+          </a:p>
+        </p:txBody>
+      </p:sp>
+    </p:spTree>
+    <p:extLst>
+      <p:ext uri="{BB962C8B-B14F-4D97-AF65-F5344CB8AC3E}">
+        <p14:creationId xmlns:p14="http://schemas.microsoft.com/office/powerpoint/2010/main" val="3527912888"/>
+      </p:ext>
+    </p:extLst>
+  </p:cSld>
+  <p:clrMapOvr>
+    <a:masterClrMapping/>
+  </p:clrMapOvr>
+</p:sld>
+</file>
+
+<file path=ppt/slides/slide15.xml><?xml version="1.0" encoding="utf-8"?>
+<p:sld xmlns:a="http://schemas.openxmlformats.org/drawingml/2006/main" xmlns:r="http://schemas.openxmlformats.org/officeDocument/2006/relationships" xmlns:p="http://schemas.openxmlformats.org/presentationml/2006/main">
+  <p:cSld>
+    <p:spTree>
+      <p:nvGrpSpPr>
+        <p:cNvPr id="1" name=""/>
+        <p:cNvGrpSpPr/>
+        <p:nvPr/>
+      </p:nvGrpSpPr>
+      <p:grpSpPr>
+        <a:xfrm>
+          <a:off x="0" y="0"/>
+          <a:ext cx="0" cy="0"/>
+          <a:chOff x="0" y="0"/>
+          <a:chExt cx="0" cy="0"/>
+        </a:xfrm>
+      </p:grpSpPr>
+      <p:sp>
+        <p:nvSpPr>
+          <p:cNvPr id="2" name="タイトル 1"/>
+          <p:cNvSpPr>
+            <a:spLocks noGrp="1"/>
+          </p:cNvSpPr>
+          <p:nvPr>
+            <p:ph type="title"/>
+          </p:nvPr>
+        </p:nvSpPr>
+        <p:spPr/>
+        <p:txBody>
+          <a:bodyPr>
+            <a:normAutofit/>
+          </a:bodyPr>
+          <a:lstStyle/>
+          <a:p>
+            <a:r>
+              <a:rPr lang="ja-JP" altLang="en-US" dirty="0"/>
+              <a:t>画</a:t>
+            </a:r>
+            <a:r>
+              <a:rPr lang="ja-JP" altLang="en-US" dirty="0" smtClean="0"/>
+              <a:t>素数の計算（画素から計算）</a:t>
+            </a:r>
+            <a:endParaRPr kumimoji="1" lang="ja-JP" altLang="en-US" dirty="0"/>
+          </a:p>
+        </p:txBody>
+      </p:sp>
+      <p:pic>
+        <p:nvPicPr>
+          <p:cNvPr id="4" name="Picture 2"/>
+          <p:cNvPicPr>
+            <a:picLocks noGrp="1" noChangeAspect="1" noChangeArrowheads="1"/>
+          </p:cNvPicPr>
+          <p:nvPr>
+            <p:ph idx="1"/>
+          </p:nvPr>
+        </p:nvPicPr>
+        <p:blipFill>
+          <a:blip r:embed="rId2">
+            <a:extLst>
+              <a:ext uri="{28A0092B-C50C-407E-A947-70E740481C1C}">
+                <a14:useLocalDpi xmlns:a14="http://schemas.microsoft.com/office/drawing/2010/main" val="0"/>
+              </a:ext>
+            </a:extLst>
+          </a:blip>
+          <a:srcRect/>
+          <a:stretch>
+            <a:fillRect/>
+          </a:stretch>
+        </p:blipFill>
+        <p:spPr bwMode="auto">
+          <a:xfrm>
+            <a:off x="1619672" y="2727906"/>
+            <a:ext cx="1924050" cy="1876425"/>
+          </a:xfrm>
+          <a:prstGeom prst="rect">
+            <a:avLst/>
+          </a:prstGeom>
+          <a:noFill/>
+          <a:ln w="9525">
+            <a:solidFill>
+              <a:schemeClr val="tx1"/>
+            </a:solidFill>
+            <a:miter lim="800000"/>
+            <a:headEnd/>
+            <a:tailEnd/>
+          </a:ln>
+          <a:extLst>
+            <a:ext uri="{909E8E84-426E-40DD-AFC4-6F175D3DCCD1}">
+              <a14:hiddenFill xmlns:a14="http://schemas.microsoft.com/office/drawing/2010/main">
+                <a:solidFill>
+                  <a:schemeClr val="accent1"/>
+                </a:solidFill>
+              </a14:hiddenFill>
+            </a:ext>
+          </a:extLst>
+        </p:spPr>
+      </p:pic>
+      <p:sp>
+        <p:nvSpPr>
+          <p:cNvPr id="5" name="テキスト ボックス 4"/>
+          <p:cNvSpPr txBox="1"/>
+          <p:nvPr/>
+        </p:nvSpPr>
+        <p:spPr>
+          <a:xfrm>
+            <a:off x="2209819" y="2346177"/>
+            <a:ext cx="649537" cy="369332"/>
+          </a:xfrm>
+          <a:prstGeom prst="rect">
+            <a:avLst/>
+          </a:prstGeom>
+          <a:noFill/>
+        </p:spPr>
+        <p:txBody>
+          <a:bodyPr wrap="none" rtlCol="0">
+            <a:spAutoFit/>
+          </a:bodyPr>
+          <a:lstStyle/>
+          <a:p>
+            <a:r>
+              <a:rPr lang="ja-JP" altLang="en-US" dirty="0" smtClean="0"/>
+              <a:t>幅</a:t>
+            </a:r>
+            <a:r>
+              <a:rPr lang="en-US" altLang="ja-JP" dirty="0" smtClean="0"/>
+              <a:t>20</a:t>
+            </a:r>
+            <a:endParaRPr kumimoji="1" lang="ja-JP" altLang="en-US" dirty="0"/>
+          </a:p>
+        </p:txBody>
+      </p:sp>
+      <p:sp>
+        <p:nvSpPr>
+          <p:cNvPr id="6" name="テキスト ボックス 5"/>
+          <p:cNvSpPr txBox="1"/>
+          <p:nvPr/>
+        </p:nvSpPr>
+        <p:spPr>
+          <a:xfrm>
+            <a:off x="3589808" y="3685674"/>
+            <a:ext cx="825867" cy="369332"/>
+          </a:xfrm>
+          <a:prstGeom prst="rect">
+            <a:avLst/>
+          </a:prstGeom>
+          <a:noFill/>
+        </p:spPr>
+        <p:txBody>
+          <a:bodyPr wrap="none" rtlCol="0">
+            <a:spAutoFit/>
+          </a:bodyPr>
+          <a:lstStyle/>
+          <a:p>
+            <a:r>
+              <a:rPr kumimoji="1" lang="ja-JP" altLang="en-US" dirty="0" smtClean="0"/>
+              <a:t>高さ</a:t>
+            </a:r>
+            <a:r>
+              <a:rPr kumimoji="1" lang="en-US" altLang="ja-JP" dirty="0" smtClean="0"/>
+              <a:t>20</a:t>
+            </a:r>
+            <a:endParaRPr kumimoji="1" lang="ja-JP" altLang="en-US" dirty="0"/>
+          </a:p>
+        </p:txBody>
+      </p:sp>
+      <p:sp>
+        <p:nvSpPr>
+          <p:cNvPr id="7" name="テキスト ボックス 6"/>
+          <p:cNvSpPr txBox="1"/>
+          <p:nvPr/>
+        </p:nvSpPr>
+        <p:spPr>
+          <a:xfrm>
+            <a:off x="611560" y="3501008"/>
+            <a:ext cx="997389" cy="369332"/>
+          </a:xfrm>
+          <a:prstGeom prst="rect">
+            <a:avLst/>
+          </a:prstGeom>
+          <a:noFill/>
+        </p:spPr>
+        <p:txBody>
+          <a:bodyPr wrap="none" rtlCol="0">
+            <a:spAutoFit/>
+          </a:bodyPr>
+          <a:lstStyle/>
+          <a:p>
+            <a:r>
+              <a:rPr kumimoji="1" lang="en-US" altLang="ja-JP" dirty="0" smtClean="0"/>
+              <a:t>512</a:t>
+            </a:r>
+            <a:r>
+              <a:rPr kumimoji="1" lang="ja-JP" altLang="en-US" dirty="0" smtClean="0"/>
+              <a:t>画素</a:t>
+            </a:r>
+            <a:endParaRPr kumimoji="1" lang="ja-JP" altLang="en-US" dirty="0"/>
+          </a:p>
+        </p:txBody>
+      </p:sp>
+      <p:sp>
+        <p:nvSpPr>
+          <p:cNvPr id="8" name="テキスト ボックス 7"/>
+          <p:cNvSpPr txBox="1"/>
+          <p:nvPr/>
+        </p:nvSpPr>
+        <p:spPr>
+          <a:xfrm>
+            <a:off x="2176269" y="4653136"/>
+            <a:ext cx="997389" cy="369332"/>
+          </a:xfrm>
+          <a:prstGeom prst="rect">
+            <a:avLst/>
+          </a:prstGeom>
+          <a:noFill/>
+        </p:spPr>
+        <p:txBody>
+          <a:bodyPr wrap="none" rtlCol="0">
+            <a:spAutoFit/>
+          </a:bodyPr>
+          <a:lstStyle/>
+          <a:p>
+            <a:r>
+              <a:rPr kumimoji="1" lang="en-US" altLang="ja-JP" dirty="0" smtClean="0"/>
+              <a:t>512</a:t>
+            </a:r>
+            <a:r>
+              <a:rPr kumimoji="1" lang="ja-JP" altLang="en-US" dirty="0" smtClean="0"/>
+              <a:t>画素</a:t>
+            </a:r>
+            <a:endParaRPr kumimoji="1" lang="ja-JP" altLang="en-US" dirty="0"/>
+          </a:p>
+        </p:txBody>
+      </p:sp>
+      <p:cxnSp>
+        <p:nvCxnSpPr>
+          <p:cNvPr id="10" name="直線矢印コネクタ 9"/>
+          <p:cNvCxnSpPr>
+            <a:stCxn id="7" idx="3"/>
+          </p:cNvCxnSpPr>
+          <p:nvPr/>
+        </p:nvCxnSpPr>
+        <p:spPr>
+          <a:xfrm>
+            <a:off x="1608949" y="3685674"/>
+            <a:ext cx="2242971" cy="0"/>
+          </a:xfrm>
+          <a:prstGeom prst="straightConnector1">
+            <a:avLst/>
+          </a:prstGeom>
+          <a:ln>
+            <a:tailEnd type="arrow"/>
+          </a:ln>
+        </p:spPr>
+        <p:style>
+          <a:lnRef idx="1">
+            <a:schemeClr val="accent1"/>
+          </a:lnRef>
+          <a:fillRef idx="0">
+            <a:schemeClr val="accent1"/>
+          </a:fillRef>
+          <a:effectRef idx="0">
+            <a:schemeClr val="accent1"/>
+          </a:effectRef>
+          <a:fontRef idx="minor">
+            <a:schemeClr val="tx1"/>
+          </a:fontRef>
+        </p:style>
+      </p:cxnSp>
+      <p:cxnSp>
+        <p:nvCxnSpPr>
+          <p:cNvPr id="12" name="直線矢印コネクタ 11"/>
+          <p:cNvCxnSpPr>
+            <a:stCxn id="4" idx="2"/>
+            <a:endCxn id="4" idx="0"/>
+          </p:cNvCxnSpPr>
+          <p:nvPr/>
+        </p:nvCxnSpPr>
+        <p:spPr>
+          <a:xfrm flipV="1">
+            <a:off x="2581697" y="2727906"/>
+            <a:ext cx="0" cy="1876425"/>
+          </a:xfrm>
+          <a:prstGeom prst="straightConnector1">
+            <a:avLst/>
+          </a:prstGeom>
+          <a:ln>
+            <a:tailEnd type="arrow"/>
+          </a:ln>
+        </p:spPr>
+        <p:style>
+          <a:lnRef idx="1">
+            <a:schemeClr val="accent1"/>
+          </a:lnRef>
+          <a:fillRef idx="0">
+            <a:schemeClr val="accent1"/>
+          </a:fillRef>
+          <a:effectRef idx="0">
+            <a:schemeClr val="accent1"/>
+          </a:effectRef>
+          <a:fontRef idx="minor">
+            <a:schemeClr val="tx1"/>
+          </a:fontRef>
+        </p:style>
+      </p:cxnSp>
+      <p:cxnSp>
+        <p:nvCxnSpPr>
+          <p:cNvPr id="14" name="直線矢印コネクタ 13"/>
+          <p:cNvCxnSpPr/>
+          <p:nvPr/>
+        </p:nvCxnSpPr>
+        <p:spPr>
+          <a:xfrm>
+            <a:off x="4485991" y="3032956"/>
+            <a:ext cx="4404797" cy="0"/>
+          </a:xfrm>
+          <a:prstGeom prst="straightConnector1">
+            <a:avLst/>
+          </a:prstGeom>
+          <a:ln>
+            <a:tailEnd type="arrow"/>
+          </a:ln>
+        </p:spPr>
+        <p:style>
+          <a:lnRef idx="1">
+            <a:schemeClr val="accent1"/>
+          </a:lnRef>
+          <a:fillRef idx="0">
+            <a:schemeClr val="accent1"/>
+          </a:fillRef>
+          <a:effectRef idx="0">
+            <a:schemeClr val="accent1"/>
+          </a:effectRef>
+          <a:fontRef idx="minor">
+            <a:schemeClr val="tx1"/>
+          </a:fontRef>
+        </p:style>
+      </p:cxnSp>
+      <p:sp>
+        <p:nvSpPr>
+          <p:cNvPr id="15" name="正方形/長方形 14"/>
+          <p:cNvSpPr/>
+          <p:nvPr/>
+        </p:nvSpPr>
+        <p:spPr>
+          <a:xfrm>
+            <a:off x="6012160" y="2924944"/>
+            <a:ext cx="216024" cy="216024"/>
+          </a:xfrm>
+          <a:prstGeom prst="rect">
+            <a:avLst/>
+          </a:prstGeom>
+        </p:spPr>
+        <p:style>
+          <a:lnRef idx="2">
+            <a:schemeClr val="accent1">
+              <a:shade val="50000"/>
+            </a:schemeClr>
+          </a:lnRef>
+          <a:fillRef idx="1">
+            <a:schemeClr val="accent1"/>
+          </a:fillRef>
+          <a:effectRef idx="0">
+            <a:schemeClr val="accent1"/>
+          </a:effectRef>
+          <a:fontRef idx="minor">
+            <a:schemeClr val="lt1"/>
+          </a:fontRef>
+        </p:style>
+        <p:txBody>
+          <a:bodyPr rtlCol="0" anchor="ctr"/>
+          <a:lstStyle/>
+          <a:p>
+            <a:pPr algn="ctr"/>
+            <a:endParaRPr kumimoji="1" lang="ja-JP" altLang="en-US"/>
+          </a:p>
+        </p:txBody>
+      </p:sp>
+      <p:sp>
+        <p:nvSpPr>
+          <p:cNvPr id="16" name="正方形/長方形 15"/>
+          <p:cNvSpPr/>
+          <p:nvPr/>
+        </p:nvSpPr>
+        <p:spPr>
+          <a:xfrm>
+            <a:off x="6228184" y="2924944"/>
+            <a:ext cx="216024" cy="216024"/>
+          </a:xfrm>
+          <a:prstGeom prst="rect">
+            <a:avLst/>
+          </a:prstGeom>
+        </p:spPr>
+        <p:style>
+          <a:lnRef idx="2">
+            <a:schemeClr val="accent1">
+              <a:shade val="50000"/>
+            </a:schemeClr>
+          </a:lnRef>
+          <a:fillRef idx="1">
+            <a:schemeClr val="accent1"/>
+          </a:fillRef>
+          <a:effectRef idx="0">
+            <a:schemeClr val="accent1"/>
+          </a:effectRef>
+          <a:fontRef idx="minor">
+            <a:schemeClr val="lt1"/>
+          </a:fontRef>
+        </p:style>
+        <p:txBody>
+          <a:bodyPr rtlCol="0" anchor="ctr"/>
+          <a:lstStyle/>
+          <a:p>
+            <a:pPr algn="ctr"/>
+            <a:endParaRPr kumimoji="1" lang="ja-JP" altLang="en-US"/>
+          </a:p>
+        </p:txBody>
+      </p:sp>
+      <p:sp>
+        <p:nvSpPr>
+          <p:cNvPr id="17" name="正方形/長方形 16"/>
+          <p:cNvSpPr/>
+          <p:nvPr/>
+        </p:nvSpPr>
+        <p:spPr>
+          <a:xfrm>
+            <a:off x="6444208" y="2924944"/>
+            <a:ext cx="216024" cy="216024"/>
+          </a:xfrm>
+          <a:prstGeom prst="rect">
+            <a:avLst/>
+          </a:prstGeom>
+        </p:spPr>
+        <p:style>
+          <a:lnRef idx="2">
+            <a:schemeClr val="accent1">
+              <a:shade val="50000"/>
+            </a:schemeClr>
+          </a:lnRef>
+          <a:fillRef idx="1">
+            <a:schemeClr val="accent1"/>
+          </a:fillRef>
+          <a:effectRef idx="0">
+            <a:schemeClr val="accent1"/>
+          </a:effectRef>
+          <a:fontRef idx="minor">
+            <a:schemeClr val="lt1"/>
+          </a:fontRef>
+        </p:style>
+        <p:txBody>
+          <a:bodyPr rtlCol="0" anchor="ctr"/>
+          <a:lstStyle/>
+          <a:p>
+            <a:pPr algn="ctr"/>
+            <a:endParaRPr kumimoji="1" lang="ja-JP" altLang="en-US"/>
+          </a:p>
+        </p:txBody>
+      </p:sp>
+      <p:sp>
+        <p:nvSpPr>
+          <p:cNvPr id="18" name="正方形/長方形 17"/>
+          <p:cNvSpPr/>
+          <p:nvPr/>
+        </p:nvSpPr>
+        <p:spPr>
+          <a:xfrm>
+            <a:off x="6660232" y="2924944"/>
+            <a:ext cx="216024" cy="216024"/>
+          </a:xfrm>
+          <a:prstGeom prst="rect">
+            <a:avLst/>
+          </a:prstGeom>
+        </p:spPr>
+        <p:style>
+          <a:lnRef idx="2">
+            <a:schemeClr val="accent1">
+              <a:shade val="50000"/>
+            </a:schemeClr>
+          </a:lnRef>
+          <a:fillRef idx="1">
+            <a:schemeClr val="accent1"/>
+          </a:fillRef>
+          <a:effectRef idx="0">
+            <a:schemeClr val="accent1"/>
+          </a:effectRef>
+          <a:fontRef idx="minor">
+            <a:schemeClr val="lt1"/>
+          </a:fontRef>
+        </p:style>
+        <p:txBody>
+          <a:bodyPr rtlCol="0" anchor="ctr"/>
+          <a:lstStyle/>
+          <a:p>
+            <a:pPr algn="ctr"/>
+            <a:endParaRPr kumimoji="1" lang="ja-JP" altLang="en-US"/>
+          </a:p>
+        </p:txBody>
+      </p:sp>
+      <p:sp>
+        <p:nvSpPr>
+          <p:cNvPr id="19" name="正方形/長方形 18"/>
+          <p:cNvSpPr/>
+          <p:nvPr/>
+        </p:nvSpPr>
+        <p:spPr>
+          <a:xfrm>
+            <a:off x="6876256" y="2924944"/>
+            <a:ext cx="216024" cy="216024"/>
+          </a:xfrm>
+          <a:prstGeom prst="rect">
+            <a:avLst/>
+          </a:prstGeom>
+        </p:spPr>
+        <p:style>
+          <a:lnRef idx="2">
+            <a:schemeClr val="accent1">
+              <a:shade val="50000"/>
+            </a:schemeClr>
+          </a:lnRef>
+          <a:fillRef idx="1">
+            <a:schemeClr val="accent1"/>
+          </a:fillRef>
+          <a:effectRef idx="0">
+            <a:schemeClr val="accent1"/>
+          </a:effectRef>
+          <a:fontRef idx="minor">
+            <a:schemeClr val="lt1"/>
+          </a:fontRef>
+        </p:style>
+        <p:txBody>
+          <a:bodyPr rtlCol="0" anchor="ctr"/>
+          <a:lstStyle/>
+          <a:p>
+            <a:pPr algn="ctr"/>
+            <a:endParaRPr kumimoji="1" lang="ja-JP" altLang="en-US"/>
+          </a:p>
+        </p:txBody>
+      </p:sp>
+      <p:sp>
+        <p:nvSpPr>
+          <p:cNvPr id="20" name="正方形/長方形 19"/>
+          <p:cNvSpPr/>
+          <p:nvPr/>
+        </p:nvSpPr>
+        <p:spPr>
+          <a:xfrm>
+            <a:off x="7092280" y="2924944"/>
+            <a:ext cx="216024" cy="216024"/>
+          </a:xfrm>
+          <a:prstGeom prst="rect">
+            <a:avLst/>
+          </a:prstGeom>
+        </p:spPr>
+        <p:style>
+          <a:lnRef idx="2">
+            <a:schemeClr val="accent1">
+              <a:shade val="50000"/>
+            </a:schemeClr>
+          </a:lnRef>
+          <a:fillRef idx="1">
+            <a:schemeClr val="accent1"/>
+          </a:fillRef>
+          <a:effectRef idx="0">
+            <a:schemeClr val="accent1"/>
+          </a:effectRef>
+          <a:fontRef idx="minor">
+            <a:schemeClr val="lt1"/>
+          </a:fontRef>
+        </p:style>
+        <p:txBody>
+          <a:bodyPr rtlCol="0" anchor="ctr"/>
+          <a:lstStyle/>
+          <a:p>
+            <a:pPr algn="ctr"/>
+            <a:endParaRPr kumimoji="1" lang="ja-JP" altLang="en-US"/>
+          </a:p>
+        </p:txBody>
+      </p:sp>
+      <p:cxnSp>
+        <p:nvCxnSpPr>
+          <p:cNvPr id="22" name="直線矢印コネクタ 21"/>
+          <p:cNvCxnSpPr/>
+          <p:nvPr/>
+        </p:nvCxnSpPr>
+        <p:spPr>
+          <a:xfrm flipV="1">
+            <a:off x="6120172" y="1340768"/>
+            <a:ext cx="0" cy="2808312"/>
+          </a:xfrm>
+          <a:prstGeom prst="straightConnector1">
+            <a:avLst/>
+          </a:prstGeom>
+          <a:ln>
+            <a:tailEnd type="arrow"/>
+          </a:ln>
+        </p:spPr>
+        <p:style>
+          <a:lnRef idx="1">
+            <a:schemeClr val="accent1"/>
+          </a:lnRef>
+          <a:fillRef idx="0">
+            <a:schemeClr val="accent1"/>
+          </a:fillRef>
+          <a:effectRef idx="0">
+            <a:schemeClr val="accent1"/>
+          </a:effectRef>
+          <a:fontRef idx="minor">
+            <a:schemeClr val="tx1"/>
+          </a:fontRef>
+        </p:style>
+      </p:cxnSp>
+      <p:sp>
+        <p:nvSpPr>
+          <p:cNvPr id="23" name="テキスト ボックス 22"/>
+          <p:cNvSpPr txBox="1"/>
+          <p:nvPr/>
+        </p:nvSpPr>
+        <p:spPr>
+          <a:xfrm>
+            <a:off x="5536961" y="3674707"/>
+            <a:ext cx="756084" cy="369332"/>
+          </a:xfrm>
+          <a:prstGeom prst="rect">
+            <a:avLst/>
+          </a:prstGeom>
+          <a:noFill/>
+        </p:spPr>
+        <p:txBody>
+          <a:bodyPr wrap="square" rtlCol="0">
+            <a:spAutoFit/>
+          </a:bodyPr>
+          <a:lstStyle/>
+          <a:p>
+            <a:r>
+              <a:rPr kumimoji="1" lang="en-US" altLang="ja-JP" dirty="0" smtClean="0"/>
+              <a:t>X=0</a:t>
+            </a:r>
+            <a:endParaRPr kumimoji="1" lang="ja-JP" altLang="en-US" dirty="0"/>
+          </a:p>
+        </p:txBody>
+      </p:sp>
+      <p:sp>
+        <p:nvSpPr>
+          <p:cNvPr id="24" name="テキスト ボックス 23"/>
+          <p:cNvSpPr txBox="1"/>
+          <p:nvPr/>
+        </p:nvSpPr>
+        <p:spPr>
+          <a:xfrm>
+            <a:off x="4391019" y="2663624"/>
+            <a:ext cx="756084" cy="369332"/>
+          </a:xfrm>
+          <a:prstGeom prst="rect">
+            <a:avLst/>
+          </a:prstGeom>
+          <a:noFill/>
+        </p:spPr>
+        <p:txBody>
+          <a:bodyPr wrap="square" rtlCol="0">
+            <a:spAutoFit/>
+          </a:bodyPr>
+          <a:lstStyle/>
+          <a:p>
+            <a:r>
+              <a:rPr kumimoji="1" lang="ja-JP" altLang="en-US" dirty="0" smtClean="0"/>
+              <a:t>Ｙ</a:t>
+            </a:r>
+            <a:r>
+              <a:rPr kumimoji="1" lang="en-US" altLang="ja-JP" dirty="0" smtClean="0"/>
+              <a:t>=0</a:t>
+            </a:r>
+            <a:endParaRPr kumimoji="1" lang="ja-JP" altLang="en-US" dirty="0"/>
+          </a:p>
+        </p:txBody>
+      </p:sp>
+      <p:sp>
+        <p:nvSpPr>
+          <p:cNvPr id="26" name="正方形/長方形 25"/>
+          <p:cNvSpPr/>
+          <p:nvPr/>
+        </p:nvSpPr>
+        <p:spPr>
+          <a:xfrm>
+            <a:off x="8028384" y="2924944"/>
+            <a:ext cx="216024" cy="216024"/>
+          </a:xfrm>
+          <a:prstGeom prst="rect">
+            <a:avLst/>
+          </a:prstGeom>
+        </p:spPr>
+        <p:style>
+          <a:lnRef idx="2">
+            <a:schemeClr val="accent1">
+              <a:shade val="50000"/>
+            </a:schemeClr>
+          </a:lnRef>
+          <a:fillRef idx="1">
+            <a:schemeClr val="accent1"/>
+          </a:fillRef>
+          <a:effectRef idx="0">
+            <a:schemeClr val="accent1"/>
+          </a:effectRef>
+          <a:fontRef idx="minor">
+            <a:schemeClr val="lt1"/>
+          </a:fontRef>
+        </p:style>
+        <p:txBody>
+          <a:bodyPr rtlCol="0" anchor="ctr"/>
+          <a:lstStyle/>
+          <a:p>
+            <a:pPr algn="ctr"/>
+            <a:endParaRPr kumimoji="1" lang="ja-JP" altLang="en-US"/>
+          </a:p>
+        </p:txBody>
+      </p:sp>
+      <p:cxnSp>
+        <p:nvCxnSpPr>
+          <p:cNvPr id="28" name="直線矢印コネクタ 27"/>
+          <p:cNvCxnSpPr/>
+          <p:nvPr/>
+        </p:nvCxnSpPr>
+        <p:spPr>
+          <a:xfrm flipV="1">
+            <a:off x="8100392" y="1340768"/>
+            <a:ext cx="0" cy="2952328"/>
+          </a:xfrm>
+          <a:prstGeom prst="straightConnector1">
+            <a:avLst/>
+          </a:prstGeom>
+          <a:ln>
+            <a:headEnd type="none" w="med" len="med"/>
+            <a:tailEnd type="none" w="med" len="med"/>
+          </a:ln>
+        </p:spPr>
+        <p:style>
+          <a:lnRef idx="1">
+            <a:schemeClr val="accent1"/>
+          </a:lnRef>
+          <a:fillRef idx="0">
+            <a:schemeClr val="accent1"/>
+          </a:fillRef>
+          <a:effectRef idx="0">
+            <a:schemeClr val="accent1"/>
+          </a:effectRef>
+          <a:fontRef idx="minor">
+            <a:schemeClr val="tx1"/>
+          </a:fontRef>
+        </p:style>
+      </p:cxnSp>
+      <p:sp>
+        <p:nvSpPr>
+          <p:cNvPr id="29" name="テキスト ボックス 28"/>
+          <p:cNvSpPr txBox="1"/>
+          <p:nvPr/>
+        </p:nvSpPr>
+        <p:spPr>
+          <a:xfrm>
+            <a:off x="7451591" y="3779388"/>
+            <a:ext cx="658992" cy="369332"/>
+          </a:xfrm>
+          <a:prstGeom prst="rect">
+            <a:avLst/>
+          </a:prstGeom>
+          <a:noFill/>
+        </p:spPr>
+        <p:txBody>
+          <a:bodyPr wrap="square" rtlCol="0">
+            <a:spAutoFit/>
+          </a:bodyPr>
+          <a:lstStyle/>
+          <a:p>
+            <a:r>
+              <a:rPr kumimoji="1" lang="en-US" altLang="ja-JP" dirty="0" smtClean="0"/>
+              <a:t>X=20</a:t>
+            </a:r>
+            <a:endParaRPr kumimoji="1" lang="ja-JP" altLang="en-US" dirty="0"/>
+          </a:p>
+        </p:txBody>
+      </p:sp>
+      <p:sp>
+        <p:nvSpPr>
+          <p:cNvPr id="30" name="テキスト ボックス 29"/>
+          <p:cNvSpPr txBox="1"/>
+          <p:nvPr/>
+        </p:nvSpPr>
+        <p:spPr>
+          <a:xfrm>
+            <a:off x="5980504" y="2627620"/>
+            <a:ext cx="1415772" cy="369332"/>
+          </a:xfrm>
+          <a:prstGeom prst="rect">
+            <a:avLst/>
+          </a:prstGeom>
+          <a:noFill/>
+        </p:spPr>
+        <p:txBody>
+          <a:bodyPr wrap="none" rtlCol="0">
+            <a:spAutoFit/>
+          </a:bodyPr>
+          <a:lstStyle/>
+          <a:p>
+            <a:r>
+              <a:rPr lang="en-US" altLang="ja-JP" dirty="0" smtClean="0"/>
+              <a:t>0  1  2  3  4  5</a:t>
+            </a:r>
+            <a:endParaRPr kumimoji="1" lang="ja-JP" altLang="en-US" dirty="0"/>
+          </a:p>
+        </p:txBody>
+      </p:sp>
+      <p:sp>
+        <p:nvSpPr>
+          <p:cNvPr id="31" name="テキスト ボックス 30"/>
+          <p:cNvSpPr txBox="1"/>
+          <p:nvPr/>
+        </p:nvSpPr>
+        <p:spPr>
+          <a:xfrm>
+            <a:off x="7868534" y="2632266"/>
+            <a:ext cx="535724" cy="369332"/>
+          </a:xfrm>
+          <a:prstGeom prst="rect">
+            <a:avLst/>
+          </a:prstGeom>
+          <a:noFill/>
+        </p:spPr>
+        <p:txBody>
+          <a:bodyPr wrap="none" rtlCol="0">
+            <a:spAutoFit/>
+          </a:bodyPr>
+          <a:lstStyle/>
+          <a:p>
+            <a:r>
+              <a:rPr lang="en-US" altLang="ja-JP" dirty="0" smtClean="0"/>
+              <a:t>255</a:t>
+            </a:r>
+            <a:endParaRPr kumimoji="1" lang="ja-JP" altLang="en-US" dirty="0"/>
+          </a:p>
+        </p:txBody>
+      </p:sp>
+      <p:sp>
+        <p:nvSpPr>
+          <p:cNvPr id="32" name="テキスト ボックス 31"/>
+          <p:cNvSpPr txBox="1"/>
+          <p:nvPr/>
+        </p:nvSpPr>
+        <p:spPr>
+          <a:xfrm>
+            <a:off x="2305214" y="1372126"/>
+            <a:ext cx="3998210" cy="369332"/>
+          </a:xfrm>
+          <a:prstGeom prst="rect">
+            <a:avLst/>
+          </a:prstGeom>
+          <a:solidFill>
+            <a:schemeClr val="bg1">
+              <a:lumMod val="95000"/>
+            </a:schemeClr>
+          </a:solidFill>
+          <a:ln>
+            <a:solidFill>
+              <a:srgbClr val="FFC000"/>
+            </a:solidFill>
+          </a:ln>
+        </p:spPr>
+        <p:txBody>
+          <a:bodyPr wrap="none" rtlCol="0">
+            <a:spAutoFit/>
+          </a:bodyPr>
+          <a:lstStyle/>
+          <a:p>
+            <a:r>
+              <a:rPr lang="ja-JP" altLang="en-US" dirty="0" smtClean="0"/>
+              <a:t>偶数画素</a:t>
+            </a:r>
+            <a:r>
+              <a:rPr lang="ja-JP" altLang="en-US" dirty="0"/>
+              <a:t>だと</a:t>
+            </a:r>
+            <a:r>
+              <a:rPr lang="ja-JP" altLang="en-US" dirty="0" smtClean="0"/>
+              <a:t>、左右が同数にならない。</a:t>
+            </a:r>
+            <a:endParaRPr kumimoji="1" lang="ja-JP" altLang="en-US" dirty="0"/>
+          </a:p>
+        </p:txBody>
+      </p:sp>
+      <p:cxnSp>
+        <p:nvCxnSpPr>
+          <p:cNvPr id="34" name="直線矢印コネクタ 33"/>
+          <p:cNvCxnSpPr/>
+          <p:nvPr/>
+        </p:nvCxnSpPr>
+        <p:spPr>
+          <a:xfrm>
+            <a:off x="4638391" y="5265204"/>
+            <a:ext cx="4404797" cy="0"/>
+          </a:xfrm>
+          <a:prstGeom prst="straightConnector1">
+            <a:avLst/>
+          </a:prstGeom>
+          <a:ln>
+            <a:tailEnd type="arrow"/>
+          </a:ln>
+        </p:spPr>
+        <p:style>
+          <a:lnRef idx="1">
+            <a:schemeClr val="accent1"/>
+          </a:lnRef>
+          <a:fillRef idx="0">
+            <a:schemeClr val="accent1"/>
+          </a:fillRef>
+          <a:effectRef idx="0">
+            <a:schemeClr val="accent1"/>
+          </a:effectRef>
+          <a:fontRef idx="minor">
+            <a:schemeClr val="tx1"/>
+          </a:fontRef>
+        </p:style>
+      </p:cxnSp>
+      <p:sp>
+        <p:nvSpPr>
+          <p:cNvPr id="35" name="正方形/長方形 34"/>
+          <p:cNvSpPr/>
+          <p:nvPr/>
+        </p:nvSpPr>
+        <p:spPr>
+          <a:xfrm>
+            <a:off x="6300192" y="5085184"/>
+            <a:ext cx="216024" cy="216024"/>
+          </a:xfrm>
+          <a:prstGeom prst="rect">
+            <a:avLst/>
+          </a:prstGeom>
+        </p:spPr>
+        <p:style>
+          <a:lnRef idx="2">
+            <a:schemeClr val="accent1">
+              <a:shade val="50000"/>
+            </a:schemeClr>
+          </a:lnRef>
+          <a:fillRef idx="1">
+            <a:schemeClr val="accent1"/>
+          </a:fillRef>
+          <a:effectRef idx="0">
+            <a:schemeClr val="accent1"/>
+          </a:effectRef>
+          <a:fontRef idx="minor">
+            <a:schemeClr val="lt1"/>
+          </a:fontRef>
+        </p:style>
+        <p:txBody>
+          <a:bodyPr rtlCol="0" anchor="ctr"/>
+          <a:lstStyle/>
+          <a:p>
+            <a:pPr algn="ctr"/>
+            <a:endParaRPr kumimoji="1" lang="ja-JP" altLang="en-US"/>
+          </a:p>
+        </p:txBody>
+      </p:sp>
+      <p:sp>
+        <p:nvSpPr>
+          <p:cNvPr id="36" name="正方形/長方形 35"/>
+          <p:cNvSpPr/>
+          <p:nvPr/>
+        </p:nvSpPr>
+        <p:spPr>
+          <a:xfrm>
+            <a:off x="6516216" y="5085184"/>
+            <a:ext cx="216024" cy="216024"/>
+          </a:xfrm>
+          <a:prstGeom prst="rect">
+            <a:avLst/>
+          </a:prstGeom>
+        </p:spPr>
+        <p:style>
+          <a:lnRef idx="2">
+            <a:schemeClr val="accent1">
+              <a:shade val="50000"/>
+            </a:schemeClr>
+          </a:lnRef>
+          <a:fillRef idx="1">
+            <a:schemeClr val="accent1"/>
+          </a:fillRef>
+          <a:effectRef idx="0">
+            <a:schemeClr val="accent1"/>
+          </a:effectRef>
+          <a:fontRef idx="minor">
+            <a:schemeClr val="lt1"/>
+          </a:fontRef>
+        </p:style>
+        <p:txBody>
+          <a:bodyPr rtlCol="0" anchor="ctr"/>
+          <a:lstStyle/>
+          <a:p>
+            <a:pPr algn="ctr"/>
+            <a:endParaRPr kumimoji="1" lang="ja-JP" altLang="en-US"/>
+          </a:p>
+        </p:txBody>
+      </p:sp>
+      <p:sp>
+        <p:nvSpPr>
+          <p:cNvPr id="37" name="正方形/長方形 36"/>
+          <p:cNvSpPr/>
+          <p:nvPr/>
+        </p:nvSpPr>
+        <p:spPr>
+          <a:xfrm>
+            <a:off x="6732240" y="5085184"/>
+            <a:ext cx="216024" cy="216024"/>
+          </a:xfrm>
+          <a:prstGeom prst="rect">
+            <a:avLst/>
+          </a:prstGeom>
+        </p:spPr>
+        <p:style>
+          <a:lnRef idx="2">
+            <a:schemeClr val="accent1">
+              <a:shade val="50000"/>
+            </a:schemeClr>
+          </a:lnRef>
+          <a:fillRef idx="1">
+            <a:schemeClr val="accent1"/>
+          </a:fillRef>
+          <a:effectRef idx="0">
+            <a:schemeClr val="accent1"/>
+          </a:effectRef>
+          <a:fontRef idx="minor">
+            <a:schemeClr val="lt1"/>
+          </a:fontRef>
+        </p:style>
+        <p:txBody>
+          <a:bodyPr rtlCol="0" anchor="ctr"/>
+          <a:lstStyle/>
+          <a:p>
+            <a:pPr algn="ctr"/>
+            <a:endParaRPr kumimoji="1" lang="ja-JP" altLang="en-US"/>
+          </a:p>
+        </p:txBody>
+      </p:sp>
+      <p:sp>
+        <p:nvSpPr>
+          <p:cNvPr id="38" name="正方形/長方形 37"/>
+          <p:cNvSpPr/>
+          <p:nvPr/>
+        </p:nvSpPr>
+        <p:spPr>
+          <a:xfrm>
+            <a:off x="6948264" y="5085184"/>
+            <a:ext cx="216024" cy="216024"/>
+          </a:xfrm>
+          <a:prstGeom prst="rect">
+            <a:avLst/>
+          </a:prstGeom>
+        </p:spPr>
+        <p:style>
+          <a:lnRef idx="2">
+            <a:schemeClr val="accent1">
+              <a:shade val="50000"/>
+            </a:schemeClr>
+          </a:lnRef>
+          <a:fillRef idx="1">
+            <a:schemeClr val="accent1"/>
+          </a:fillRef>
+          <a:effectRef idx="0">
+            <a:schemeClr val="accent1"/>
+          </a:effectRef>
+          <a:fontRef idx="minor">
+            <a:schemeClr val="lt1"/>
+          </a:fontRef>
+        </p:style>
+        <p:txBody>
+          <a:bodyPr rtlCol="0" anchor="ctr"/>
+          <a:lstStyle/>
+          <a:p>
+            <a:pPr algn="ctr"/>
+            <a:endParaRPr kumimoji="1" lang="ja-JP" altLang="en-US"/>
+          </a:p>
+        </p:txBody>
+      </p:sp>
+      <p:sp>
+        <p:nvSpPr>
+          <p:cNvPr id="39" name="正方形/長方形 38"/>
+          <p:cNvSpPr/>
+          <p:nvPr/>
+        </p:nvSpPr>
+        <p:spPr>
+          <a:xfrm>
+            <a:off x="7164288" y="5085184"/>
+            <a:ext cx="216024" cy="216024"/>
+          </a:xfrm>
+          <a:prstGeom prst="rect">
+            <a:avLst/>
+          </a:prstGeom>
+        </p:spPr>
+        <p:style>
+          <a:lnRef idx="2">
+            <a:schemeClr val="accent1">
+              <a:shade val="50000"/>
+            </a:schemeClr>
+          </a:lnRef>
+          <a:fillRef idx="1">
+            <a:schemeClr val="accent1"/>
+          </a:fillRef>
+          <a:effectRef idx="0">
+            <a:schemeClr val="accent1"/>
+          </a:effectRef>
+          <a:fontRef idx="minor">
+            <a:schemeClr val="lt1"/>
+          </a:fontRef>
+        </p:style>
+        <p:txBody>
+          <a:bodyPr rtlCol="0" anchor="ctr"/>
+          <a:lstStyle/>
+          <a:p>
+            <a:pPr algn="ctr"/>
+            <a:endParaRPr kumimoji="1" lang="ja-JP" altLang="en-US"/>
+          </a:p>
+        </p:txBody>
+      </p:sp>
+      <p:sp>
+        <p:nvSpPr>
+          <p:cNvPr id="40" name="正方形/長方形 39"/>
+          <p:cNvSpPr/>
+          <p:nvPr/>
+        </p:nvSpPr>
+        <p:spPr>
+          <a:xfrm>
+            <a:off x="7380312" y="5085184"/>
+            <a:ext cx="216024" cy="216024"/>
+          </a:xfrm>
+          <a:prstGeom prst="rect">
+            <a:avLst/>
+          </a:prstGeom>
+        </p:spPr>
+        <p:style>
+          <a:lnRef idx="2">
+            <a:schemeClr val="accent1">
+              <a:shade val="50000"/>
+            </a:schemeClr>
+          </a:lnRef>
+          <a:fillRef idx="1">
+            <a:schemeClr val="accent1"/>
+          </a:fillRef>
+          <a:effectRef idx="0">
+            <a:schemeClr val="accent1"/>
+          </a:effectRef>
+          <a:fontRef idx="minor">
+            <a:schemeClr val="lt1"/>
+          </a:fontRef>
+        </p:style>
+        <p:txBody>
+          <a:bodyPr rtlCol="0" anchor="ctr"/>
+          <a:lstStyle/>
+          <a:p>
+            <a:pPr algn="ctr"/>
+            <a:endParaRPr kumimoji="1" lang="ja-JP" altLang="en-US"/>
+          </a:p>
+        </p:txBody>
+      </p:sp>
+      <p:cxnSp>
+        <p:nvCxnSpPr>
+          <p:cNvPr id="41" name="直線矢印コネクタ 40"/>
+          <p:cNvCxnSpPr/>
+          <p:nvPr/>
+        </p:nvCxnSpPr>
+        <p:spPr>
+          <a:xfrm flipV="1">
+            <a:off x="6272572" y="4055006"/>
+            <a:ext cx="20473" cy="2326322"/>
+          </a:xfrm>
+          <a:prstGeom prst="straightConnector1">
+            <a:avLst/>
+          </a:prstGeom>
+          <a:ln>
+            <a:tailEnd type="arrow"/>
+          </a:ln>
+        </p:spPr>
+        <p:style>
+          <a:lnRef idx="1">
+            <a:schemeClr val="accent1"/>
+          </a:lnRef>
+          <a:fillRef idx="0">
+            <a:schemeClr val="accent1"/>
+          </a:fillRef>
+          <a:effectRef idx="0">
+            <a:schemeClr val="accent1"/>
+          </a:effectRef>
+          <a:fontRef idx="minor">
+            <a:schemeClr val="tx1"/>
+          </a:fontRef>
+        </p:style>
+      </p:cxnSp>
+      <p:sp>
+        <p:nvSpPr>
+          <p:cNvPr id="42" name="テキスト ボックス 41"/>
+          <p:cNvSpPr txBox="1"/>
+          <p:nvPr/>
+        </p:nvSpPr>
+        <p:spPr>
+          <a:xfrm>
+            <a:off x="6056548" y="6258032"/>
+            <a:ext cx="756084" cy="369332"/>
+          </a:xfrm>
+          <a:prstGeom prst="rect">
+            <a:avLst/>
+          </a:prstGeom>
+          <a:noFill/>
+        </p:spPr>
+        <p:txBody>
+          <a:bodyPr wrap="square" rtlCol="0">
+            <a:spAutoFit/>
+          </a:bodyPr>
+          <a:lstStyle/>
+          <a:p>
+            <a:r>
+              <a:rPr kumimoji="1" lang="en-US" altLang="ja-JP" dirty="0" smtClean="0"/>
+              <a:t>X=0</a:t>
+            </a:r>
+            <a:endParaRPr kumimoji="1" lang="ja-JP" altLang="en-US" dirty="0"/>
+          </a:p>
+        </p:txBody>
+      </p:sp>
+      <p:sp>
+        <p:nvSpPr>
+          <p:cNvPr id="43" name="テキスト ボックス 42"/>
+          <p:cNvSpPr txBox="1"/>
+          <p:nvPr/>
+        </p:nvSpPr>
+        <p:spPr>
+          <a:xfrm>
+            <a:off x="4543419" y="4895872"/>
+            <a:ext cx="756084" cy="369332"/>
+          </a:xfrm>
+          <a:prstGeom prst="rect">
+            <a:avLst/>
+          </a:prstGeom>
+          <a:noFill/>
+        </p:spPr>
+        <p:txBody>
+          <a:bodyPr wrap="square" rtlCol="0">
+            <a:spAutoFit/>
+          </a:bodyPr>
+          <a:lstStyle/>
+          <a:p>
+            <a:r>
+              <a:rPr kumimoji="1" lang="ja-JP" altLang="en-US" dirty="0" smtClean="0"/>
+              <a:t>Ｙ</a:t>
+            </a:r>
+            <a:r>
+              <a:rPr kumimoji="1" lang="en-US" altLang="ja-JP" dirty="0" smtClean="0"/>
+              <a:t>=0</a:t>
+            </a:r>
+            <a:endParaRPr kumimoji="1" lang="ja-JP" altLang="en-US" dirty="0"/>
+          </a:p>
+        </p:txBody>
+      </p:sp>
+      <p:sp>
+        <p:nvSpPr>
+          <p:cNvPr id="45" name="正方形/長方形 44"/>
+          <p:cNvSpPr/>
+          <p:nvPr/>
+        </p:nvSpPr>
+        <p:spPr>
+          <a:xfrm>
+            <a:off x="8180784" y="5085184"/>
+            <a:ext cx="216024" cy="216024"/>
+          </a:xfrm>
+          <a:prstGeom prst="rect">
+            <a:avLst/>
+          </a:prstGeom>
+        </p:spPr>
+        <p:style>
+          <a:lnRef idx="2">
+            <a:schemeClr val="accent1">
+              <a:shade val="50000"/>
+            </a:schemeClr>
+          </a:lnRef>
+          <a:fillRef idx="1">
+            <a:schemeClr val="accent1"/>
+          </a:fillRef>
+          <a:effectRef idx="0">
+            <a:schemeClr val="accent1"/>
+          </a:effectRef>
+          <a:fontRef idx="minor">
+            <a:schemeClr val="lt1"/>
+          </a:fontRef>
+        </p:style>
+        <p:txBody>
+          <a:bodyPr rtlCol="0" anchor="ctr"/>
+          <a:lstStyle/>
+          <a:p>
+            <a:pPr algn="ctr"/>
+            <a:endParaRPr kumimoji="1" lang="ja-JP" altLang="en-US"/>
+          </a:p>
+        </p:txBody>
+      </p:sp>
+      <p:cxnSp>
+        <p:nvCxnSpPr>
+          <p:cNvPr id="46" name="直線矢印コネクタ 45"/>
+          <p:cNvCxnSpPr/>
+          <p:nvPr/>
+        </p:nvCxnSpPr>
+        <p:spPr>
+          <a:xfrm flipV="1">
+            <a:off x="8384489" y="3501008"/>
+            <a:ext cx="0" cy="2952328"/>
+          </a:xfrm>
+          <a:prstGeom prst="straightConnector1">
+            <a:avLst/>
+          </a:prstGeom>
+          <a:ln>
+            <a:headEnd type="none" w="med" len="med"/>
+            <a:tailEnd type="none" w="med" len="med"/>
+          </a:ln>
+        </p:spPr>
+        <p:style>
+          <a:lnRef idx="1">
+            <a:schemeClr val="accent1"/>
+          </a:lnRef>
+          <a:fillRef idx="0">
+            <a:schemeClr val="accent1"/>
+          </a:fillRef>
+          <a:effectRef idx="0">
+            <a:schemeClr val="accent1"/>
+          </a:effectRef>
+          <a:fontRef idx="minor">
+            <a:schemeClr val="tx1"/>
+          </a:fontRef>
+        </p:style>
+      </p:cxnSp>
+      <p:sp>
+        <p:nvSpPr>
+          <p:cNvPr id="47" name="テキスト ボックス 46"/>
+          <p:cNvSpPr txBox="1"/>
+          <p:nvPr/>
+        </p:nvSpPr>
+        <p:spPr>
+          <a:xfrm>
+            <a:off x="6276382" y="4787860"/>
+            <a:ext cx="1415772" cy="369332"/>
+          </a:xfrm>
+          <a:prstGeom prst="rect">
+            <a:avLst/>
+          </a:prstGeom>
+          <a:noFill/>
+        </p:spPr>
+        <p:txBody>
+          <a:bodyPr wrap="none" rtlCol="0">
+            <a:spAutoFit/>
+          </a:bodyPr>
+          <a:lstStyle/>
+          <a:p>
+            <a:r>
+              <a:rPr lang="en-US" altLang="ja-JP" dirty="0" smtClean="0"/>
+              <a:t>0  1  2  3  4  5</a:t>
+            </a:r>
+            <a:endParaRPr kumimoji="1" lang="ja-JP" altLang="en-US" dirty="0"/>
+          </a:p>
+        </p:txBody>
+      </p:sp>
+      <p:sp>
+        <p:nvSpPr>
+          <p:cNvPr id="48" name="テキスト ボックス 47"/>
+          <p:cNvSpPr txBox="1"/>
+          <p:nvPr/>
+        </p:nvSpPr>
+        <p:spPr>
+          <a:xfrm>
+            <a:off x="8007629" y="4720128"/>
+            <a:ext cx="535724" cy="369332"/>
+          </a:xfrm>
+          <a:prstGeom prst="rect">
+            <a:avLst/>
+          </a:prstGeom>
+          <a:noFill/>
+        </p:spPr>
+        <p:txBody>
+          <a:bodyPr wrap="none" rtlCol="0">
+            <a:spAutoFit/>
+          </a:bodyPr>
+          <a:lstStyle/>
+          <a:p>
+            <a:r>
+              <a:rPr lang="en-US" altLang="ja-JP" dirty="0" smtClean="0"/>
+              <a:t>255</a:t>
+            </a:r>
+            <a:endParaRPr kumimoji="1" lang="ja-JP" altLang="en-US" dirty="0"/>
+          </a:p>
+        </p:txBody>
+      </p:sp>
+      <p:sp>
+        <p:nvSpPr>
+          <p:cNvPr id="49" name="テキスト ボックス 48"/>
+          <p:cNvSpPr txBox="1"/>
+          <p:nvPr/>
+        </p:nvSpPr>
+        <p:spPr>
+          <a:xfrm>
+            <a:off x="2674963" y="5539803"/>
+            <a:ext cx="2595582" cy="646331"/>
+          </a:xfrm>
+          <a:prstGeom prst="rect">
+            <a:avLst/>
+          </a:prstGeom>
+          <a:solidFill>
+            <a:schemeClr val="bg1">
+              <a:lumMod val="95000"/>
+            </a:schemeClr>
+          </a:solidFill>
+          <a:ln>
+            <a:solidFill>
+              <a:srgbClr val="FFC000"/>
+            </a:solidFill>
+          </a:ln>
+        </p:spPr>
+        <p:txBody>
+          <a:bodyPr wrap="none" rtlCol="0">
+            <a:spAutoFit/>
+          </a:bodyPr>
+          <a:lstStyle/>
+          <a:p>
+            <a:r>
+              <a:rPr lang="ja-JP" altLang="en-US" dirty="0" smtClean="0"/>
+              <a:t>奇数画素</a:t>
+            </a:r>
+            <a:r>
+              <a:rPr lang="ja-JP" altLang="en-US" dirty="0"/>
+              <a:t>だと</a:t>
+            </a:r>
+            <a:r>
+              <a:rPr lang="ja-JP" altLang="en-US" dirty="0" smtClean="0"/>
+              <a:t>、</a:t>
+            </a:r>
+            <a:endParaRPr lang="en-US" altLang="ja-JP" dirty="0" smtClean="0"/>
+          </a:p>
+          <a:p>
+            <a:r>
+              <a:rPr lang="ja-JP" altLang="en-US" dirty="0" smtClean="0"/>
+              <a:t>原点を含む画素が無い。</a:t>
+            </a:r>
+            <a:endParaRPr kumimoji="1" lang="ja-JP" altLang="en-US" dirty="0"/>
+          </a:p>
+        </p:txBody>
+      </p:sp>
+      <p:sp>
+        <p:nvSpPr>
+          <p:cNvPr id="51" name="テキスト ボックス 50"/>
+          <p:cNvSpPr txBox="1"/>
+          <p:nvPr/>
+        </p:nvSpPr>
+        <p:spPr>
+          <a:xfrm>
+            <a:off x="7722350" y="6196662"/>
+            <a:ext cx="954106" cy="369332"/>
+          </a:xfrm>
+          <a:prstGeom prst="rect">
+            <a:avLst/>
+          </a:prstGeom>
+          <a:noFill/>
+        </p:spPr>
+        <p:txBody>
+          <a:bodyPr wrap="square" rtlCol="0">
+            <a:spAutoFit/>
+          </a:bodyPr>
+          <a:lstStyle/>
+          <a:p>
+            <a:r>
+              <a:rPr kumimoji="1" lang="en-US" altLang="ja-JP" dirty="0" smtClean="0"/>
+              <a:t>X=20</a:t>
+            </a:r>
+            <a:endParaRPr kumimoji="1" lang="ja-JP" altLang="en-US" dirty="0"/>
+          </a:p>
+        </p:txBody>
+      </p:sp>
+    </p:spTree>
+    <p:extLst>
+      <p:ext uri="{BB962C8B-B14F-4D97-AF65-F5344CB8AC3E}">
+        <p14:creationId xmlns:p14="http://schemas.microsoft.com/office/powerpoint/2010/main" val="164578039"/>
+      </p:ext>
+    </p:extLst>
+  </p:cSld>
+  <p:clrMapOvr>
+    <a:masterClrMapping/>
+  </p:clrMapOvr>
+</p:sld>
+</file>
+
+<file path=ppt/slides/slide16.xml><?xml version="1.0" encoding="utf-8"?>
+<p:sld xmlns:a="http://schemas.openxmlformats.org/drawingml/2006/main" xmlns:r="http://schemas.openxmlformats.org/officeDocument/2006/relationships" xmlns:p="http://schemas.openxmlformats.org/presentationml/2006/main">
+  <p:cSld>
+    <p:spTree>
+      <p:nvGrpSpPr>
+        <p:cNvPr id="1" name=""/>
+        <p:cNvGrpSpPr/>
+        <p:nvPr/>
+      </p:nvGrpSpPr>
+      <p:grpSpPr>
+        <a:xfrm>
+          <a:off x="0" y="0"/>
+          <a:ext cx="0" cy="0"/>
+          <a:chOff x="0" y="0"/>
+          <a:chExt cx="0" cy="0"/>
+        </a:xfrm>
+      </p:grpSpPr>
+      <p:sp>
+        <p:nvSpPr>
+          <p:cNvPr id="2" name="タイトル 1"/>
+          <p:cNvSpPr>
+            <a:spLocks noGrp="1"/>
+          </p:cNvSpPr>
+          <p:nvPr>
+            <p:ph type="title"/>
+          </p:nvPr>
+        </p:nvSpPr>
+        <p:spPr/>
+        <p:txBody>
+          <a:bodyPr>
+            <a:normAutofit/>
+          </a:bodyPr>
+          <a:lstStyle/>
+          <a:p>
+            <a:r>
+              <a:rPr lang="ja-JP" altLang="en-US" dirty="0"/>
+              <a:t>画</a:t>
+            </a:r>
+            <a:r>
+              <a:rPr lang="ja-JP" altLang="en-US" dirty="0" smtClean="0"/>
+              <a:t>素数の計算（画素から計算）</a:t>
+            </a:r>
+            <a:endParaRPr kumimoji="1" lang="ja-JP" altLang="en-US" dirty="0"/>
+          </a:p>
+        </p:txBody>
+      </p:sp>
+      <p:pic>
+        <p:nvPicPr>
+          <p:cNvPr id="4" name="Picture 2"/>
+          <p:cNvPicPr>
+            <a:picLocks noGrp="1" noChangeAspect="1" noChangeArrowheads="1"/>
+          </p:cNvPicPr>
+          <p:nvPr>
+            <p:ph idx="1"/>
+          </p:nvPr>
+        </p:nvPicPr>
+        <p:blipFill>
+          <a:blip r:embed="rId2">
+            <a:extLst>
+              <a:ext uri="{28A0092B-C50C-407E-A947-70E740481C1C}">
+                <a14:useLocalDpi xmlns:a14="http://schemas.microsoft.com/office/drawing/2010/main" val="0"/>
+              </a:ext>
+            </a:extLst>
+          </a:blip>
+          <a:srcRect/>
+          <a:stretch>
+            <a:fillRect/>
+          </a:stretch>
+        </p:blipFill>
+        <p:spPr bwMode="auto">
+          <a:xfrm>
+            <a:off x="1619672" y="2727906"/>
+            <a:ext cx="1924050" cy="1876425"/>
+          </a:xfrm>
+          <a:prstGeom prst="rect">
+            <a:avLst/>
+          </a:prstGeom>
+          <a:noFill/>
+          <a:ln w="9525">
+            <a:solidFill>
+              <a:schemeClr val="tx1"/>
+            </a:solidFill>
+            <a:miter lim="800000"/>
+            <a:headEnd/>
+            <a:tailEnd/>
+          </a:ln>
+          <a:extLst>
+            <a:ext uri="{909E8E84-426E-40DD-AFC4-6F175D3DCCD1}">
+              <a14:hiddenFill xmlns:a14="http://schemas.microsoft.com/office/drawing/2010/main">
+                <a:solidFill>
+                  <a:schemeClr val="accent1"/>
+                </a:solidFill>
+              </a14:hiddenFill>
+            </a:ext>
+          </a:extLst>
+        </p:spPr>
+      </p:pic>
+      <p:sp>
+        <p:nvSpPr>
+          <p:cNvPr id="5" name="テキスト ボックス 4"/>
+          <p:cNvSpPr txBox="1"/>
+          <p:nvPr/>
+        </p:nvSpPr>
+        <p:spPr>
+          <a:xfrm>
+            <a:off x="2209819" y="2346177"/>
+            <a:ext cx="649537" cy="369332"/>
+          </a:xfrm>
+          <a:prstGeom prst="rect">
+            <a:avLst/>
+          </a:prstGeom>
+          <a:noFill/>
+        </p:spPr>
+        <p:txBody>
+          <a:bodyPr wrap="none" rtlCol="0">
+            <a:spAutoFit/>
+          </a:bodyPr>
+          <a:lstStyle/>
+          <a:p>
+            <a:r>
+              <a:rPr lang="ja-JP" altLang="en-US" dirty="0" smtClean="0"/>
+              <a:t>幅</a:t>
+            </a:r>
+            <a:r>
+              <a:rPr lang="en-US" altLang="ja-JP" dirty="0" smtClean="0"/>
+              <a:t>20</a:t>
+            </a:r>
+            <a:endParaRPr kumimoji="1" lang="ja-JP" altLang="en-US" dirty="0"/>
+          </a:p>
+        </p:txBody>
+      </p:sp>
+      <p:sp>
+        <p:nvSpPr>
+          <p:cNvPr id="6" name="テキスト ボックス 5"/>
+          <p:cNvSpPr txBox="1"/>
+          <p:nvPr/>
+        </p:nvSpPr>
+        <p:spPr>
+          <a:xfrm>
+            <a:off x="3589808" y="3685674"/>
+            <a:ext cx="825867" cy="369332"/>
+          </a:xfrm>
+          <a:prstGeom prst="rect">
+            <a:avLst/>
+          </a:prstGeom>
+          <a:noFill/>
+        </p:spPr>
+        <p:txBody>
+          <a:bodyPr wrap="none" rtlCol="0">
+            <a:spAutoFit/>
+          </a:bodyPr>
+          <a:lstStyle/>
+          <a:p>
+            <a:r>
+              <a:rPr kumimoji="1" lang="ja-JP" altLang="en-US" dirty="0" smtClean="0"/>
+              <a:t>高さ</a:t>
+            </a:r>
+            <a:r>
+              <a:rPr kumimoji="1" lang="en-US" altLang="ja-JP" dirty="0" smtClean="0"/>
+              <a:t>20</a:t>
+            </a:r>
+            <a:endParaRPr kumimoji="1" lang="ja-JP" altLang="en-US" dirty="0"/>
+          </a:p>
+        </p:txBody>
+      </p:sp>
+      <p:sp>
+        <p:nvSpPr>
+          <p:cNvPr id="7" name="テキスト ボックス 6"/>
+          <p:cNvSpPr txBox="1"/>
+          <p:nvPr/>
+        </p:nvSpPr>
+        <p:spPr>
+          <a:xfrm>
+            <a:off x="611560" y="3501008"/>
+            <a:ext cx="997389" cy="369332"/>
+          </a:xfrm>
+          <a:prstGeom prst="rect">
+            <a:avLst/>
+          </a:prstGeom>
+          <a:noFill/>
+        </p:spPr>
+        <p:txBody>
+          <a:bodyPr wrap="none" rtlCol="0">
+            <a:spAutoFit/>
+          </a:bodyPr>
+          <a:lstStyle/>
+          <a:p>
+            <a:r>
+              <a:rPr kumimoji="1" lang="en-US" altLang="ja-JP" dirty="0" smtClean="0"/>
+              <a:t>512</a:t>
+            </a:r>
+            <a:r>
+              <a:rPr kumimoji="1" lang="ja-JP" altLang="en-US" dirty="0" smtClean="0"/>
+              <a:t>画素</a:t>
+            </a:r>
+            <a:endParaRPr kumimoji="1" lang="ja-JP" altLang="en-US" dirty="0"/>
+          </a:p>
+        </p:txBody>
+      </p:sp>
+      <p:cxnSp>
+        <p:nvCxnSpPr>
+          <p:cNvPr id="10" name="直線矢印コネクタ 9"/>
+          <p:cNvCxnSpPr>
+            <a:stCxn id="7" idx="3"/>
+          </p:cNvCxnSpPr>
+          <p:nvPr/>
+        </p:nvCxnSpPr>
+        <p:spPr>
+          <a:xfrm>
+            <a:off x="1608949" y="3685674"/>
+            <a:ext cx="2242971" cy="0"/>
+          </a:xfrm>
+          <a:prstGeom prst="straightConnector1">
+            <a:avLst/>
+          </a:prstGeom>
+          <a:ln>
+            <a:tailEnd type="arrow"/>
+          </a:ln>
+        </p:spPr>
+        <p:style>
+          <a:lnRef idx="1">
+            <a:schemeClr val="accent1"/>
+          </a:lnRef>
+          <a:fillRef idx="0">
+            <a:schemeClr val="accent1"/>
+          </a:fillRef>
+          <a:effectRef idx="0">
+            <a:schemeClr val="accent1"/>
+          </a:effectRef>
+          <a:fontRef idx="minor">
+            <a:schemeClr val="tx1"/>
+          </a:fontRef>
+        </p:style>
+      </p:cxnSp>
+      <p:cxnSp>
+        <p:nvCxnSpPr>
+          <p:cNvPr id="12" name="直線矢印コネクタ 11"/>
+          <p:cNvCxnSpPr>
+            <a:stCxn id="4" idx="2"/>
+            <a:endCxn id="4" idx="0"/>
+          </p:cNvCxnSpPr>
+          <p:nvPr/>
+        </p:nvCxnSpPr>
+        <p:spPr>
+          <a:xfrm flipV="1">
+            <a:off x="2581697" y="2727906"/>
+            <a:ext cx="0" cy="1876425"/>
+          </a:xfrm>
+          <a:prstGeom prst="straightConnector1">
+            <a:avLst/>
+          </a:prstGeom>
+          <a:ln>
+            <a:tailEnd type="arrow"/>
+          </a:ln>
+        </p:spPr>
+        <p:style>
+          <a:lnRef idx="1">
+            <a:schemeClr val="accent1"/>
+          </a:lnRef>
+          <a:fillRef idx="0">
+            <a:schemeClr val="accent1"/>
+          </a:fillRef>
+          <a:effectRef idx="0">
+            <a:schemeClr val="accent1"/>
+          </a:effectRef>
+          <a:fontRef idx="minor">
+            <a:schemeClr val="tx1"/>
+          </a:fontRef>
+        </p:style>
+      </p:cxnSp>
+      <p:cxnSp>
+        <p:nvCxnSpPr>
+          <p:cNvPr id="14" name="直線矢印コネクタ 13"/>
+          <p:cNvCxnSpPr/>
+          <p:nvPr/>
+        </p:nvCxnSpPr>
+        <p:spPr>
+          <a:xfrm>
+            <a:off x="4485991" y="3032956"/>
+            <a:ext cx="4404797" cy="0"/>
+          </a:xfrm>
+          <a:prstGeom prst="straightConnector1">
+            <a:avLst/>
+          </a:prstGeom>
+          <a:ln>
+            <a:tailEnd type="arrow"/>
+          </a:ln>
+        </p:spPr>
+        <p:style>
+          <a:lnRef idx="1">
+            <a:schemeClr val="accent1"/>
+          </a:lnRef>
+          <a:fillRef idx="0">
+            <a:schemeClr val="accent1"/>
+          </a:fillRef>
+          <a:effectRef idx="0">
+            <a:schemeClr val="accent1"/>
+          </a:effectRef>
+          <a:fontRef idx="minor">
+            <a:schemeClr val="tx1"/>
+          </a:fontRef>
+        </p:style>
+      </p:cxnSp>
+      <p:sp>
+        <p:nvSpPr>
+          <p:cNvPr id="15" name="正方形/長方形 14"/>
+          <p:cNvSpPr/>
+          <p:nvPr/>
+        </p:nvSpPr>
+        <p:spPr>
+          <a:xfrm>
+            <a:off x="6084168" y="2852936"/>
+            <a:ext cx="216024" cy="216024"/>
+          </a:xfrm>
+          <a:prstGeom prst="rect">
+            <a:avLst/>
+          </a:prstGeom>
+        </p:spPr>
+        <p:style>
+          <a:lnRef idx="2">
+            <a:schemeClr val="accent1">
+              <a:shade val="50000"/>
+            </a:schemeClr>
+          </a:lnRef>
+          <a:fillRef idx="1">
+            <a:schemeClr val="accent1"/>
+          </a:fillRef>
+          <a:effectRef idx="0">
+            <a:schemeClr val="accent1"/>
+          </a:effectRef>
+          <a:fontRef idx="minor">
+            <a:schemeClr val="lt1"/>
+          </a:fontRef>
+        </p:style>
+        <p:txBody>
+          <a:bodyPr rtlCol="0" anchor="ctr"/>
+          <a:lstStyle/>
+          <a:p>
+            <a:pPr algn="ctr"/>
+            <a:endParaRPr kumimoji="1" lang="ja-JP" altLang="en-US"/>
+          </a:p>
+        </p:txBody>
+      </p:sp>
+      <p:sp>
+        <p:nvSpPr>
+          <p:cNvPr id="16" name="正方形/長方形 15"/>
+          <p:cNvSpPr/>
+          <p:nvPr/>
+        </p:nvSpPr>
+        <p:spPr>
+          <a:xfrm>
+            <a:off x="6300192" y="2852936"/>
+            <a:ext cx="216024" cy="216024"/>
+          </a:xfrm>
+          <a:prstGeom prst="rect">
+            <a:avLst/>
+          </a:prstGeom>
+        </p:spPr>
+        <p:style>
+          <a:lnRef idx="2">
+            <a:schemeClr val="accent1">
+              <a:shade val="50000"/>
+            </a:schemeClr>
+          </a:lnRef>
+          <a:fillRef idx="1">
+            <a:schemeClr val="accent1"/>
+          </a:fillRef>
+          <a:effectRef idx="0">
+            <a:schemeClr val="accent1"/>
+          </a:effectRef>
+          <a:fontRef idx="minor">
+            <a:schemeClr val="lt1"/>
+          </a:fontRef>
+        </p:style>
+        <p:txBody>
+          <a:bodyPr rtlCol="0" anchor="ctr"/>
+          <a:lstStyle/>
+          <a:p>
+            <a:pPr algn="ctr"/>
+            <a:endParaRPr kumimoji="1" lang="ja-JP" altLang="en-US"/>
+          </a:p>
+        </p:txBody>
+      </p:sp>
+      <p:sp>
+        <p:nvSpPr>
+          <p:cNvPr id="17" name="正方形/長方形 16"/>
+          <p:cNvSpPr/>
+          <p:nvPr/>
+        </p:nvSpPr>
+        <p:spPr>
+          <a:xfrm>
+            <a:off x="6516216" y="2852936"/>
+            <a:ext cx="216024" cy="216024"/>
+          </a:xfrm>
+          <a:prstGeom prst="rect">
+            <a:avLst/>
+          </a:prstGeom>
+        </p:spPr>
+        <p:style>
+          <a:lnRef idx="2">
+            <a:schemeClr val="accent1">
+              <a:shade val="50000"/>
+            </a:schemeClr>
+          </a:lnRef>
+          <a:fillRef idx="1">
+            <a:schemeClr val="accent1"/>
+          </a:fillRef>
+          <a:effectRef idx="0">
+            <a:schemeClr val="accent1"/>
+          </a:effectRef>
+          <a:fontRef idx="minor">
+            <a:schemeClr val="lt1"/>
+          </a:fontRef>
+        </p:style>
+        <p:txBody>
+          <a:bodyPr rtlCol="0" anchor="ctr"/>
+          <a:lstStyle/>
+          <a:p>
+            <a:pPr algn="ctr"/>
+            <a:endParaRPr kumimoji="1" lang="ja-JP" altLang="en-US"/>
+          </a:p>
+        </p:txBody>
+      </p:sp>
+      <p:sp>
+        <p:nvSpPr>
+          <p:cNvPr id="18" name="正方形/長方形 17"/>
+          <p:cNvSpPr/>
+          <p:nvPr/>
+        </p:nvSpPr>
+        <p:spPr>
+          <a:xfrm>
+            <a:off x="6732240" y="2852936"/>
+            <a:ext cx="216024" cy="216024"/>
+          </a:xfrm>
+          <a:prstGeom prst="rect">
+            <a:avLst/>
+          </a:prstGeom>
+        </p:spPr>
+        <p:style>
+          <a:lnRef idx="2">
+            <a:schemeClr val="accent1">
+              <a:shade val="50000"/>
+            </a:schemeClr>
+          </a:lnRef>
+          <a:fillRef idx="1">
+            <a:schemeClr val="accent1"/>
+          </a:fillRef>
+          <a:effectRef idx="0">
+            <a:schemeClr val="accent1"/>
+          </a:effectRef>
+          <a:fontRef idx="minor">
+            <a:schemeClr val="lt1"/>
+          </a:fontRef>
+        </p:style>
+        <p:txBody>
+          <a:bodyPr rtlCol="0" anchor="ctr"/>
+          <a:lstStyle/>
+          <a:p>
+            <a:pPr algn="ctr"/>
+            <a:endParaRPr kumimoji="1" lang="ja-JP" altLang="en-US"/>
+          </a:p>
+        </p:txBody>
+      </p:sp>
+      <p:sp>
+        <p:nvSpPr>
+          <p:cNvPr id="19" name="正方形/長方形 18"/>
+          <p:cNvSpPr/>
+          <p:nvPr/>
+        </p:nvSpPr>
+        <p:spPr>
+          <a:xfrm>
+            <a:off x="6948264" y="2852936"/>
+            <a:ext cx="216024" cy="216024"/>
+          </a:xfrm>
+          <a:prstGeom prst="rect">
+            <a:avLst/>
+          </a:prstGeom>
+        </p:spPr>
+        <p:style>
+          <a:lnRef idx="2">
+            <a:schemeClr val="accent1">
+              <a:shade val="50000"/>
+            </a:schemeClr>
+          </a:lnRef>
+          <a:fillRef idx="1">
+            <a:schemeClr val="accent1"/>
+          </a:fillRef>
+          <a:effectRef idx="0">
+            <a:schemeClr val="accent1"/>
+          </a:effectRef>
+          <a:fontRef idx="minor">
+            <a:schemeClr val="lt1"/>
+          </a:fontRef>
+        </p:style>
+        <p:txBody>
+          <a:bodyPr rtlCol="0" anchor="ctr"/>
+          <a:lstStyle/>
+          <a:p>
+            <a:pPr algn="ctr"/>
+            <a:endParaRPr kumimoji="1" lang="ja-JP" altLang="en-US"/>
+          </a:p>
+        </p:txBody>
+      </p:sp>
+      <p:sp>
+        <p:nvSpPr>
+          <p:cNvPr id="20" name="正方形/長方形 19"/>
+          <p:cNvSpPr/>
+          <p:nvPr/>
+        </p:nvSpPr>
+        <p:spPr>
+          <a:xfrm>
+            <a:off x="7164288" y="2852936"/>
+            <a:ext cx="216024" cy="216024"/>
+          </a:xfrm>
+          <a:prstGeom prst="rect">
+            <a:avLst/>
+          </a:prstGeom>
+        </p:spPr>
+        <p:style>
+          <a:lnRef idx="2">
+            <a:schemeClr val="accent1">
+              <a:shade val="50000"/>
+            </a:schemeClr>
+          </a:lnRef>
+          <a:fillRef idx="1">
+            <a:schemeClr val="accent1"/>
+          </a:fillRef>
+          <a:effectRef idx="0">
+            <a:schemeClr val="accent1"/>
+          </a:effectRef>
+          <a:fontRef idx="minor">
+            <a:schemeClr val="lt1"/>
+          </a:fontRef>
+        </p:style>
+        <p:txBody>
+          <a:bodyPr rtlCol="0" anchor="ctr"/>
+          <a:lstStyle/>
+          <a:p>
+            <a:pPr algn="ctr"/>
+            <a:endParaRPr kumimoji="1" lang="ja-JP" altLang="en-US"/>
+          </a:p>
+        </p:txBody>
+      </p:sp>
+      <p:cxnSp>
+        <p:nvCxnSpPr>
+          <p:cNvPr id="22" name="直線矢印コネクタ 21"/>
+          <p:cNvCxnSpPr/>
+          <p:nvPr/>
+        </p:nvCxnSpPr>
+        <p:spPr>
+          <a:xfrm flipV="1">
+            <a:off x="6120172" y="1340768"/>
+            <a:ext cx="0" cy="2808312"/>
+          </a:xfrm>
+          <a:prstGeom prst="straightConnector1">
+            <a:avLst/>
+          </a:prstGeom>
+          <a:ln>
+            <a:tailEnd type="arrow"/>
+          </a:ln>
+        </p:spPr>
+        <p:style>
+          <a:lnRef idx="1">
+            <a:schemeClr val="accent1"/>
+          </a:lnRef>
+          <a:fillRef idx="0">
+            <a:schemeClr val="accent1"/>
+          </a:fillRef>
+          <a:effectRef idx="0">
+            <a:schemeClr val="accent1"/>
+          </a:effectRef>
+          <a:fontRef idx="minor">
+            <a:schemeClr val="tx1"/>
+          </a:fontRef>
+        </p:style>
+      </p:cxnSp>
+      <p:sp>
+        <p:nvSpPr>
+          <p:cNvPr id="23" name="テキスト ボックス 22"/>
+          <p:cNvSpPr txBox="1"/>
+          <p:nvPr/>
+        </p:nvSpPr>
+        <p:spPr>
+          <a:xfrm>
+            <a:off x="5536961" y="3674707"/>
+            <a:ext cx="756084" cy="369332"/>
+          </a:xfrm>
+          <a:prstGeom prst="rect">
+            <a:avLst/>
+          </a:prstGeom>
+          <a:noFill/>
+        </p:spPr>
+        <p:txBody>
+          <a:bodyPr wrap="square" rtlCol="0">
+            <a:spAutoFit/>
+          </a:bodyPr>
+          <a:lstStyle/>
+          <a:p>
+            <a:r>
+              <a:rPr kumimoji="1" lang="en-US" altLang="ja-JP" dirty="0" smtClean="0"/>
+              <a:t>X=0</a:t>
+            </a:r>
+            <a:endParaRPr kumimoji="1" lang="ja-JP" altLang="en-US" dirty="0"/>
+          </a:p>
+        </p:txBody>
+      </p:sp>
+      <p:sp>
+        <p:nvSpPr>
+          <p:cNvPr id="24" name="テキスト ボックス 23"/>
+          <p:cNvSpPr txBox="1"/>
+          <p:nvPr/>
+        </p:nvSpPr>
+        <p:spPr>
+          <a:xfrm>
+            <a:off x="4391019" y="2663624"/>
+            <a:ext cx="756084" cy="369332"/>
+          </a:xfrm>
+          <a:prstGeom prst="rect">
+            <a:avLst/>
+          </a:prstGeom>
+          <a:noFill/>
+        </p:spPr>
+        <p:txBody>
+          <a:bodyPr wrap="square" rtlCol="0">
+            <a:spAutoFit/>
+          </a:bodyPr>
+          <a:lstStyle/>
+          <a:p>
+            <a:r>
+              <a:rPr kumimoji="1" lang="ja-JP" altLang="en-US" dirty="0" smtClean="0"/>
+              <a:t>Ｙ</a:t>
+            </a:r>
+            <a:r>
+              <a:rPr kumimoji="1" lang="en-US" altLang="ja-JP" dirty="0" smtClean="0"/>
+              <a:t>=0</a:t>
+            </a:r>
+            <a:endParaRPr kumimoji="1" lang="ja-JP" altLang="en-US" dirty="0"/>
+          </a:p>
+        </p:txBody>
+      </p:sp>
+      <p:sp>
+        <p:nvSpPr>
+          <p:cNvPr id="25" name="テキスト ボックス 24"/>
+          <p:cNvSpPr txBox="1"/>
+          <p:nvPr/>
+        </p:nvSpPr>
+        <p:spPr>
+          <a:xfrm>
+            <a:off x="5692684" y="3072166"/>
+            <a:ext cx="998991" cy="369332"/>
+          </a:xfrm>
+          <a:prstGeom prst="rect">
+            <a:avLst/>
+          </a:prstGeom>
+          <a:noFill/>
+        </p:spPr>
+        <p:txBody>
+          <a:bodyPr wrap="none" rtlCol="0">
+            <a:spAutoFit/>
+          </a:bodyPr>
+          <a:lstStyle/>
+          <a:p>
+            <a:r>
+              <a:rPr lang="en-US" altLang="ja-JP" dirty="0" smtClean="0"/>
+              <a:t>0.</a:t>
+            </a:r>
+            <a:r>
+              <a:rPr lang="ja-JP" altLang="en-US" dirty="0" smtClean="0"/>
+              <a:t>～</a:t>
+            </a:r>
+            <a:r>
+              <a:rPr lang="en-US" altLang="ja-JP" dirty="0" smtClean="0"/>
+              <a:t>0.78</a:t>
+            </a:r>
+            <a:endParaRPr kumimoji="1" lang="ja-JP" altLang="en-US" dirty="0"/>
+          </a:p>
+        </p:txBody>
+      </p:sp>
+      <p:sp>
+        <p:nvSpPr>
+          <p:cNvPr id="26" name="正方形/長方形 25"/>
+          <p:cNvSpPr/>
+          <p:nvPr/>
+        </p:nvSpPr>
+        <p:spPr>
+          <a:xfrm>
+            <a:off x="7905016" y="2848290"/>
+            <a:ext cx="216024" cy="216024"/>
+          </a:xfrm>
+          <a:prstGeom prst="rect">
+            <a:avLst/>
+          </a:prstGeom>
+        </p:spPr>
+        <p:style>
+          <a:lnRef idx="2">
+            <a:schemeClr val="accent1">
+              <a:shade val="50000"/>
+            </a:schemeClr>
+          </a:lnRef>
+          <a:fillRef idx="1">
+            <a:schemeClr val="accent1"/>
+          </a:fillRef>
+          <a:effectRef idx="0">
+            <a:schemeClr val="accent1"/>
+          </a:effectRef>
+          <a:fontRef idx="minor">
+            <a:schemeClr val="lt1"/>
+          </a:fontRef>
+        </p:style>
+        <p:txBody>
+          <a:bodyPr rtlCol="0" anchor="ctr"/>
+          <a:lstStyle/>
+          <a:p>
+            <a:pPr algn="ctr"/>
+            <a:endParaRPr kumimoji="1" lang="ja-JP" altLang="en-US"/>
+          </a:p>
+        </p:txBody>
+      </p:sp>
+      <p:cxnSp>
+        <p:nvCxnSpPr>
+          <p:cNvPr id="28" name="直線矢印コネクタ 27"/>
+          <p:cNvCxnSpPr/>
+          <p:nvPr/>
+        </p:nvCxnSpPr>
+        <p:spPr>
+          <a:xfrm flipV="1">
+            <a:off x="8100392" y="1340768"/>
+            <a:ext cx="0" cy="2952328"/>
+          </a:xfrm>
+          <a:prstGeom prst="straightConnector1">
+            <a:avLst/>
+          </a:prstGeom>
+          <a:ln>
+            <a:headEnd type="none" w="med" len="med"/>
+            <a:tailEnd type="none" w="med" len="med"/>
+          </a:ln>
+        </p:spPr>
+        <p:style>
+          <a:lnRef idx="1">
+            <a:schemeClr val="accent1"/>
+          </a:lnRef>
+          <a:fillRef idx="0">
+            <a:schemeClr val="accent1"/>
+          </a:fillRef>
+          <a:effectRef idx="0">
+            <a:schemeClr val="accent1"/>
+          </a:effectRef>
+          <a:fontRef idx="minor">
+            <a:schemeClr val="tx1"/>
+          </a:fontRef>
+        </p:style>
+      </p:cxnSp>
+      <p:sp>
+        <p:nvSpPr>
+          <p:cNvPr id="29" name="テキスト ボックス 28"/>
+          <p:cNvSpPr txBox="1"/>
+          <p:nvPr/>
+        </p:nvSpPr>
+        <p:spPr>
+          <a:xfrm>
+            <a:off x="7379698" y="3779748"/>
+            <a:ext cx="954106" cy="369332"/>
+          </a:xfrm>
+          <a:prstGeom prst="rect">
+            <a:avLst/>
+          </a:prstGeom>
+          <a:noFill/>
+        </p:spPr>
+        <p:txBody>
+          <a:bodyPr wrap="square" rtlCol="0">
+            <a:spAutoFit/>
+          </a:bodyPr>
+          <a:lstStyle/>
+          <a:p>
+            <a:r>
+              <a:rPr kumimoji="1" lang="en-US" altLang="ja-JP" dirty="0" smtClean="0"/>
+              <a:t>X=20</a:t>
+            </a:r>
+            <a:endParaRPr kumimoji="1" lang="ja-JP" altLang="en-US" dirty="0"/>
+          </a:p>
+        </p:txBody>
+      </p:sp>
+      <p:sp>
+        <p:nvSpPr>
+          <p:cNvPr id="30" name="テキスト ボックス 29"/>
+          <p:cNvSpPr txBox="1"/>
+          <p:nvPr/>
+        </p:nvSpPr>
+        <p:spPr>
+          <a:xfrm>
+            <a:off x="6084168" y="2560258"/>
+            <a:ext cx="1415772" cy="369332"/>
+          </a:xfrm>
+          <a:prstGeom prst="rect">
+            <a:avLst/>
+          </a:prstGeom>
+          <a:noFill/>
+        </p:spPr>
+        <p:txBody>
+          <a:bodyPr wrap="none" rtlCol="0">
+            <a:spAutoFit/>
+          </a:bodyPr>
+          <a:lstStyle/>
+          <a:p>
+            <a:r>
+              <a:rPr lang="en-US" altLang="ja-JP" dirty="0" smtClean="0"/>
+              <a:t>0  1  2  3  4  5</a:t>
+            </a:r>
+            <a:endParaRPr kumimoji="1" lang="ja-JP" altLang="en-US" dirty="0"/>
+          </a:p>
+        </p:txBody>
+      </p:sp>
+      <p:sp>
+        <p:nvSpPr>
+          <p:cNvPr id="31" name="テキスト ボックス 30"/>
+          <p:cNvSpPr txBox="1"/>
+          <p:nvPr/>
+        </p:nvSpPr>
+        <p:spPr>
+          <a:xfrm>
+            <a:off x="7637154" y="2591616"/>
+            <a:ext cx="535724" cy="369332"/>
+          </a:xfrm>
+          <a:prstGeom prst="rect">
+            <a:avLst/>
+          </a:prstGeom>
+          <a:noFill/>
+        </p:spPr>
+        <p:txBody>
+          <a:bodyPr wrap="none" rtlCol="0">
+            <a:spAutoFit/>
+          </a:bodyPr>
+          <a:lstStyle/>
+          <a:p>
+            <a:r>
+              <a:rPr lang="en-US" altLang="ja-JP" dirty="0" smtClean="0"/>
+              <a:t>255</a:t>
+            </a:r>
+            <a:endParaRPr kumimoji="1" lang="ja-JP" altLang="en-US" dirty="0"/>
+          </a:p>
+        </p:txBody>
+      </p:sp>
+      <p:sp>
+        <p:nvSpPr>
+          <p:cNvPr id="32" name="テキスト ボックス 31"/>
+          <p:cNvSpPr txBox="1"/>
+          <p:nvPr/>
+        </p:nvSpPr>
+        <p:spPr>
+          <a:xfrm>
+            <a:off x="2305214" y="1372126"/>
+            <a:ext cx="3998210" cy="369332"/>
+          </a:xfrm>
+          <a:prstGeom prst="rect">
+            <a:avLst/>
+          </a:prstGeom>
+          <a:solidFill>
+            <a:schemeClr val="bg1">
+              <a:lumMod val="95000"/>
+            </a:schemeClr>
+          </a:solidFill>
+          <a:ln>
+            <a:solidFill>
+              <a:srgbClr val="FFC000"/>
+            </a:solidFill>
+          </a:ln>
+        </p:spPr>
+        <p:txBody>
+          <a:bodyPr wrap="none" rtlCol="0">
+            <a:spAutoFit/>
+          </a:bodyPr>
+          <a:lstStyle/>
+          <a:p>
+            <a:r>
+              <a:rPr lang="ja-JP" altLang="en-US" dirty="0" smtClean="0"/>
+              <a:t>偶数画素</a:t>
+            </a:r>
+            <a:r>
+              <a:rPr lang="ja-JP" altLang="en-US" dirty="0"/>
+              <a:t>だと</a:t>
+            </a:r>
+            <a:r>
+              <a:rPr lang="ja-JP" altLang="en-US" dirty="0" smtClean="0"/>
+              <a:t>、左右が同数にならない。</a:t>
+            </a:r>
+            <a:endParaRPr kumimoji="1" lang="ja-JP" altLang="en-US" dirty="0"/>
+          </a:p>
+        </p:txBody>
+      </p:sp>
+      <p:sp>
+        <p:nvSpPr>
+          <p:cNvPr id="51" name="テキスト ボックス 50"/>
+          <p:cNvSpPr txBox="1"/>
+          <p:nvPr/>
+        </p:nvSpPr>
+        <p:spPr>
+          <a:xfrm>
+            <a:off x="7722350" y="6196662"/>
+            <a:ext cx="954106" cy="369332"/>
+          </a:xfrm>
+          <a:prstGeom prst="rect">
+            <a:avLst/>
+          </a:prstGeom>
+          <a:noFill/>
+        </p:spPr>
+        <p:txBody>
+          <a:bodyPr wrap="square" rtlCol="0">
+            <a:spAutoFit/>
+          </a:bodyPr>
+          <a:lstStyle/>
+          <a:p>
+            <a:r>
+              <a:rPr kumimoji="1" lang="en-US" altLang="ja-JP" dirty="0" smtClean="0"/>
+              <a:t>X=20</a:t>
+            </a:r>
+            <a:endParaRPr kumimoji="1" lang="ja-JP" altLang="en-US" dirty="0"/>
+          </a:p>
+        </p:txBody>
+      </p:sp>
+      <p:sp>
+        <p:nvSpPr>
+          <p:cNvPr id="3" name="テキスト ボックス 2"/>
+          <p:cNvSpPr txBox="1"/>
+          <p:nvPr/>
+        </p:nvSpPr>
+        <p:spPr>
+          <a:xfrm>
+            <a:off x="6120172" y="1741458"/>
+            <a:ext cx="2912977" cy="646331"/>
+          </a:xfrm>
+          <a:prstGeom prst="rect">
+            <a:avLst/>
+          </a:prstGeom>
+          <a:noFill/>
+        </p:spPr>
+        <p:txBody>
+          <a:bodyPr wrap="none" rtlCol="0">
+            <a:spAutoFit/>
+          </a:bodyPr>
+          <a:lstStyle/>
+          <a:p>
+            <a:r>
+              <a:rPr kumimoji="1" lang="en-US" altLang="ja-JP" dirty="0" smtClean="0"/>
+              <a:t>20</a:t>
+            </a:r>
+            <a:r>
+              <a:rPr kumimoji="1" lang="ja-JP" altLang="en-US" dirty="0" smtClean="0"/>
+              <a:t>の間に</a:t>
+            </a:r>
+            <a:r>
+              <a:rPr kumimoji="1" lang="en-US" altLang="ja-JP" dirty="0" smtClean="0"/>
+              <a:t>256</a:t>
+            </a:r>
+            <a:r>
+              <a:rPr kumimoji="1" lang="ja-JP" altLang="en-US" dirty="0" smtClean="0"/>
+              <a:t>個の画素</a:t>
+            </a:r>
+            <a:endParaRPr lang="en-US" altLang="ja-JP" dirty="0" smtClean="0"/>
+          </a:p>
+          <a:p>
+            <a:r>
+              <a:rPr lang="en-US" altLang="ja-JP" dirty="0" smtClean="0"/>
+              <a:t>1</a:t>
+            </a:r>
+            <a:r>
+              <a:rPr lang="ja-JP" altLang="en-US" dirty="0" smtClean="0"/>
+              <a:t>画素は</a:t>
+            </a:r>
+            <a:r>
+              <a:rPr lang="en-US" altLang="ja-JP" dirty="0" smtClean="0"/>
+              <a:t>20/256(=0.078)</a:t>
+            </a:r>
+            <a:r>
+              <a:rPr lang="ja-JP" altLang="en-US" dirty="0" smtClean="0"/>
+              <a:t>の幅</a:t>
+            </a:r>
+            <a:endParaRPr lang="en-US" altLang="ja-JP" dirty="0" smtClean="0"/>
+          </a:p>
+        </p:txBody>
+      </p:sp>
+      <p:sp>
+        <p:nvSpPr>
+          <p:cNvPr id="9" name="テキスト ボックス 8"/>
+          <p:cNvSpPr txBox="1"/>
+          <p:nvPr/>
+        </p:nvSpPr>
+        <p:spPr>
+          <a:xfrm>
+            <a:off x="4588974" y="4281165"/>
+            <a:ext cx="4458272" cy="923330"/>
+          </a:xfrm>
+          <a:prstGeom prst="rect">
+            <a:avLst/>
+          </a:prstGeom>
+          <a:noFill/>
+        </p:spPr>
+        <p:txBody>
+          <a:bodyPr wrap="none" rtlCol="0">
+            <a:spAutoFit/>
+          </a:bodyPr>
+          <a:lstStyle/>
+          <a:p>
+            <a:r>
+              <a:rPr lang="ja-JP" altLang="en-US" dirty="0" smtClean="0"/>
+              <a:t>Ｘ座標値　ｘ　</a:t>
+            </a:r>
+            <a:r>
+              <a:rPr lang="en-US" altLang="ja-JP" dirty="0" smtClean="0"/>
+              <a:t>256/20 </a:t>
+            </a:r>
+            <a:r>
+              <a:rPr lang="ja-JP" altLang="en-US" dirty="0" smtClean="0"/>
+              <a:t>で画素番号がでる。</a:t>
+            </a:r>
+            <a:endParaRPr lang="en-US" altLang="ja-JP" dirty="0" smtClean="0"/>
+          </a:p>
+          <a:p>
+            <a:r>
+              <a:rPr kumimoji="1" lang="ja-JP" altLang="en-US" dirty="0" smtClean="0"/>
+              <a:t>（ＣＧでは、左上の画素が</a:t>
+            </a:r>
+            <a:r>
+              <a:rPr kumimoji="1" lang="en-US" altLang="ja-JP" dirty="0" smtClean="0"/>
+              <a:t>0,0</a:t>
+            </a:r>
+            <a:r>
+              <a:rPr kumimoji="1" lang="ja-JP" altLang="en-US" dirty="0" smtClean="0"/>
+              <a:t>となるが</a:t>
+            </a:r>
+            <a:endParaRPr kumimoji="1" lang="en-US" altLang="ja-JP" dirty="0" smtClean="0"/>
+          </a:p>
+          <a:p>
+            <a:r>
+              <a:rPr lang="ja-JP" altLang="en-US" dirty="0"/>
+              <a:t>ここで</a:t>
+            </a:r>
+            <a:r>
+              <a:rPr lang="ja-JP" altLang="en-US" dirty="0" smtClean="0"/>
+              <a:t>は説明のために原点中心としている</a:t>
+            </a:r>
+            <a:r>
+              <a:rPr kumimoji="1" lang="ja-JP" altLang="en-US" dirty="0" smtClean="0"/>
+              <a:t>）</a:t>
+            </a:r>
+            <a:endParaRPr kumimoji="1" lang="ja-JP" altLang="en-US" dirty="0"/>
+          </a:p>
+        </p:txBody>
+      </p:sp>
+    </p:spTree>
+    <p:extLst>
+      <p:ext uri="{BB962C8B-B14F-4D97-AF65-F5344CB8AC3E}">
+        <p14:creationId xmlns:p14="http://schemas.microsoft.com/office/powerpoint/2010/main" val="3966741890"/>
+      </p:ext>
+    </p:extLst>
+  </p:cSld>
+  <p:clrMapOvr>
+    <a:masterClrMapping/>
+  </p:clrMapOvr>
+</p:sld>
+</file>
+
+<file path=ppt/slides/slide17.xml><?xml version="1.0" encoding="utf-8"?>
+<p:sld xmlns:a="http://schemas.openxmlformats.org/drawingml/2006/main" xmlns:r="http://schemas.openxmlformats.org/officeDocument/2006/relationships" xmlns:p="http://schemas.openxmlformats.org/presentationml/2006/main">
+  <p:cSld>
+    <p:spTree>
+      <p:nvGrpSpPr>
+        <p:cNvPr id="1" name=""/>
+        <p:cNvGrpSpPr/>
+        <p:nvPr/>
+      </p:nvGrpSpPr>
+      <p:grpSpPr>
+        <a:xfrm>
+          <a:off x="0" y="0"/>
+          <a:ext cx="0" cy="0"/>
+          <a:chOff x="0" y="0"/>
+          <a:chExt cx="0" cy="0"/>
+        </a:xfrm>
+      </p:grpSpPr>
+      <p:sp>
+        <p:nvSpPr>
+          <p:cNvPr id="4" name="コンテンツ プレースホルダー 3"/>
+          <p:cNvSpPr>
+            <a:spLocks noGrp="1"/>
+          </p:cNvSpPr>
+          <p:nvPr>
+            <p:ph idx="1"/>
+          </p:nvPr>
+        </p:nvSpPr>
+        <p:spPr>
+          <a:xfrm>
+            <a:off x="1894521" y="1090628"/>
+            <a:ext cx="4834880" cy="3124944"/>
+          </a:xfrm>
+          <a:prstGeom prst="rect">
+            <a:avLst/>
+          </a:prstGeom>
+          <a:noFill/>
+        </p:spPr>
+        <p:style>
+          <a:lnRef idx="2">
+            <a:schemeClr val="accent1">
+              <a:shade val="50000"/>
+            </a:schemeClr>
+          </a:lnRef>
+          <a:fillRef idx="1">
+            <a:schemeClr val="accent1"/>
+          </a:fillRef>
+          <a:effectRef idx="0">
+            <a:schemeClr val="accent1"/>
+          </a:effectRef>
+          <a:fontRef idx="minor">
+            <a:schemeClr val="lt1"/>
+          </a:fontRef>
+        </p:style>
+        <p:txBody>
+          <a:bodyPr rtlCol="0" anchor="ctr"/>
+          <a:lstStyle/>
+          <a:p>
+            <a:endParaRPr kumimoji="1" lang="ja-JP" altLang="en-US" dirty="0"/>
+          </a:p>
+        </p:txBody>
+      </p:sp>
+      <p:cxnSp>
+        <p:nvCxnSpPr>
+          <p:cNvPr id="6" name="直線矢印コネクタ 5"/>
+          <p:cNvCxnSpPr/>
+          <p:nvPr/>
+        </p:nvCxnSpPr>
+        <p:spPr>
+          <a:xfrm>
+            <a:off x="1606489" y="2653100"/>
+            <a:ext cx="6120680" cy="21704"/>
+          </a:xfrm>
+          <a:prstGeom prst="straightConnector1">
+            <a:avLst/>
+          </a:prstGeom>
+          <a:ln>
+            <a:solidFill>
+              <a:schemeClr val="tx1"/>
+            </a:solidFill>
+            <a:tailEnd type="arrow"/>
+          </a:ln>
+        </p:spPr>
+        <p:style>
+          <a:lnRef idx="1">
+            <a:schemeClr val="accent1"/>
+          </a:lnRef>
+          <a:fillRef idx="0">
+            <a:schemeClr val="accent1"/>
+          </a:fillRef>
+          <a:effectRef idx="0">
+            <a:schemeClr val="accent1"/>
+          </a:effectRef>
+          <a:fontRef idx="minor">
+            <a:schemeClr val="tx1"/>
+          </a:fontRef>
+        </p:style>
+      </p:cxnSp>
+      <p:cxnSp>
+        <p:nvCxnSpPr>
+          <p:cNvPr id="8" name="直線矢印コネクタ 7"/>
+          <p:cNvCxnSpPr/>
+          <p:nvPr/>
+        </p:nvCxnSpPr>
+        <p:spPr>
+          <a:xfrm flipV="1">
+            <a:off x="4311961" y="701988"/>
+            <a:ext cx="30832" cy="3629000"/>
+          </a:xfrm>
+          <a:prstGeom prst="straightConnector1">
+            <a:avLst/>
+          </a:prstGeom>
+          <a:ln>
+            <a:solidFill>
+              <a:schemeClr val="tx1"/>
+            </a:solidFill>
+            <a:tailEnd type="arrow"/>
+          </a:ln>
+        </p:spPr>
+        <p:style>
+          <a:lnRef idx="1">
+            <a:schemeClr val="accent1"/>
+          </a:lnRef>
+          <a:fillRef idx="0">
+            <a:schemeClr val="accent1"/>
+          </a:fillRef>
+          <a:effectRef idx="0">
+            <a:schemeClr val="accent1"/>
+          </a:effectRef>
+          <a:fontRef idx="minor">
+            <a:schemeClr val="tx1"/>
+          </a:fontRef>
+        </p:style>
+      </p:cxnSp>
+      <p:sp>
+        <p:nvSpPr>
+          <p:cNvPr id="9" name="テキスト ボックス 8"/>
+          <p:cNvSpPr txBox="1"/>
+          <p:nvPr/>
+        </p:nvSpPr>
+        <p:spPr>
+          <a:xfrm>
+            <a:off x="7835196" y="2490138"/>
+            <a:ext cx="431528" cy="369332"/>
+          </a:xfrm>
+          <a:prstGeom prst="rect">
+            <a:avLst/>
+          </a:prstGeom>
+          <a:noFill/>
+        </p:spPr>
+        <p:txBody>
+          <a:bodyPr wrap="none" rtlCol="0">
+            <a:spAutoFit/>
+          </a:bodyPr>
+          <a:lstStyle/>
+          <a:p>
+            <a:r>
+              <a:rPr kumimoji="1" lang="en-US" altLang="ja-JP" dirty="0" smtClean="0">
+                <a:solidFill>
+                  <a:srgbClr val="FF0000"/>
+                </a:solidFill>
+              </a:rPr>
+              <a:t>I</a:t>
+            </a:r>
+            <a:r>
+              <a:rPr kumimoji="1" lang="en-US" altLang="ja-JP" dirty="0" smtClean="0"/>
+              <a:t>/</a:t>
+            </a:r>
+            <a:r>
+              <a:rPr kumimoji="1" lang="en-US" altLang="ja-JP" dirty="0" smtClean="0">
+                <a:solidFill>
+                  <a:srgbClr val="00B050"/>
+                </a:solidFill>
+              </a:rPr>
+              <a:t>x</a:t>
+            </a:r>
+            <a:endParaRPr kumimoji="1" lang="ja-JP" altLang="en-US" dirty="0">
+              <a:solidFill>
+                <a:srgbClr val="00B050"/>
+              </a:solidFill>
+            </a:endParaRPr>
+          </a:p>
+        </p:txBody>
+      </p:sp>
+      <p:sp>
+        <p:nvSpPr>
+          <p:cNvPr id="10" name="テキスト ボックス 9"/>
+          <p:cNvSpPr txBox="1"/>
+          <p:nvPr/>
+        </p:nvSpPr>
+        <p:spPr>
+          <a:xfrm>
+            <a:off x="4206190" y="332656"/>
+            <a:ext cx="433132" cy="369332"/>
+          </a:xfrm>
+          <a:prstGeom prst="rect">
+            <a:avLst/>
+          </a:prstGeom>
+          <a:noFill/>
+        </p:spPr>
+        <p:txBody>
+          <a:bodyPr wrap="none" rtlCol="0">
+            <a:spAutoFit/>
+          </a:bodyPr>
+          <a:lstStyle/>
+          <a:p>
+            <a:r>
+              <a:rPr kumimoji="1" lang="en-US" altLang="ja-JP" dirty="0" smtClean="0">
+                <a:solidFill>
+                  <a:srgbClr val="FF0000"/>
+                </a:solidFill>
+              </a:rPr>
+              <a:t>j</a:t>
+            </a:r>
+            <a:r>
+              <a:rPr kumimoji="1" lang="en-US" altLang="ja-JP" dirty="0" smtClean="0"/>
+              <a:t>/</a:t>
+            </a:r>
+            <a:r>
+              <a:rPr kumimoji="1" lang="en-US" altLang="ja-JP" dirty="0" smtClean="0">
+                <a:solidFill>
+                  <a:srgbClr val="00B050"/>
+                </a:solidFill>
+              </a:rPr>
+              <a:t>y</a:t>
+            </a:r>
+            <a:endParaRPr kumimoji="1" lang="ja-JP" altLang="en-US" dirty="0">
+              <a:solidFill>
+                <a:srgbClr val="00B050"/>
+              </a:solidFill>
+            </a:endParaRPr>
+          </a:p>
+        </p:txBody>
+      </p:sp>
+      <p:sp>
+        <p:nvSpPr>
+          <p:cNvPr id="11" name="テキスト ボックス 10"/>
+          <p:cNvSpPr txBox="1"/>
+          <p:nvPr/>
+        </p:nvSpPr>
+        <p:spPr>
+          <a:xfrm>
+            <a:off x="4297273" y="2653100"/>
+            <a:ext cx="301686" cy="369332"/>
+          </a:xfrm>
+          <a:prstGeom prst="rect">
+            <a:avLst/>
+          </a:prstGeom>
+          <a:noFill/>
+        </p:spPr>
+        <p:txBody>
+          <a:bodyPr wrap="none" rtlCol="0">
+            <a:spAutoFit/>
+          </a:bodyPr>
+          <a:lstStyle/>
+          <a:p>
+            <a:r>
+              <a:rPr kumimoji="1" lang="en-US" altLang="ja-JP" dirty="0" smtClean="0">
+                <a:solidFill>
+                  <a:srgbClr val="00B050"/>
+                </a:solidFill>
+              </a:rPr>
+              <a:t>0</a:t>
+            </a:r>
+            <a:endParaRPr kumimoji="1" lang="ja-JP" altLang="en-US" dirty="0">
+              <a:solidFill>
+                <a:srgbClr val="00B050"/>
+              </a:solidFill>
+            </a:endParaRPr>
+          </a:p>
+        </p:txBody>
+      </p:sp>
+      <p:sp>
+        <p:nvSpPr>
+          <p:cNvPr id="12" name="テキスト ボックス 11"/>
+          <p:cNvSpPr txBox="1"/>
+          <p:nvPr/>
+        </p:nvSpPr>
+        <p:spPr>
+          <a:xfrm>
+            <a:off x="6719056" y="2708104"/>
+            <a:ext cx="1597360" cy="646331"/>
+          </a:xfrm>
+          <a:prstGeom prst="rect">
+            <a:avLst/>
+          </a:prstGeom>
+          <a:noFill/>
+        </p:spPr>
+        <p:txBody>
+          <a:bodyPr wrap="none" rtlCol="0">
+            <a:spAutoFit/>
+          </a:bodyPr>
+          <a:lstStyle/>
+          <a:p>
+            <a:r>
+              <a:rPr lang="en-US" altLang="ja-JP" dirty="0" err="1" smtClean="0">
+                <a:solidFill>
+                  <a:srgbClr val="FF0000"/>
+                </a:solidFill>
+              </a:rPr>
+              <a:t>Frame_width</a:t>
+            </a:r>
+            <a:endParaRPr lang="en-US" altLang="ja-JP" dirty="0" smtClean="0">
+              <a:solidFill>
+                <a:srgbClr val="FF0000"/>
+              </a:solidFill>
+            </a:endParaRPr>
+          </a:p>
+          <a:p>
+            <a:r>
+              <a:rPr kumimoji="1" lang="en-US" altLang="ja-JP" dirty="0" smtClean="0"/>
+              <a:t>=</a:t>
+            </a:r>
+            <a:r>
+              <a:rPr kumimoji="1" lang="en-US" altLang="ja-JP" dirty="0" err="1" smtClean="0">
+                <a:solidFill>
+                  <a:srgbClr val="00B050"/>
+                </a:solidFill>
+              </a:rPr>
+              <a:t>view_width</a:t>
+            </a:r>
+            <a:r>
+              <a:rPr kumimoji="1" lang="en-US" altLang="ja-JP" dirty="0" smtClean="0">
+                <a:solidFill>
+                  <a:srgbClr val="00B050"/>
+                </a:solidFill>
+              </a:rPr>
+              <a:t>/2</a:t>
+            </a:r>
+            <a:endParaRPr kumimoji="1" lang="ja-JP" altLang="en-US" dirty="0">
+              <a:solidFill>
+                <a:srgbClr val="00B050"/>
+              </a:solidFill>
+            </a:endParaRPr>
+          </a:p>
+        </p:txBody>
+      </p:sp>
+      <p:sp>
+        <p:nvSpPr>
+          <p:cNvPr id="13" name="テキスト ボックス 12"/>
+          <p:cNvSpPr txBox="1"/>
+          <p:nvPr/>
+        </p:nvSpPr>
+        <p:spPr>
+          <a:xfrm>
+            <a:off x="526369" y="2685358"/>
+            <a:ext cx="1552476" cy="646331"/>
+          </a:xfrm>
+          <a:prstGeom prst="rect">
+            <a:avLst/>
+          </a:prstGeom>
+          <a:noFill/>
+        </p:spPr>
+        <p:txBody>
+          <a:bodyPr wrap="none" rtlCol="0">
+            <a:spAutoFit/>
+          </a:bodyPr>
+          <a:lstStyle/>
+          <a:p>
+            <a:r>
+              <a:rPr lang="en-US" altLang="ja-JP" dirty="0" smtClean="0">
+                <a:solidFill>
+                  <a:srgbClr val="FF0000"/>
+                </a:solidFill>
+              </a:rPr>
+              <a:t>0 </a:t>
+            </a:r>
+            <a:r>
+              <a:rPr lang="en-US" altLang="ja-JP" dirty="0" smtClean="0"/>
+              <a:t>=</a:t>
+            </a:r>
+          </a:p>
+          <a:p>
+            <a:r>
+              <a:rPr lang="en-US" altLang="ja-JP" dirty="0">
+                <a:solidFill>
+                  <a:srgbClr val="00B050"/>
+                </a:solidFill>
+              </a:rPr>
+              <a:t>-</a:t>
+            </a:r>
+            <a:r>
+              <a:rPr lang="en-US" altLang="ja-JP" dirty="0" err="1" smtClean="0">
+                <a:solidFill>
+                  <a:srgbClr val="00B050"/>
+                </a:solidFill>
+              </a:rPr>
+              <a:t>view_width</a:t>
+            </a:r>
+            <a:r>
+              <a:rPr lang="en-US" altLang="ja-JP" dirty="0" smtClean="0">
+                <a:solidFill>
+                  <a:srgbClr val="00B050"/>
+                </a:solidFill>
+              </a:rPr>
+              <a:t>/2</a:t>
+            </a:r>
+            <a:endParaRPr lang="ja-JP" altLang="en-US" dirty="0">
+              <a:solidFill>
+                <a:srgbClr val="00B050"/>
+              </a:solidFill>
+            </a:endParaRPr>
+          </a:p>
+        </p:txBody>
+      </p:sp>
+      <p:sp>
+        <p:nvSpPr>
+          <p:cNvPr id="14" name="テキスト ボックス 13"/>
+          <p:cNvSpPr txBox="1"/>
+          <p:nvPr/>
+        </p:nvSpPr>
+        <p:spPr>
+          <a:xfrm>
+            <a:off x="3820796" y="4293096"/>
+            <a:ext cx="1609671" cy="646331"/>
+          </a:xfrm>
+          <a:prstGeom prst="rect">
+            <a:avLst/>
+          </a:prstGeom>
+          <a:noFill/>
+        </p:spPr>
+        <p:txBody>
+          <a:bodyPr wrap="none" rtlCol="0">
+            <a:spAutoFit/>
+          </a:bodyPr>
+          <a:lstStyle/>
+          <a:p>
+            <a:r>
+              <a:rPr lang="en-US" altLang="ja-JP" dirty="0" smtClean="0">
+                <a:solidFill>
+                  <a:srgbClr val="FF0000"/>
+                </a:solidFill>
+              </a:rPr>
+              <a:t>0</a:t>
+            </a:r>
+            <a:r>
+              <a:rPr lang="en-US" altLang="ja-JP" dirty="0" smtClean="0"/>
+              <a:t>=</a:t>
+            </a:r>
+          </a:p>
+          <a:p>
+            <a:r>
+              <a:rPr lang="en-US" altLang="ja-JP" dirty="0" smtClean="0">
+                <a:solidFill>
+                  <a:srgbClr val="00B050"/>
+                </a:solidFill>
+              </a:rPr>
+              <a:t>-</a:t>
+            </a:r>
+            <a:r>
+              <a:rPr lang="en-US" altLang="ja-JP" dirty="0" err="1" smtClean="0">
+                <a:solidFill>
+                  <a:srgbClr val="00B050"/>
+                </a:solidFill>
+              </a:rPr>
+              <a:t>view_height</a:t>
+            </a:r>
+            <a:r>
+              <a:rPr lang="en-US" altLang="ja-JP" dirty="0" smtClean="0">
+                <a:solidFill>
+                  <a:srgbClr val="00B050"/>
+                </a:solidFill>
+              </a:rPr>
+              <a:t>/2</a:t>
+            </a:r>
+            <a:endParaRPr kumimoji="1" lang="ja-JP" altLang="en-US" dirty="0">
+              <a:solidFill>
+                <a:srgbClr val="00B050"/>
+              </a:solidFill>
+            </a:endParaRPr>
+          </a:p>
+        </p:txBody>
+      </p:sp>
+      <p:sp>
+        <p:nvSpPr>
+          <p:cNvPr id="15" name="テキスト ボックス 14"/>
+          <p:cNvSpPr txBox="1"/>
+          <p:nvPr/>
+        </p:nvSpPr>
+        <p:spPr>
+          <a:xfrm>
+            <a:off x="4448116" y="499528"/>
+            <a:ext cx="1487458" cy="646331"/>
+          </a:xfrm>
+          <a:prstGeom prst="rect">
+            <a:avLst/>
+          </a:prstGeom>
+          <a:noFill/>
+        </p:spPr>
+        <p:txBody>
+          <a:bodyPr wrap="none" rtlCol="0">
+            <a:spAutoFit/>
+          </a:bodyPr>
+          <a:lstStyle/>
+          <a:p>
+            <a:r>
+              <a:rPr lang="en-US" altLang="ja-JP" dirty="0" err="1">
+                <a:solidFill>
+                  <a:srgbClr val="FF0000"/>
+                </a:solidFill>
+              </a:rPr>
+              <a:t>Frame_height</a:t>
+            </a:r>
+            <a:endParaRPr lang="en-US" altLang="ja-JP" dirty="0">
+              <a:solidFill>
+                <a:srgbClr val="FF0000"/>
+              </a:solidFill>
+            </a:endParaRPr>
+          </a:p>
+          <a:p>
+            <a:r>
+              <a:rPr lang="en-US" altLang="ja-JP" dirty="0" smtClean="0">
+                <a:solidFill>
+                  <a:srgbClr val="00B050"/>
+                </a:solidFill>
+              </a:rPr>
+              <a:t>=</a:t>
+            </a:r>
+            <a:r>
+              <a:rPr lang="en-US" altLang="ja-JP" dirty="0" err="1" smtClean="0">
+                <a:solidFill>
+                  <a:srgbClr val="00B050"/>
+                </a:solidFill>
+              </a:rPr>
+              <a:t>view_height</a:t>
+            </a:r>
+            <a:endParaRPr lang="en-US" altLang="ja-JP" dirty="0" smtClean="0">
+              <a:solidFill>
+                <a:srgbClr val="00B050"/>
+              </a:solidFill>
+            </a:endParaRPr>
+          </a:p>
+        </p:txBody>
+      </p:sp>
+      <p:sp>
+        <p:nvSpPr>
+          <p:cNvPr id="17" name="正方形/長方形 16"/>
+          <p:cNvSpPr/>
+          <p:nvPr/>
+        </p:nvSpPr>
+        <p:spPr>
+          <a:xfrm>
+            <a:off x="1763688" y="4077072"/>
+            <a:ext cx="288032" cy="216024"/>
+          </a:xfrm>
+          <a:prstGeom prst="rect">
+            <a:avLst/>
+          </a:prstGeom>
+        </p:spPr>
+        <p:style>
+          <a:lnRef idx="2">
+            <a:schemeClr val="accent1">
+              <a:shade val="50000"/>
+            </a:schemeClr>
+          </a:lnRef>
+          <a:fillRef idx="1">
+            <a:schemeClr val="accent1"/>
+          </a:fillRef>
+          <a:effectRef idx="0">
+            <a:schemeClr val="accent1"/>
+          </a:effectRef>
+          <a:fontRef idx="minor">
+            <a:schemeClr val="lt1"/>
+          </a:fontRef>
+        </p:style>
+        <p:txBody>
+          <a:bodyPr rtlCol="0" anchor="ctr"/>
+          <a:lstStyle/>
+          <a:p>
+            <a:pPr algn="ctr"/>
+            <a:endParaRPr kumimoji="1" lang="ja-JP" altLang="en-US"/>
+          </a:p>
+        </p:txBody>
+      </p:sp>
+      <p:sp>
+        <p:nvSpPr>
+          <p:cNvPr id="2" name="テキスト ボックス 1"/>
+          <p:cNvSpPr txBox="1"/>
+          <p:nvPr/>
+        </p:nvSpPr>
+        <p:spPr>
+          <a:xfrm>
+            <a:off x="683568" y="4989659"/>
+            <a:ext cx="8166403" cy="1754326"/>
+          </a:xfrm>
+          <a:prstGeom prst="rect">
+            <a:avLst/>
+          </a:prstGeom>
+          <a:noFill/>
+        </p:spPr>
+        <p:txBody>
+          <a:bodyPr wrap="none" rtlCol="0">
+            <a:spAutoFit/>
+          </a:bodyPr>
+          <a:lstStyle/>
+          <a:p>
+            <a:r>
+              <a:rPr kumimoji="1" lang="en-US" altLang="ja-JP" dirty="0" smtClean="0"/>
+              <a:t>1</a:t>
+            </a:r>
+            <a:r>
+              <a:rPr kumimoji="1" lang="ja-JP" altLang="en-US" dirty="0" smtClean="0"/>
+              <a:t>画素の幅</a:t>
+            </a:r>
+            <a:r>
+              <a:rPr lang="en-US" altLang="ja-JP" dirty="0" smtClean="0"/>
+              <a:t>ΔX=</a:t>
+            </a:r>
+            <a:r>
+              <a:rPr lang="en-US" altLang="ja-JP" dirty="0" err="1" smtClean="0"/>
+              <a:t>view_width</a:t>
+            </a:r>
+            <a:r>
+              <a:rPr lang="en-US" altLang="ja-JP" dirty="0" smtClean="0"/>
+              <a:t>/(frame_width-1)</a:t>
+            </a:r>
+            <a:r>
+              <a:rPr lang="ja-JP" altLang="en-US" dirty="0" err="1" smtClean="0"/>
+              <a:t>、</a:t>
+            </a:r>
+            <a:r>
+              <a:rPr lang="ja-JP" altLang="en-US" dirty="0" smtClean="0"/>
+              <a:t>高さ</a:t>
+            </a:r>
+            <a:r>
+              <a:rPr lang="en-US" altLang="ja-JP" dirty="0" err="1" smtClean="0"/>
+              <a:t>Δy</a:t>
+            </a:r>
+            <a:r>
+              <a:rPr lang="en-US" altLang="ja-JP" dirty="0" smtClean="0"/>
+              <a:t>=</a:t>
+            </a:r>
+            <a:r>
+              <a:rPr lang="en-US" altLang="ja-JP" dirty="0" err="1" smtClean="0"/>
+              <a:t>view_height</a:t>
+            </a:r>
+            <a:r>
+              <a:rPr lang="en-US" altLang="ja-JP" dirty="0" smtClean="0"/>
+              <a:t>/(frame_height-1)</a:t>
+            </a:r>
+          </a:p>
+          <a:p>
+            <a:r>
+              <a:rPr kumimoji="1" lang="en-US" altLang="ja-JP" dirty="0" smtClean="0"/>
+              <a:t>Image[0][0]</a:t>
+            </a:r>
+            <a:r>
+              <a:rPr kumimoji="1" lang="ja-JP" altLang="en-US" dirty="0" smtClean="0"/>
+              <a:t>の領域は、</a:t>
+            </a:r>
+            <a:endParaRPr kumimoji="1" lang="en-US" altLang="ja-JP" dirty="0" smtClean="0"/>
+          </a:p>
+          <a:p>
+            <a:r>
+              <a:rPr lang="en-US" altLang="ja-JP" dirty="0"/>
+              <a:t> </a:t>
+            </a:r>
+            <a:r>
+              <a:rPr lang="en-US" altLang="ja-JP" dirty="0" smtClean="0"/>
+              <a:t>   X</a:t>
+            </a:r>
+            <a:r>
+              <a:rPr lang="ja-JP" altLang="en-US" dirty="0" smtClean="0"/>
+              <a:t>が </a:t>
+            </a:r>
+            <a:r>
+              <a:rPr lang="en-US" altLang="ja-JP" dirty="0" smtClean="0"/>
+              <a:t>–</a:t>
+            </a:r>
+            <a:r>
+              <a:rPr lang="en-US" altLang="ja-JP" dirty="0" err="1" smtClean="0"/>
+              <a:t>view_width</a:t>
+            </a:r>
+            <a:r>
+              <a:rPr lang="en-US" altLang="ja-JP" dirty="0" smtClean="0"/>
+              <a:t>/2 – 0.5*</a:t>
+            </a:r>
+            <a:r>
+              <a:rPr lang="en-US" altLang="ja-JP" dirty="0" err="1" smtClean="0"/>
+              <a:t>Δx</a:t>
+            </a:r>
+            <a:r>
+              <a:rPr lang="en-US" altLang="ja-JP" dirty="0" smtClean="0"/>
+              <a:t> </a:t>
+            </a:r>
+            <a:r>
+              <a:rPr lang="ja-JP" altLang="en-US" dirty="0" smtClean="0"/>
+              <a:t>～</a:t>
+            </a:r>
+            <a:r>
+              <a:rPr lang="en-US" altLang="ja-JP" dirty="0" smtClean="0"/>
+              <a:t>-view_width+0.5*</a:t>
+            </a:r>
+            <a:r>
+              <a:rPr lang="en-US" altLang="ja-JP" dirty="0" err="1" smtClean="0"/>
+              <a:t>Δx</a:t>
+            </a:r>
+            <a:endParaRPr lang="en-US" altLang="ja-JP" dirty="0" smtClean="0"/>
+          </a:p>
+          <a:p>
+            <a:r>
+              <a:rPr lang="en-US" altLang="ja-JP" dirty="0" smtClean="0"/>
+              <a:t>    Y</a:t>
+            </a:r>
+            <a:r>
+              <a:rPr lang="ja-JP" altLang="en-US" dirty="0" smtClean="0"/>
+              <a:t>が </a:t>
+            </a:r>
+            <a:r>
+              <a:rPr lang="en-US" altLang="ja-JP" dirty="0"/>
+              <a:t>–</a:t>
+            </a:r>
+            <a:r>
+              <a:rPr lang="en-US" altLang="ja-JP" dirty="0" err="1" smtClean="0"/>
+              <a:t>view_height</a:t>
+            </a:r>
+            <a:r>
+              <a:rPr lang="en-US" altLang="ja-JP" dirty="0" smtClean="0"/>
+              <a:t>/2 </a:t>
+            </a:r>
+            <a:r>
+              <a:rPr lang="en-US" altLang="ja-JP" dirty="0"/>
+              <a:t>– </a:t>
+            </a:r>
+            <a:r>
+              <a:rPr lang="en-US" altLang="ja-JP" dirty="0" smtClean="0"/>
+              <a:t>0.5*</a:t>
+            </a:r>
+            <a:r>
+              <a:rPr lang="en-US" altLang="ja-JP" dirty="0" err="1" smtClean="0"/>
+              <a:t>Δy</a:t>
+            </a:r>
+            <a:r>
+              <a:rPr lang="en-US" altLang="ja-JP" dirty="0" smtClean="0"/>
+              <a:t> </a:t>
+            </a:r>
+            <a:r>
+              <a:rPr lang="ja-JP" altLang="en-US" dirty="0"/>
+              <a:t>～</a:t>
+            </a:r>
+            <a:r>
+              <a:rPr lang="en-US" altLang="ja-JP" dirty="0"/>
+              <a:t>-</a:t>
+            </a:r>
+            <a:r>
+              <a:rPr lang="en-US" altLang="ja-JP" dirty="0" smtClean="0"/>
+              <a:t>view_height+0.5*ΔY</a:t>
+            </a:r>
+          </a:p>
+          <a:p>
+            <a:r>
+              <a:rPr kumimoji="1" lang="en-US" altLang="ja-JP" dirty="0" smtClean="0"/>
+              <a:t>Image[</a:t>
+            </a:r>
+            <a:r>
+              <a:rPr kumimoji="1" lang="en-US" altLang="ja-JP" dirty="0" err="1" smtClean="0"/>
+              <a:t>i</a:t>
+            </a:r>
+            <a:r>
+              <a:rPr kumimoji="1" lang="en-US" altLang="ja-JP" dirty="0" smtClean="0"/>
+              <a:t>][j]</a:t>
+            </a:r>
+            <a:r>
+              <a:rPr kumimoji="1" lang="ja-JP" altLang="en-US" dirty="0" smtClean="0"/>
+              <a:t>の領域は</a:t>
+            </a:r>
+            <a:endParaRPr kumimoji="1" lang="en-US" altLang="ja-JP" dirty="0" smtClean="0"/>
+          </a:p>
+          <a:p>
+            <a:r>
+              <a:rPr lang="en-US" altLang="ja-JP" dirty="0"/>
+              <a:t> </a:t>
+            </a:r>
+            <a:r>
+              <a:rPr lang="en-US" altLang="ja-JP" dirty="0" smtClean="0"/>
+              <a:t>    X</a:t>
+            </a:r>
+            <a:r>
+              <a:rPr lang="ja-JP" altLang="en-US" dirty="0" smtClean="0"/>
+              <a:t>が　</a:t>
+            </a:r>
+            <a:r>
+              <a:rPr lang="en-US" altLang="ja-JP" dirty="0" smtClean="0"/>
+              <a:t>–</a:t>
+            </a:r>
+            <a:r>
+              <a:rPr lang="en-US" altLang="ja-JP" dirty="0" err="1" smtClean="0"/>
+              <a:t>view_width</a:t>
+            </a:r>
+            <a:r>
+              <a:rPr lang="en-US" altLang="ja-JP" dirty="0" smtClean="0"/>
+              <a:t>/2 + </a:t>
+            </a:r>
+            <a:r>
+              <a:rPr lang="en-US" altLang="ja-JP" dirty="0" err="1" smtClean="0"/>
+              <a:t>Δx</a:t>
+            </a:r>
+            <a:r>
+              <a:rPr lang="en-US" altLang="ja-JP" dirty="0" smtClean="0"/>
+              <a:t>*I ±0.5*</a:t>
+            </a:r>
+            <a:r>
+              <a:rPr lang="en-US" altLang="ja-JP" dirty="0" err="1" smtClean="0"/>
+              <a:t>Δx</a:t>
+            </a:r>
+            <a:r>
+              <a:rPr lang="ja-JP" altLang="en-US" dirty="0" err="1" smtClean="0"/>
+              <a:t>、</a:t>
+            </a:r>
+            <a:r>
+              <a:rPr lang="en-US" altLang="ja-JP" dirty="0"/>
+              <a:t> </a:t>
+            </a:r>
+            <a:r>
+              <a:rPr lang="en-US" altLang="ja-JP" dirty="0" smtClean="0"/>
+              <a:t>Y</a:t>
+            </a:r>
+            <a:r>
+              <a:rPr lang="ja-JP" altLang="en-US" dirty="0" smtClean="0"/>
+              <a:t>が</a:t>
+            </a:r>
+            <a:r>
+              <a:rPr lang="ja-JP" altLang="en-US" dirty="0"/>
+              <a:t>　</a:t>
+            </a:r>
+            <a:r>
+              <a:rPr lang="en-US" altLang="ja-JP" dirty="0"/>
+              <a:t>–</a:t>
+            </a:r>
+            <a:r>
+              <a:rPr lang="en-US" altLang="ja-JP" dirty="0" err="1" smtClean="0"/>
+              <a:t>view_height</a:t>
+            </a:r>
+            <a:r>
+              <a:rPr lang="en-US" altLang="ja-JP" dirty="0" smtClean="0"/>
+              <a:t>/2 </a:t>
+            </a:r>
+            <a:r>
+              <a:rPr lang="en-US" altLang="ja-JP" dirty="0"/>
+              <a:t>+ </a:t>
+            </a:r>
+            <a:r>
+              <a:rPr lang="en-US" altLang="ja-JP" dirty="0" err="1" smtClean="0"/>
+              <a:t>Δy</a:t>
+            </a:r>
+            <a:r>
+              <a:rPr lang="en-US" altLang="ja-JP" dirty="0" smtClean="0"/>
+              <a:t>*J </a:t>
+            </a:r>
+            <a:r>
+              <a:rPr lang="en-US" altLang="ja-JP" dirty="0"/>
+              <a:t>±</a:t>
+            </a:r>
+            <a:r>
+              <a:rPr lang="en-US" altLang="ja-JP" dirty="0" smtClean="0"/>
+              <a:t>0.5*</a:t>
+            </a:r>
+            <a:r>
+              <a:rPr lang="en-US" altLang="ja-JP" dirty="0" err="1" smtClean="0"/>
+              <a:t>Δy</a:t>
+            </a:r>
+            <a:endParaRPr kumimoji="1" lang="ja-JP" altLang="en-US" dirty="0"/>
+          </a:p>
+        </p:txBody>
+      </p:sp>
+    </p:spTree>
+    <p:extLst>
+      <p:ext uri="{BB962C8B-B14F-4D97-AF65-F5344CB8AC3E}">
+        <p14:creationId xmlns:p14="http://schemas.microsoft.com/office/powerpoint/2010/main" val="4060528739"/>
+      </p:ext>
+    </p:extLst>
+  </p:cSld>
+  <p:clrMapOvr>
+    <a:masterClrMapping/>
+  </p:clrMapOvr>
+</p:sld>
+</file>
+
+<file path=ppt/slides/slide18.xml><?xml version="1.0" encoding="utf-8"?>
+<p:sld xmlns:a="http://schemas.openxmlformats.org/drawingml/2006/main" xmlns:r="http://schemas.openxmlformats.org/officeDocument/2006/relationships" xmlns:p="http://schemas.openxmlformats.org/presentationml/2006/main">
+  <p:cSld>
+    <p:spTree>
+      <p:nvGrpSpPr>
+        <p:cNvPr id="1" name=""/>
+        <p:cNvGrpSpPr/>
+        <p:nvPr/>
+      </p:nvGrpSpPr>
+      <p:grpSpPr>
+        <a:xfrm>
+          <a:off x="0" y="0"/>
+          <a:ext cx="0" cy="0"/>
+          <a:chOff x="0" y="0"/>
+          <a:chExt cx="0" cy="0"/>
+        </a:xfrm>
+      </p:grpSpPr>
+      <p:sp>
+        <p:nvSpPr>
+          <p:cNvPr id="2" name="タイトル 1"/>
+          <p:cNvSpPr>
+            <a:spLocks noGrp="1"/>
+          </p:cNvSpPr>
+          <p:nvPr>
+            <p:ph type="title"/>
+          </p:nvPr>
+        </p:nvSpPr>
+        <p:spPr/>
+        <p:txBody>
+          <a:bodyPr/>
+          <a:lstStyle/>
+          <a:p>
+            <a:r>
+              <a:rPr lang="ja-JP" altLang="en-US" dirty="0" smtClean="0"/>
+              <a:t>で、結局、座標変換は</a:t>
+            </a:r>
+            <a:endParaRPr kumimoji="1" lang="ja-JP" altLang="en-US" dirty="0"/>
+          </a:p>
+        </p:txBody>
+      </p:sp>
+      <p:sp>
+        <p:nvSpPr>
+          <p:cNvPr id="3" name="コンテンツ プレースホルダー 2"/>
+          <p:cNvSpPr>
+            <a:spLocks noGrp="1"/>
+          </p:cNvSpPr>
+          <p:nvPr>
+            <p:ph idx="1"/>
+          </p:nvPr>
+        </p:nvSpPr>
+        <p:spPr/>
+        <p:txBody>
+          <a:bodyPr>
+            <a:normAutofit fontScale="85000" lnSpcReduction="20000"/>
+          </a:bodyPr>
+          <a:lstStyle/>
+          <a:p>
+            <a:pPr marL="0" indent="0">
+              <a:buNone/>
+            </a:pPr>
+            <a:r>
+              <a:rPr kumimoji="1" lang="en-US" altLang="ja-JP" dirty="0" smtClean="0"/>
+              <a:t>I = (x – </a:t>
+            </a:r>
+            <a:r>
+              <a:rPr kumimoji="1" lang="en-US" altLang="ja-JP" dirty="0" err="1" smtClean="0"/>
+              <a:t>view_width</a:t>
+            </a:r>
+            <a:r>
+              <a:rPr kumimoji="1" lang="en-US" altLang="ja-JP" dirty="0" smtClean="0"/>
+              <a:t>/2) * Δ</a:t>
+            </a:r>
+            <a:r>
+              <a:rPr kumimoji="1" lang="ja-JP" altLang="en-US" dirty="0" smtClean="0"/>
+              <a:t>Ｘ</a:t>
+            </a:r>
+            <a:r>
+              <a:rPr lang="ja-JP" altLang="en-US" dirty="0" smtClean="0"/>
+              <a:t> </a:t>
+            </a:r>
+            <a:r>
+              <a:rPr lang="en-US" altLang="ja-JP" dirty="0" smtClean="0"/>
+              <a:t>-0.5*Δ</a:t>
+            </a:r>
+            <a:r>
+              <a:rPr lang="ja-JP" altLang="en-US" dirty="0" smtClean="0"/>
+              <a:t>Ｘ</a:t>
+            </a:r>
+            <a:endParaRPr lang="en-US" altLang="ja-JP" dirty="0" smtClean="0"/>
+          </a:p>
+          <a:p>
+            <a:pPr marL="0" indent="0">
+              <a:buNone/>
+            </a:pPr>
+            <a:r>
+              <a:rPr kumimoji="1" lang="ja-JP" altLang="en-US" dirty="0"/>
+              <a:t>　</a:t>
+            </a:r>
+            <a:r>
+              <a:rPr kumimoji="1" lang="en-US" altLang="ja-JP" dirty="0" smtClean="0"/>
+              <a:t>=(x – (</a:t>
+            </a:r>
+            <a:r>
+              <a:rPr kumimoji="1" lang="en-US" altLang="ja-JP" dirty="0" err="1" smtClean="0"/>
+              <a:t>view_width</a:t>
+            </a:r>
+            <a:r>
+              <a:rPr kumimoji="1" lang="en-US" altLang="ja-JP" dirty="0" smtClean="0"/>
+              <a:t>/2+0.5))*ΔX</a:t>
+            </a:r>
+          </a:p>
+          <a:p>
+            <a:pPr marL="0" indent="0">
+              <a:buNone/>
+            </a:pPr>
+            <a:r>
+              <a:rPr lang="en-US" altLang="ja-JP" dirty="0" smtClean="0"/>
+              <a:t>ΔX=</a:t>
+            </a:r>
+            <a:r>
+              <a:rPr lang="en-US" altLang="ja-JP" dirty="0" err="1" smtClean="0"/>
+              <a:t>view_width</a:t>
+            </a:r>
+            <a:r>
+              <a:rPr lang="en-US" altLang="ja-JP" dirty="0"/>
+              <a:t>/(frame_width-1</a:t>
+            </a:r>
+            <a:r>
+              <a:rPr lang="en-US" altLang="ja-JP" dirty="0" smtClean="0"/>
+              <a:t>) , J </a:t>
+            </a:r>
+            <a:r>
+              <a:rPr lang="ja-JP" altLang="en-US" dirty="0" smtClean="0"/>
+              <a:t>同様</a:t>
+            </a:r>
+            <a:endParaRPr lang="en-US" altLang="ja-JP" dirty="0" smtClean="0"/>
+          </a:p>
+          <a:p>
+            <a:pPr marL="0" indent="0">
+              <a:buNone/>
+            </a:pPr>
+            <a:r>
+              <a:rPr kumimoji="1" lang="ja-JP" altLang="en-US" dirty="0" smtClean="0"/>
+              <a:t>本当かな</a:t>
+            </a:r>
+            <a:r>
+              <a:rPr kumimoji="1" lang="en-US" altLang="ja-JP" dirty="0" smtClean="0"/>
+              <a:t>???</a:t>
+            </a:r>
+          </a:p>
+          <a:p>
+            <a:pPr marL="0" indent="0">
+              <a:buNone/>
+            </a:pPr>
+            <a:endParaRPr kumimoji="1" lang="en-US" altLang="ja-JP" dirty="0" smtClean="0"/>
+          </a:p>
+          <a:p>
+            <a:pPr marL="0" indent="0">
+              <a:buNone/>
+            </a:pPr>
+            <a:r>
+              <a:rPr lang="en-US" altLang="ja-JP" dirty="0" smtClean="0"/>
+              <a:t>If(0 =&lt; I =&lt; </a:t>
+            </a:r>
+            <a:r>
+              <a:rPr lang="en-US" altLang="ja-JP" dirty="0" err="1" smtClean="0"/>
+              <a:t>frame_width</a:t>
+            </a:r>
+            <a:r>
+              <a:rPr lang="en-US" altLang="ja-JP" dirty="0" smtClean="0"/>
+              <a:t> &amp;&amp; 0 =&lt; J =&lt; </a:t>
+            </a:r>
+            <a:r>
+              <a:rPr lang="en-US" altLang="ja-JP" dirty="0" err="1" smtClean="0"/>
+              <a:t>frame_height</a:t>
+            </a:r>
+            <a:r>
+              <a:rPr lang="en-US" altLang="ja-JP" dirty="0" smtClean="0"/>
+              <a:t>) {</a:t>
+            </a:r>
+          </a:p>
+          <a:p>
+            <a:pPr marL="0" indent="0">
+              <a:buNone/>
+            </a:pPr>
+            <a:r>
+              <a:rPr lang="en-US" altLang="ja-JP" dirty="0"/>
+              <a:t>	</a:t>
+            </a:r>
+            <a:r>
+              <a:rPr lang="en-US" altLang="ja-JP" dirty="0" smtClean="0"/>
+              <a:t>out of view;</a:t>
+            </a:r>
+          </a:p>
+          <a:p>
+            <a:pPr marL="0" indent="0">
+              <a:buNone/>
+            </a:pPr>
+            <a:r>
+              <a:rPr lang="en-US" altLang="ja-JP" dirty="0" smtClean="0"/>
+              <a:t>} else {</a:t>
+            </a:r>
+          </a:p>
+          <a:p>
+            <a:pPr marL="0" indent="0">
+              <a:buNone/>
+            </a:pPr>
+            <a:r>
+              <a:rPr lang="en-US" altLang="ja-JP" dirty="0"/>
+              <a:t>	</a:t>
+            </a:r>
+            <a:r>
+              <a:rPr lang="en-US" altLang="ja-JP" dirty="0" smtClean="0"/>
+              <a:t>set color and Z value</a:t>
+            </a:r>
+          </a:p>
+          <a:p>
+            <a:pPr marL="0" indent="0">
+              <a:buNone/>
+            </a:pPr>
+            <a:r>
+              <a:rPr lang="en-US" altLang="ja-JP" dirty="0"/>
+              <a:t>}</a:t>
+            </a:r>
+          </a:p>
+        </p:txBody>
+      </p:sp>
+    </p:spTree>
+    <p:extLst>
+      <p:ext uri="{BB962C8B-B14F-4D97-AF65-F5344CB8AC3E}">
+        <p14:creationId xmlns:p14="http://schemas.microsoft.com/office/powerpoint/2010/main" val="2625120885"/>
       </p:ext>
     </p:extLst>
   </p:cSld>
@@ -6012,4 +11811,289 @@
   <a:objectDefaults/>
   <a:extraClrSchemeLst/>
 </a:theme>
+</file>
+
+<file path=ppt/theme/theme2.xml><?xml version="1.0" encoding="utf-8"?>
+<a:theme xmlns:a="http://schemas.openxmlformats.org/drawingml/2006/main" name="Office ​​テーマ">
+  <a:themeElements>
+    <a:clrScheme name="Office">
+      <a:dk1>
+        <a:sysClr val="windowText" lastClr="000000"/>
+      </a:dk1>
+      <a:lt1>
+        <a:sysClr val="window" lastClr="FFFFFF"/>
+      </a:lt1>
+      <a:dk2>
+        <a:srgbClr val="1F497D"/>
+      </a:dk2>
+      <a:lt2>
+        <a:srgbClr val="EEECE1"/>
+      </a:lt2>
+      <a:accent1>
+        <a:srgbClr val="4F81BD"/>
+      </a:accent1>
+      <a:accent2>
+        <a:srgbClr val="C0504D"/>
+      </a:accent2>
+      <a:accent3>
+        <a:srgbClr val="9BBB59"/>
+      </a:accent3>
+      <a:accent4>
+        <a:srgbClr val="8064A2"/>
+      </a:accent4>
+      <a:accent5>
+        <a:srgbClr val="4BACC6"/>
+      </a:accent5>
+      <a:accent6>
+        <a:srgbClr val="F79646"/>
+      </a:accent6>
+      <a:hlink>
+        <a:srgbClr val="0000FF"/>
+      </a:hlink>
+      <a:folHlink>
+        <a:srgbClr val="800080"/>
+      </a:folHlink>
+    </a:clrScheme>
+    <a:fontScheme name="Office">
+      <a:majorFont>
+        <a:latin typeface="Calibri"/>
+        <a:ea typeface=""/>
+        <a:cs typeface=""/>
+        <a:font script="Jpan" typeface="ＭＳ Ｐゴシック"/>
+        <a:font script="Hang" typeface="맑은 고딕"/>
+        <a:font script="Hans" typeface="宋体"/>
+        <a:font script="Hant" typeface="新細明體"/>
+        <a:font script="Arab" typeface="Times New Roman"/>
+        <a:font script="Hebr" typeface="Times New Roman"/>
+        <a:font script="Thai" typeface="Angsana New"/>
+        <a:font script="Ethi" typeface="Nyala"/>
+        <a:font script="Beng" typeface="Vrinda"/>
+        <a:font script="Gujr" typeface="Shruti"/>
+        <a:font script="Khmr" typeface="MoolBoran"/>
+        <a:font script="Knda" typeface="Tunga"/>
+        <a:font script="Guru" typeface="Raavi"/>
+        <a:font script="Cans" typeface="Euphemia"/>
+        <a:font script="Cher" typeface="Plantagenet Cherokee"/>
+        <a:font script="Yiii" typeface="Microsoft Yi Baiti"/>
+        <a:font script="Tibt" typeface="Microsoft Himalaya"/>
+        <a:font script="Thaa" typeface="MV Boli"/>
+        <a:font script="Deva" typeface="Mangal"/>
+        <a:font script="Telu" typeface="Gautami"/>
+        <a:font script="Taml" typeface="Latha"/>
+        <a:font script="Syrc" typeface="Estrangelo Edessa"/>
+        <a:font script="Orya" typeface="Kalinga"/>
+        <a:font script="Mlym" typeface="Kartika"/>
+        <a:font script="Laoo" typeface="DokChampa"/>
+        <a:font script="Sinh" typeface="Iskoola Pota"/>
+        <a:font script="Mong" typeface="Mongolian Baiti"/>
+        <a:font script="Viet" typeface="Times New Roman"/>
+        <a:font script="Uigh" typeface="Microsoft Uighur"/>
+        <a:font script="Geor" typeface="Sylfaen"/>
+      </a:majorFont>
+      <a:minorFont>
+        <a:latin typeface="Calibri"/>
+        <a:ea typeface=""/>
+        <a:cs typeface=""/>
+        <a:font script="Jpan" typeface="ＭＳ Ｐゴシック"/>
+        <a:font script="Hang" typeface="맑은 고딕"/>
+        <a:font script="Hans" typeface="宋体"/>
+        <a:font script="Hant" typeface="新細明體"/>
+        <a:font script="Arab" typeface="Arial"/>
+        <a:font script="Hebr" typeface="Arial"/>
+        <a:font script="Thai" typeface="Cordia New"/>
+        <a:font script="Ethi" typeface="Nyala"/>
+        <a:font script="Beng" typeface="Vrinda"/>
+        <a:font script="Gujr" typeface="Shruti"/>
+        <a:font script="Khmr" typeface="DaunPenh"/>
+        <a:font script="Knda" typeface="Tunga"/>
+        <a:font script="Guru" typeface="Raavi"/>
+        <a:font script="Cans" typeface="Euphemia"/>
+        <a:font script="Cher" typeface="Plantagenet Cherokee"/>
+        <a:font script="Yiii" typeface="Microsoft Yi Baiti"/>
+        <a:font script="Tibt" typeface="Microsoft Himalaya"/>
+        <a:font script="Thaa" typeface="MV Boli"/>
+        <a:font script="Deva" typeface="Mangal"/>
+        <a:font script="Telu" typeface="Gautami"/>
+        <a:font script="Taml" typeface="Latha"/>
+        <a:font script="Syrc" typeface="Estrangelo Edessa"/>
+        <a:font script="Orya" typeface="Kalinga"/>
+        <a:font script="Mlym" typeface="Kartika"/>
+        <a:font script="Laoo" typeface="DokChampa"/>
+        <a:font script="Sinh" typeface="Iskoola Pota"/>
+        <a:font script="Mong" typeface="Mongolian Baiti"/>
+        <a:font script="Viet" typeface="Arial"/>
+        <a:font script="Uigh" typeface="Microsoft Uighur"/>
+        <a:font script="Geor" typeface="Sylfaen"/>
+      </a:minorFont>
+    </a:fontScheme>
+    <a:fmtScheme name="Office">
+      <a:fillStyleLst>
+        <a:solidFill>
+          <a:schemeClr val="phClr"/>
+        </a:solidFill>
+        <a:gradFill rotWithShape="1">
+          <a:gsLst>
+            <a:gs pos="0">
+              <a:schemeClr val="phClr">
+                <a:tint val="50000"/>
+                <a:satMod val="300000"/>
+              </a:schemeClr>
+            </a:gs>
+            <a:gs pos="35000">
+              <a:schemeClr val="phClr">
+                <a:tint val="37000"/>
+                <a:satMod val="300000"/>
+              </a:schemeClr>
+            </a:gs>
+            <a:gs pos="100000">
+              <a:schemeClr val="phClr">
+                <a:tint val="15000"/>
+                <a:satMod val="350000"/>
+              </a:schemeClr>
+            </a:gs>
+          </a:gsLst>
+          <a:lin ang="16200000" scaled="1"/>
+        </a:gradFill>
+        <a:gradFill rotWithShape="1">
+          <a:gsLst>
+            <a:gs pos="0">
+              <a:schemeClr val="phClr">
+                <a:shade val="51000"/>
+                <a:satMod val="130000"/>
+              </a:schemeClr>
+            </a:gs>
+            <a:gs pos="80000">
+              <a:schemeClr val="phClr">
+                <a:shade val="93000"/>
+                <a:satMod val="130000"/>
+              </a:schemeClr>
+            </a:gs>
+            <a:gs pos="100000">
+              <a:schemeClr val="phClr">
+                <a:shade val="94000"/>
+                <a:satMod val="135000"/>
+              </a:schemeClr>
+            </a:gs>
+          </a:gsLst>
+          <a:lin ang="16200000" scaled="0"/>
+        </a:gradFill>
+      </a:fillStyleLst>
+      <a:lnStyleLst>
+        <a:ln w="9525" cap="flat" cmpd="sng" algn="ctr">
+          <a:solidFill>
+            <a:schemeClr val="phClr">
+              <a:shade val="95000"/>
+              <a:satMod val="105000"/>
+            </a:schemeClr>
+          </a:solidFill>
+          <a:prstDash val="solid"/>
+        </a:ln>
+        <a:ln w="25400" cap="flat" cmpd="sng" algn="ctr">
+          <a:solidFill>
+            <a:schemeClr val="phClr"/>
+          </a:solidFill>
+          <a:prstDash val="solid"/>
+        </a:ln>
+        <a:ln w="38100" cap="flat" cmpd="sng" algn="ctr">
+          <a:solidFill>
+            <a:schemeClr val="phClr"/>
+          </a:solidFill>
+          <a:prstDash val="solid"/>
+        </a:ln>
+      </a:lnStyleLst>
+      <a:effectStyleLst>
+        <a:effectStyle>
+          <a:effectLst>
+            <a:outerShdw blurRad="40000" dist="20000" dir="5400000" rotWithShape="0">
+              <a:srgbClr val="000000">
+                <a:alpha val="38000"/>
+              </a:srgbClr>
+            </a:outerShdw>
+          </a:effectLst>
+        </a:effectStyle>
+        <a:effectStyle>
+          <a:effectLst>
+            <a:outerShdw blurRad="40000" dist="23000" dir="5400000" rotWithShape="0">
+              <a:srgbClr val="000000">
+                <a:alpha val="35000"/>
+              </a:srgbClr>
+            </a:outerShdw>
+          </a:effectLst>
+        </a:effectStyle>
+        <a:effectStyle>
+          <a:effectLst>
+            <a:outerShdw blurRad="40000" dist="23000" dir="5400000" rotWithShape="0">
+              <a:srgbClr val="000000">
+                <a:alpha val="35000"/>
+              </a:srgbClr>
+            </a:outerShdw>
+          </a:effectLst>
+          <a:scene3d>
+            <a:camera prst="orthographicFront">
+              <a:rot lat="0" lon="0" rev="0"/>
+            </a:camera>
+            <a:lightRig rig="threePt" dir="t">
+              <a:rot lat="0" lon="0" rev="1200000"/>
+            </a:lightRig>
+          </a:scene3d>
+          <a:sp3d>
+            <a:bevelT w="63500" h="25400"/>
+          </a:sp3d>
+        </a:effectStyle>
+      </a:effectStyleLst>
+      <a:bgFillStyleLst>
+        <a:solidFill>
+          <a:schemeClr val="phClr"/>
+        </a:solidFill>
+        <a:gradFill rotWithShape="1">
+          <a:gsLst>
+            <a:gs pos="0">
+              <a:schemeClr val="phClr">
+                <a:tint val="40000"/>
+                <a:satMod val="350000"/>
+              </a:schemeClr>
+            </a:gs>
+            <a:gs pos="40000">
+              <a:schemeClr val="phClr">
+                <a:tint val="45000"/>
+                <a:shade val="99000"/>
+                <a:satMod val="350000"/>
+              </a:schemeClr>
+            </a:gs>
+            <a:gs pos="100000">
+              <a:schemeClr val="phClr">
+                <a:shade val="20000"/>
+                <a:satMod val="255000"/>
+              </a:schemeClr>
+            </a:gs>
+          </a:gsLst>
+          <a:path path="circle">
+            <a:fillToRect l="50000" t="-80000" r="50000" b="180000"/>
+          </a:path>
+        </a:gradFill>
+        <a:gradFill rotWithShape="1">
+          <a:gsLst>
+            <a:gs pos="0">
+              <a:schemeClr val="phClr">
+                <a:tint val="80000"/>
+                <a:satMod val="300000"/>
+              </a:schemeClr>
+            </a:gs>
+            <a:gs pos="100000">
+              <a:schemeClr val="phClr">
+                <a:shade val="30000"/>
+                <a:satMod val="200000"/>
+              </a:schemeClr>
+            </a:gs>
+          </a:gsLst>
+          <a:path path="circle">
+            <a:fillToRect l="50000" t="50000" r="50000" b="50000"/>
+          </a:path>
+        </a:gradFill>
+      </a:bgFillStyleLst>
+    </a:fmtScheme>
+  </a:themeElements>
+  <a:objectDefaults/>
+  <a:extraClrSchemeLst/>
+</a:theme>
 </file>